--- a/week 9/Slides/09-1 EMAT10007_Building_programs.pptx
+++ b/week 9/Slides/09-1 EMAT10007_Building_programs.pptx
@@ -5,16 +5,19 @@
     <p:sldMasterId id="2147483648" r:id="rId1"/>
   </p:sldMasterIdLst>
   <p:notesMasterIdLst>
-    <p:notesMasterId r:id="rId9"/>
+    <p:notesMasterId r:id="rId12"/>
   </p:notesMasterIdLst>
   <p:sldIdLst>
     <p:sldId id="257" r:id="rId2"/>
-    <p:sldId id="263" r:id="rId3"/>
-    <p:sldId id="261" r:id="rId4"/>
-    <p:sldId id="262" r:id="rId5"/>
-    <p:sldId id="258" r:id="rId6"/>
-    <p:sldId id="264" r:id="rId7"/>
-    <p:sldId id="265" r:id="rId8"/>
+    <p:sldId id="266" r:id="rId3"/>
+    <p:sldId id="263" r:id="rId4"/>
+    <p:sldId id="261" r:id="rId5"/>
+    <p:sldId id="267" r:id="rId6"/>
+    <p:sldId id="262" r:id="rId7"/>
+    <p:sldId id="258" r:id="rId8"/>
+    <p:sldId id="268" r:id="rId9"/>
+    <p:sldId id="264" r:id="rId10"/>
+    <p:sldId id="265" r:id="rId11"/>
   </p:sldIdLst>
   <p:sldSz cx="12192000" cy="6858000"/>
   <p:notesSz cx="6858000" cy="9144000"/>
@@ -203,7 +206,7 @@
           <a:p>
             <a:fld id="{E8A8ACC3-0E38-D947-99F4-623262533D05}" type="datetimeFigureOut">
               <a:rPr lang="en-US" smtClean="0"/>
-              <a:t>10/1/20</a:t>
+              <a:t>11/13/20</a:t>
             </a:fld>
             <a:endParaRPr lang="en-US"/>
           </a:p>
@@ -602,7 +605,7 @@
           <a:p>
             <a:fld id="{F7E21593-AEF4-2045-BB31-B95C21131DEA}" type="datetimeFigureOut">
               <a:rPr lang="en-US" smtClean="0"/>
-              <a:t>10/1/20</a:t>
+              <a:t>11/13/20</a:t>
             </a:fld>
             <a:endParaRPr lang="en-US"/>
           </a:p>
@@ -772,7 +775,7 @@
           <a:p>
             <a:fld id="{F7E21593-AEF4-2045-BB31-B95C21131DEA}" type="datetimeFigureOut">
               <a:rPr lang="en-US" smtClean="0"/>
-              <a:t>10/1/20</a:t>
+              <a:t>11/13/20</a:t>
             </a:fld>
             <a:endParaRPr lang="en-US"/>
           </a:p>
@@ -952,7 +955,7 @@
           <a:p>
             <a:fld id="{F7E21593-AEF4-2045-BB31-B95C21131DEA}" type="datetimeFigureOut">
               <a:rPr lang="en-US" smtClean="0"/>
-              <a:t>10/1/20</a:t>
+              <a:t>11/13/20</a:t>
             </a:fld>
             <a:endParaRPr lang="en-US"/>
           </a:p>
@@ -1122,7 +1125,7 @@
           <a:p>
             <a:fld id="{F7E21593-AEF4-2045-BB31-B95C21131DEA}" type="datetimeFigureOut">
               <a:rPr lang="en-US" smtClean="0"/>
-              <a:t>10/1/20</a:t>
+              <a:t>11/13/20</a:t>
             </a:fld>
             <a:endParaRPr lang="en-US"/>
           </a:p>
@@ -1368,7 +1371,7 @@
           <a:p>
             <a:fld id="{F7E21593-AEF4-2045-BB31-B95C21131DEA}" type="datetimeFigureOut">
               <a:rPr lang="en-US" smtClean="0"/>
-              <a:t>10/1/20</a:t>
+              <a:t>11/13/20</a:t>
             </a:fld>
             <a:endParaRPr lang="en-US"/>
           </a:p>
@@ -1600,7 +1603,7 @@
           <a:p>
             <a:fld id="{F7E21593-AEF4-2045-BB31-B95C21131DEA}" type="datetimeFigureOut">
               <a:rPr lang="en-US" smtClean="0"/>
-              <a:t>10/1/20</a:t>
+              <a:t>11/13/20</a:t>
             </a:fld>
             <a:endParaRPr lang="en-US"/>
           </a:p>
@@ -1967,7 +1970,7 @@
           <a:p>
             <a:fld id="{F7E21593-AEF4-2045-BB31-B95C21131DEA}" type="datetimeFigureOut">
               <a:rPr lang="en-US" smtClean="0"/>
-              <a:t>10/1/20</a:t>
+              <a:t>11/13/20</a:t>
             </a:fld>
             <a:endParaRPr lang="en-US"/>
           </a:p>
@@ -2085,7 +2088,7 @@
           <a:p>
             <a:fld id="{F7E21593-AEF4-2045-BB31-B95C21131DEA}" type="datetimeFigureOut">
               <a:rPr lang="en-US" smtClean="0"/>
-              <a:t>10/1/20</a:t>
+              <a:t>11/13/20</a:t>
             </a:fld>
             <a:endParaRPr lang="en-US"/>
           </a:p>
@@ -2180,7 +2183,7 @@
           <a:p>
             <a:fld id="{F7E21593-AEF4-2045-BB31-B95C21131DEA}" type="datetimeFigureOut">
               <a:rPr lang="en-US" smtClean="0"/>
-              <a:t>10/1/20</a:t>
+              <a:t>11/13/20</a:t>
             </a:fld>
             <a:endParaRPr lang="en-US"/>
           </a:p>
@@ -2457,7 +2460,7 @@
           <a:p>
             <a:fld id="{F7E21593-AEF4-2045-BB31-B95C21131DEA}" type="datetimeFigureOut">
               <a:rPr lang="en-US" smtClean="0"/>
-              <a:t>10/1/20</a:t>
+              <a:t>11/13/20</a:t>
             </a:fld>
             <a:endParaRPr lang="en-US"/>
           </a:p>
@@ -2710,7 +2713,7 @@
           <a:p>
             <a:fld id="{F7E21593-AEF4-2045-BB31-B95C21131DEA}" type="datetimeFigureOut">
               <a:rPr lang="en-US" smtClean="0"/>
-              <a:t>10/1/20</a:t>
+              <a:t>11/13/20</a:t>
             </a:fld>
             <a:endParaRPr lang="en-US"/>
           </a:p>
@@ -2923,7 +2926,7 @@
           <a:p>
             <a:fld id="{F7E21593-AEF4-2045-BB31-B95C21131DEA}" type="datetimeFigureOut">
               <a:rPr lang="en-US" smtClean="0"/>
-              <a:t>10/1/20</a:t>
+              <a:t>11/13/20</a:t>
             </a:fld>
             <a:endParaRPr lang="en-US"/>
           </a:p>
@@ -3394,11 +3397,7 @@
             </a:pPr>
             <a:r>
               <a:rPr lang="en-GB" dirty="0" smtClean="0"/>
-              <a:t>Writing Programs: </a:t>
-            </a:r>
-            <a:r>
-              <a:rPr lang="en-GB" dirty="0" smtClean="0"/>
-              <a:t>Guessing Games</a:t>
+              <a:t>Writing Programs: Guessing Games</a:t>
             </a:r>
             <a:endParaRPr dirty="0"/>
           </a:p>
@@ -3523,6 +3522,258 @@
 </p:sld>
 </file>
 
+<file path=ppt/slides/slide10.xml><?xml version="1.0" encoding="utf-8"?>
+<p:sld xmlns:a="http://schemas.openxmlformats.org/drawingml/2006/main" xmlns:r="http://schemas.openxmlformats.org/officeDocument/2006/relationships" xmlns:p="http://schemas.openxmlformats.org/presentationml/2006/main">
+  <p:cSld>
+    <p:spTree>
+      <p:nvGrpSpPr>
+        <p:cNvPr id="1" name=""/>
+        <p:cNvGrpSpPr/>
+        <p:nvPr/>
+      </p:nvGrpSpPr>
+      <p:grpSpPr>
+        <a:xfrm>
+          <a:off x="0" y="0"/>
+          <a:ext cx="0" cy="0"/>
+          <a:chOff x="0" y="0"/>
+          <a:chExt cx="0" cy="0"/>
+        </a:xfrm>
+      </p:grpSpPr>
+      <p:sp>
+        <p:nvSpPr>
+          <p:cNvPr id="2" name="TextBox 1"/>
+          <p:cNvSpPr txBox="1"/>
+          <p:nvPr/>
+        </p:nvSpPr>
+        <p:spPr>
+          <a:xfrm>
+            <a:off x="1850065" y="723013"/>
+            <a:ext cx="9122735" cy="7571303"/>
+          </a:xfrm>
+          <a:prstGeom prst="rect">
+            <a:avLst/>
+          </a:prstGeom>
+          <a:noFill/>
+        </p:spPr>
+        <p:txBody>
+          <a:bodyPr wrap="square" rtlCol="0">
+            <a:spAutoFit/>
+          </a:bodyPr>
+          <a:lstStyle/>
+          <a:p>
+            <a:pPr algn="ctr">
+              <a:lnSpc>
+                <a:spcPct val="150000"/>
+              </a:lnSpc>
+            </a:pPr>
+            <a:r>
+              <a:rPr lang="en-US" sz="3600" dirty="0" smtClean="0"/>
+              <a:t>To write a program...</a:t>
+            </a:r>
+            <a:endParaRPr lang="en-US" sz="3600" dirty="0"/>
+          </a:p>
+          <a:p>
+            <a:pPr>
+              <a:lnSpc>
+                <a:spcPct val="150000"/>
+              </a:lnSpc>
+            </a:pPr>
+            <a:r>
+              <a:rPr lang="en-US" dirty="0" smtClean="0"/>
+              <a:t> </a:t>
+            </a:r>
+            <a:r>
+              <a:rPr lang="en-US" sz="2400" dirty="0" smtClean="0"/>
+              <a:t>Draw flow diagram of what the program should do</a:t>
+            </a:r>
+            <a:endParaRPr lang="en-US" sz="2400" dirty="0"/>
+          </a:p>
+          <a:p>
+            <a:pPr>
+              <a:lnSpc>
+                <a:spcPct val="150000"/>
+              </a:lnSpc>
+            </a:pPr>
+            <a:r>
+              <a:rPr lang="en-US" sz="2400" dirty="0" smtClean="0"/>
+              <a:t>Variables needed to define task</a:t>
+            </a:r>
+          </a:p>
+          <a:p>
+            <a:pPr>
+              <a:lnSpc>
+                <a:spcPct val="150000"/>
+              </a:lnSpc>
+            </a:pPr>
+            <a:endParaRPr lang="en-US" sz="2400" dirty="0"/>
+          </a:p>
+          <a:p>
+            <a:pPr marL="342900" indent="-342900">
+              <a:lnSpc>
+                <a:spcPct val="150000"/>
+              </a:lnSpc>
+              <a:buFont typeface="Arial" charset="0"/>
+              <a:buChar char="•"/>
+            </a:pPr>
+            <a:r>
+              <a:rPr lang="en-US" sz="2400" b="1" dirty="0" smtClean="0"/>
+              <a:t>join</a:t>
+            </a:r>
+          </a:p>
+          <a:p>
+            <a:pPr marL="342900" indent="-342900">
+              <a:lnSpc>
+                <a:spcPct val="150000"/>
+              </a:lnSpc>
+              <a:buFont typeface="Arial" charset="0"/>
+              <a:buChar char="•"/>
+            </a:pPr>
+            <a:r>
+              <a:rPr lang="en-US" sz="2400" dirty="0" smtClean="0"/>
+              <a:t>f strings : </a:t>
+            </a:r>
+            <a:r>
+              <a:rPr lang="en-US" sz="2400" b="1" dirty="0" smtClean="0"/>
+              <a:t>print( </a:t>
+            </a:r>
+            <a:r>
+              <a:rPr lang="en-US" sz="2400" b="1" dirty="0" err="1" smtClean="0"/>
+              <a:t>f”text</a:t>
+            </a:r>
+            <a:r>
+              <a:rPr lang="en-US" sz="2400" b="1" dirty="0" smtClean="0"/>
+              <a:t> is {variable}” )</a:t>
+            </a:r>
+          </a:p>
+          <a:p>
+            <a:pPr marL="342900" indent="-342900">
+              <a:lnSpc>
+                <a:spcPct val="150000"/>
+              </a:lnSpc>
+              <a:buFont typeface="Arial" charset="0"/>
+              <a:buChar char="•"/>
+            </a:pPr>
+            <a:r>
+              <a:rPr lang="en-US" sz="2400" dirty="0" smtClean="0"/>
+              <a:t>Converting user input : </a:t>
+            </a:r>
+            <a:r>
+              <a:rPr lang="en-US" sz="2400" b="1" dirty="0" err="1" smtClean="0"/>
+              <a:t>int</a:t>
+            </a:r>
+            <a:r>
+              <a:rPr lang="en-US" sz="2400" b="1" dirty="0" smtClean="0"/>
+              <a:t>(input(“Question </a:t>
+            </a:r>
+            <a:r>
+              <a:rPr lang="en-US" sz="2400" b="1" dirty="0" smtClean="0">
+                <a:sym typeface="Wingdings"/>
+              </a:rPr>
+              <a:t>: ))</a:t>
+            </a:r>
+          </a:p>
+          <a:p>
+            <a:pPr lvl="6">
+              <a:lnSpc>
+                <a:spcPct val="150000"/>
+              </a:lnSpc>
+            </a:pPr>
+            <a:r>
+              <a:rPr lang="en-US" sz="2400" b="1" dirty="0" smtClean="0">
+                <a:sym typeface="Wingdings"/>
+              </a:rPr>
+              <a:t> </a:t>
+            </a:r>
+            <a:r>
+              <a:rPr lang="en-US" sz="2400" b="1" dirty="0">
+                <a:sym typeface="Wingdings"/>
+              </a:rPr>
+              <a:t> </a:t>
+            </a:r>
+            <a:r>
+              <a:rPr lang="en-US" sz="2400" b="1" dirty="0" smtClean="0">
+                <a:sym typeface="Wingdings"/>
+              </a:rPr>
+              <a:t>      </a:t>
+            </a:r>
+            <a:r>
+              <a:rPr lang="en-US" sz="2400" b="1" dirty="0" smtClean="0"/>
+              <a:t>input</a:t>
+            </a:r>
+            <a:r>
+              <a:rPr lang="en-US" sz="2400" b="1" dirty="0"/>
+              <a:t>(“Question </a:t>
+            </a:r>
+            <a:r>
+              <a:rPr lang="en-US" sz="2400" b="1" dirty="0">
+                <a:sym typeface="Wingdings"/>
+              </a:rPr>
+              <a:t>: </a:t>
+            </a:r>
+            <a:r>
+              <a:rPr lang="en-US" sz="2400" b="1" dirty="0" smtClean="0">
+                <a:sym typeface="Wingdings"/>
+              </a:rPr>
+              <a:t>).lower()</a:t>
+            </a:r>
+            <a:r>
+              <a:rPr lang="en-US" sz="2400" b="1" dirty="0">
+                <a:sym typeface="Wingdings"/>
+              </a:rPr>
+              <a:t>	</a:t>
+            </a:r>
+            <a:endParaRPr lang="en-US" sz="2400" b="1" dirty="0" smtClean="0"/>
+          </a:p>
+          <a:p>
+            <a:pPr marL="342900" indent="-342900">
+              <a:lnSpc>
+                <a:spcPct val="150000"/>
+              </a:lnSpc>
+              <a:buFont typeface="Arial" charset="0"/>
+              <a:buChar char="•"/>
+            </a:pPr>
+            <a:endParaRPr lang="en-US" sz="2400" dirty="0" smtClean="0"/>
+          </a:p>
+          <a:p>
+            <a:endParaRPr lang="en-US" sz="2400" dirty="0"/>
+          </a:p>
+          <a:p>
+            <a:endParaRPr lang="en-US" sz="2400" dirty="0" smtClean="0"/>
+          </a:p>
+          <a:p>
+            <a:endParaRPr lang="en-US" sz="2400" dirty="0"/>
+          </a:p>
+          <a:p>
+            <a:endParaRPr lang="en-US" sz="2400" dirty="0" smtClean="0"/>
+          </a:p>
+          <a:p>
+            <a:endParaRPr lang="en-US" sz="2400" dirty="0"/>
+          </a:p>
+          <a:p>
+            <a:endParaRPr lang="en-US" sz="2400" dirty="0"/>
+          </a:p>
+        </p:txBody>
+      </p:sp>
+    </p:spTree>
+    <p:extLst>
+      <p:ext uri="{BB962C8B-B14F-4D97-AF65-F5344CB8AC3E}">
+        <p14:creationId xmlns:p14="http://schemas.microsoft.com/office/powerpoint/2010/main" val="1419586117"/>
+      </p:ext>
+    </p:extLst>
+  </p:cSld>
+  <p:clrMapOvr>
+    <a:masterClrMapping/>
+  </p:clrMapOvr>
+  <p:timing>
+    <p:tnLst>
+      <p:par>
+        <p:cTn id="1" dur="indefinite" restart="never" nodeType="tmRoot"/>
+      </p:par>
+    </p:tnLst>
+  </p:timing>
+</p:sld>
+</file>
+
 <file path=ppt/slides/slide2.xml><?xml version="1.0" encoding="utf-8"?>
 <p:sld xmlns:a="http://schemas.openxmlformats.org/drawingml/2006/main" xmlns:r="http://schemas.openxmlformats.org/officeDocument/2006/relationships" xmlns:p="http://schemas.openxmlformats.org/presentationml/2006/main">
   <p:cSld>
@@ -3542,91 +3793,181 @@
       </p:grpSpPr>
       <p:sp>
         <p:nvSpPr>
-          <p:cNvPr id="2" name="TextBox 1"/>
+          <p:cNvPr id="119" name="Introduction to Computer Programming Lecture 2:…"/>
+          <p:cNvSpPr txBox="1">
+            <a:spLocks noGrp="1"/>
+          </p:cNvSpPr>
+          <p:nvPr>
+            <p:ph type="ctrTitle"/>
+          </p:nvPr>
+        </p:nvSpPr>
+        <p:spPr>
+          <a:xfrm>
+            <a:off x="2827915" y="1997896"/>
+            <a:ext cx="6375750" cy="1741289"/>
+          </a:xfrm>
+          <a:prstGeom prst="rect">
+            <a:avLst/>
+          </a:prstGeom>
+        </p:spPr>
+        <p:txBody>
+          <a:bodyPr>
+            <a:normAutofit fontScale="90000"/>
+          </a:bodyPr>
+          <a:lstStyle/>
+          <a:p>
+            <a:pPr defTabSz="160191">
+              <a:defRPr sz="4160"/>
+            </a:pPr>
+            <a:r>
+              <a:rPr dirty="0"/>
+              <a:t>Introduction to Computer Programming Lecture </a:t>
+            </a:r>
+            <a:r>
+              <a:rPr lang="en-GB" dirty="0" smtClean="0"/>
+              <a:t>9.1.a</a:t>
+            </a:r>
+            <a:r>
+              <a:rPr dirty="0" smtClean="0"/>
+              <a:t>:</a:t>
+            </a:r>
+            <a:endParaRPr dirty="0"/>
+          </a:p>
+          <a:p>
+            <a:pPr defTabSz="160191">
+              <a:defRPr sz="4160"/>
+            </a:pPr>
+            <a:r>
+              <a:rPr dirty="0"/>
+              <a:t> </a:t>
+            </a:r>
+          </a:p>
+          <a:p>
+            <a:pPr defTabSz="160191">
+              <a:defRPr sz="4160" b="1">
+                <a:latin typeface="Helvetica"/>
+                <a:ea typeface="Helvetica"/>
+                <a:cs typeface="Helvetica"/>
+                <a:sym typeface="Helvetica"/>
+              </a:defRPr>
+            </a:pPr>
+            <a:r>
+              <a:rPr lang="en-GB" dirty="0" smtClean="0"/>
+              <a:t>Number Guessing Game</a:t>
+            </a:r>
+            <a:endParaRPr dirty="0"/>
+          </a:p>
+        </p:txBody>
+      </p:sp>
+      <p:sp>
+        <p:nvSpPr>
+          <p:cNvPr id="120" name="Department of Engineering Mathematics"/>
           <p:cNvSpPr txBox="1"/>
           <p:nvPr/>
         </p:nvSpPr>
         <p:spPr>
           <a:xfrm>
-            <a:off x="3156376" y="2277232"/>
-            <a:ext cx="5903495" cy="707886"/>
+            <a:off x="3256516" y="4540323"/>
+            <a:ext cx="5518548" cy="596057"/>
           </a:xfrm>
           <a:prstGeom prst="rect">
             <a:avLst/>
           </a:prstGeom>
-          <a:noFill/>
-        </p:spPr>
-        <p:txBody>
-          <a:bodyPr wrap="square" rtlCol="0">
-            <a:spAutoFit/>
+          <a:ln w="12700">
+            <a:miter lim="400000"/>
+          </a:ln>
+          <a:extLst>
+            <a:ext uri="{C572A759-6A51-4108-AA02-DFA0A04FC94B}">
+              <ma14:wrappingTextBoxFlag xmlns:ma14="http://schemas.microsoft.com/office/mac/drawingml/2011/main" val="1"/>
+            </a:ext>
+          </a:extLst>
+        </p:spPr>
+        <p:txBody>
+          <a:bodyPr lIns="26789" tIns="26789" rIns="26789" bIns="26789">
+            <a:normAutofit/>
           </a:bodyPr>
           <a:lstStyle/>
           <a:p>
-            <a:pPr algn="ctr"/>
-            <a:r>
-              <a:rPr lang="en-US" sz="4000" dirty="0" smtClean="0"/>
-              <a:t>Number guessing game</a:t>
-            </a:r>
-            <a:endParaRPr lang="en-US" sz="4000" dirty="0"/>
-          </a:p>
-        </p:txBody>
-      </p:sp>
-      <p:sp>
-        <p:nvSpPr>
-          <p:cNvPr id="3" name="TextBox 2"/>
+            <a:pPr algn="ctr" defTabSz="166353">
+              <a:defRPr sz="2268"/>
+            </a:pPr>
+            <a:r>
+              <a:rPr sz="1196" dirty="0"/>
+              <a:t>Department of Engineering Mathematics</a:t>
+            </a:r>
+          </a:p>
+          <a:p>
+            <a:pPr algn="ctr" defTabSz="166353">
+              <a:defRPr sz="2268"/>
+            </a:pPr>
+            <a:endParaRPr sz="1196" dirty="0"/>
+          </a:p>
+        </p:txBody>
+      </p:sp>
+      <p:sp>
+        <p:nvSpPr>
+          <p:cNvPr id="122" name="Helmut Hauser"/>
           <p:cNvSpPr txBox="1"/>
           <p:nvPr/>
         </p:nvSpPr>
         <p:spPr>
           <a:xfrm>
-            <a:off x="1255387" y="2985118"/>
-            <a:ext cx="9705474" cy="523220"/>
+            <a:off x="3363673" y="4186484"/>
+            <a:ext cx="5518548" cy="596057"/>
           </a:xfrm>
           <a:prstGeom prst="rect">
             <a:avLst/>
           </a:prstGeom>
-          <a:noFill/>
-        </p:spPr>
-        <p:txBody>
-          <a:bodyPr wrap="square" rtlCol="0">
-            <a:spAutoFit/>
+          <a:ln w="12700">
+            <a:miter lim="400000"/>
+          </a:ln>
+          <a:extLst>
+            <a:ext uri="{C572A759-6A51-4108-AA02-DFA0A04FC94B}">
+              <ma14:wrappingTextBoxFlag xmlns:ma14="http://schemas.microsoft.com/office/mac/drawingml/2011/main" val="1"/>
+            </a:ext>
+          </a:extLst>
+        </p:spPr>
+        <p:txBody>
+          <a:bodyPr lIns="26789" tIns="26789" rIns="26789" bIns="26789">
+            <a:normAutofit/>
           </a:bodyPr>
           <a:lstStyle/>
           <a:p>
-            <a:pPr algn="ctr"/>
-            <a:r>
-              <a:rPr lang="en-US" sz="2800" i="1" dirty="0"/>
-              <a:t>"I think of a </a:t>
-            </a:r>
-            <a:r>
-              <a:rPr lang="en-US" sz="2800" i="1" dirty="0" smtClean="0"/>
-              <a:t>number </a:t>
-            </a:r>
-            <a:r>
-              <a:rPr lang="en-US" sz="2800" i="1" dirty="0"/>
-              <a:t>and </a:t>
-            </a:r>
-            <a:r>
-              <a:rPr lang="en-US" sz="2800" i="1" dirty="0" smtClean="0"/>
-              <a:t>you </a:t>
-            </a:r>
-            <a:r>
-              <a:rPr lang="en-US" sz="2800" i="1" dirty="0"/>
-              <a:t>have to guess it"</a:t>
-            </a:r>
+            <a:pPr algn="ctr" defTabSz="166353">
+              <a:defRPr sz="3294"/>
+            </a:pPr>
+            <a:r>
+              <a:rPr lang="en-GB" sz="1737" dirty="0"/>
+              <a:t>Hemma Philamore </a:t>
+            </a:r>
+            <a:endParaRPr sz="1737" dirty="0"/>
+          </a:p>
+          <a:p>
+            <a:pPr algn="ctr" defTabSz="166353">
+              <a:defRPr sz="1728"/>
+            </a:pPr>
+            <a:endParaRPr sz="911" dirty="0"/>
           </a:p>
         </p:txBody>
       </p:sp>
     </p:spTree>
     <p:extLst>
       <p:ext uri="{BB962C8B-B14F-4D97-AF65-F5344CB8AC3E}">
-        <p14:creationId xmlns:p14="http://schemas.microsoft.com/office/powerpoint/2010/main" val="451027627"/>
+        <p14:creationId xmlns:p14="http://schemas.microsoft.com/office/powerpoint/2010/main" val="2136721825"/>
       </p:ext>
     </p:extLst>
   </p:cSld>
   <p:clrMapOvr>
     <a:masterClrMapping/>
   </p:clrMapOvr>
+  <mc:AlternateContent xmlns:mc="http://schemas.openxmlformats.org/markup-compatibility/2006" xmlns:p14="http://schemas.microsoft.com/office/powerpoint/2010/main">
+    <mc:Choice Requires="p14">
+      <p:transition spd="slow" p14:dur="2000"/>
+    </mc:Choice>
+    <mc:Fallback xmlns="">
+      <p:transition spd="slow"/>
+    </mc:Fallback>
+  </mc:AlternateContent>
   <p:timing>
     <p:tnLst>
       <p:par>
@@ -3656,122 +3997,19 @@
       </p:grpSpPr>
       <p:sp>
         <p:nvSpPr>
-          <p:cNvPr id="18" name="Diamond 17"/>
-          <p:cNvSpPr/>
-          <p:nvPr/>
-        </p:nvSpPr>
-        <p:spPr>
-          <a:xfrm>
-            <a:off x="2236987" y="5153553"/>
-            <a:ext cx="2746950" cy="1187017"/>
-          </a:xfrm>
-          <a:prstGeom prst="diamond">
-            <a:avLst/>
-          </a:prstGeom>
-          <a:solidFill>
-            <a:schemeClr val="accent1">
-              <a:lumMod val="20000"/>
-              <a:lumOff val="80000"/>
-            </a:schemeClr>
-          </a:solidFill>
-          <a:ln>
-            <a:noFill/>
-          </a:ln>
-        </p:spPr>
-        <p:style>
-          <a:lnRef idx="2">
-            <a:schemeClr val="accent1">
-              <a:shade val="50000"/>
-            </a:schemeClr>
-          </a:lnRef>
-          <a:fillRef idx="1">
-            <a:schemeClr val="accent1"/>
-          </a:fillRef>
-          <a:effectRef idx="0">
-            <a:schemeClr val="accent1"/>
-          </a:effectRef>
-          <a:fontRef idx="minor">
-            <a:schemeClr val="lt1"/>
-          </a:fontRef>
-        </p:style>
-        <p:txBody>
-          <a:bodyPr rtlCol="0" anchor="ctr"/>
-          <a:lstStyle/>
-          <a:p>
-            <a:pPr algn="ctr"/>
-            <a:endParaRPr lang="en-US"/>
-          </a:p>
-        </p:txBody>
-      </p:sp>
-      <p:sp>
-        <p:nvSpPr>
-          <p:cNvPr id="17" name="Diamond 16"/>
-          <p:cNvSpPr/>
-          <p:nvPr/>
-        </p:nvSpPr>
-        <p:spPr>
-          <a:xfrm>
-            <a:off x="5851950" y="3839984"/>
-            <a:ext cx="2746950" cy="871696"/>
-          </a:xfrm>
-          <a:prstGeom prst="diamond">
-            <a:avLst/>
-          </a:prstGeom>
-          <a:solidFill>
-            <a:schemeClr val="accent1">
-              <a:lumMod val="20000"/>
-              <a:lumOff val="80000"/>
-            </a:schemeClr>
-          </a:solidFill>
-          <a:ln>
-            <a:noFill/>
-          </a:ln>
-        </p:spPr>
-        <p:style>
-          <a:lnRef idx="2">
-            <a:schemeClr val="accent1">
-              <a:shade val="50000"/>
-            </a:schemeClr>
-          </a:lnRef>
-          <a:fillRef idx="1">
-            <a:schemeClr val="accent1"/>
-          </a:fillRef>
-          <a:effectRef idx="0">
-            <a:schemeClr val="accent1"/>
-          </a:effectRef>
-          <a:fontRef idx="minor">
-            <a:schemeClr val="lt1"/>
-          </a:fontRef>
-        </p:style>
-        <p:txBody>
-          <a:bodyPr rtlCol="0" anchor="ctr"/>
-          <a:lstStyle/>
-          <a:p>
-            <a:pPr algn="ctr"/>
-            <a:endParaRPr lang="en-US"/>
-          </a:p>
-        </p:txBody>
-      </p:sp>
-      <p:sp>
-        <p:nvSpPr>
           <p:cNvPr id="2" name="TextBox 1"/>
           <p:cNvSpPr txBox="1"/>
           <p:nvPr/>
         </p:nvSpPr>
         <p:spPr>
           <a:xfrm>
-            <a:off x="6386796" y="460471"/>
-            <a:ext cx="1474237" cy="369332"/>
+            <a:off x="3156376" y="2277232"/>
+            <a:ext cx="5903495" cy="707886"/>
           </a:xfrm>
           <a:prstGeom prst="rect">
             <a:avLst/>
           </a:prstGeom>
-          <a:solidFill>
-            <a:schemeClr val="accent6">
-              <a:lumMod val="20000"/>
-              <a:lumOff val="80000"/>
-            </a:schemeClr>
-          </a:solidFill>
+          <a:noFill/>
         </p:spPr>
         <p:txBody>
           <a:bodyPr wrap="square" rtlCol="0">
@@ -3781,33 +4019,28 @@
           <a:p>
             <a:pPr algn="ctr"/>
             <a:r>
-              <a:rPr lang="en-US" smtClean="0"/>
-              <a:t>Start</a:t>
-            </a:r>
-            <a:endParaRPr lang="en-US"/>
-          </a:p>
-        </p:txBody>
-      </p:sp>
-      <p:sp>
-        <p:nvSpPr>
-          <p:cNvPr id="4" name="TextBox 3"/>
+              <a:rPr lang="en-US" sz="4000" dirty="0" smtClean="0"/>
+              <a:t>Number guessing game</a:t>
+            </a:r>
+            <a:endParaRPr lang="en-US" sz="4000" dirty="0"/>
+          </a:p>
+        </p:txBody>
+      </p:sp>
+      <p:sp>
+        <p:nvSpPr>
+          <p:cNvPr id="3" name="TextBox 2"/>
           <p:cNvSpPr txBox="1"/>
           <p:nvPr/>
         </p:nvSpPr>
         <p:spPr>
           <a:xfrm>
-            <a:off x="5758718" y="1075235"/>
-            <a:ext cx="2799185" cy="369332"/>
+            <a:off x="1255387" y="2985118"/>
+            <a:ext cx="9705474" cy="523220"/>
           </a:xfrm>
           <a:prstGeom prst="rect">
             <a:avLst/>
           </a:prstGeom>
-          <a:solidFill>
-            <a:schemeClr val="accent6">
-              <a:lumMod val="20000"/>
-              <a:lumOff val="80000"/>
-            </a:schemeClr>
-          </a:solidFill>
+          <a:noFill/>
         </p:spPr>
         <p:txBody>
           <a:bodyPr wrap="square" rtlCol="0">
@@ -3817,976 +4050,32 @@
           <a:p>
             <a:pPr algn="ctr"/>
             <a:r>
-              <a:rPr lang="en-US" dirty="0" smtClean="0"/>
-              <a:t>﻿Randomly select a </a:t>
-            </a:r>
-            <a:r>
-              <a:rPr lang="en-US" dirty="0" smtClean="0"/>
-              <a:t>number</a:t>
-            </a:r>
-            <a:endParaRPr lang="en-US" dirty="0"/>
-          </a:p>
-        </p:txBody>
-      </p:sp>
-      <p:sp>
-        <p:nvSpPr>
-          <p:cNvPr id="5" name="TextBox 4"/>
-          <p:cNvSpPr txBox="1"/>
-          <p:nvPr/>
-        </p:nvSpPr>
-        <p:spPr>
-          <a:xfrm>
-            <a:off x="5604763" y="1643635"/>
-            <a:ext cx="3107098" cy="369332"/>
-          </a:xfrm>
-          <a:prstGeom prst="rect">
-            <a:avLst/>
-          </a:prstGeom>
-          <a:solidFill>
-            <a:schemeClr val="accent6">
-              <a:lumMod val="20000"/>
-              <a:lumOff val="80000"/>
-            </a:schemeClr>
-          </a:solidFill>
-        </p:spPr>
-        <p:txBody>
-          <a:bodyPr wrap="square" rtlCol="0">
-            <a:spAutoFit/>
-          </a:bodyPr>
-          <a:lstStyle/>
-          <a:p>
-            <a:pPr algn="ctr"/>
-            <a:r>
-              <a:rPr lang="en-US" smtClean="0"/>
-              <a:t>﻿﻿Initialize game state variables</a:t>
-            </a:r>
-            <a:endParaRPr lang="en-US" dirty="0"/>
-          </a:p>
-        </p:txBody>
-      </p:sp>
-      <p:sp>
-        <p:nvSpPr>
-          <p:cNvPr id="6" name="TextBox 5"/>
-          <p:cNvSpPr txBox="1"/>
-          <p:nvPr/>
-        </p:nvSpPr>
-        <p:spPr>
-          <a:xfrm>
-            <a:off x="5758719" y="2206581"/>
-            <a:ext cx="2799185" cy="369332"/>
-          </a:xfrm>
-          <a:prstGeom prst="rect">
-            <a:avLst/>
-          </a:prstGeom>
-          <a:solidFill>
-            <a:schemeClr val="accent6">
-              <a:lumMod val="20000"/>
-              <a:lumOff val="80000"/>
-            </a:schemeClr>
-          </a:solidFill>
-        </p:spPr>
-        <p:txBody>
-          <a:bodyPr wrap="square" rtlCol="0">
-            <a:spAutoFit/>
-          </a:bodyPr>
-          <a:lstStyle/>
-          <a:p>
-            <a:pPr algn="ctr"/>
-            <a:r>
-              <a:rPr lang="en-US" smtClean="0"/>
-              <a:t>﻿Main game loop </a:t>
-            </a:r>
-            <a:endParaRPr lang="en-US" dirty="0"/>
-          </a:p>
-        </p:txBody>
-      </p:sp>
-      <p:sp>
-        <p:nvSpPr>
-          <p:cNvPr id="9" name="TextBox 8"/>
-          <p:cNvSpPr txBox="1"/>
-          <p:nvPr/>
-        </p:nvSpPr>
-        <p:spPr>
-          <a:xfrm>
-            <a:off x="5604763" y="2804770"/>
-            <a:ext cx="3313991" cy="369332"/>
-          </a:xfrm>
-          <a:prstGeom prst="rect">
-            <a:avLst/>
-          </a:prstGeom>
-          <a:solidFill>
-            <a:schemeClr val="accent2">
-              <a:lumMod val="20000"/>
-              <a:lumOff val="80000"/>
-            </a:schemeClr>
-          </a:solidFill>
-        </p:spPr>
-        <p:txBody>
-          <a:bodyPr wrap="square" rtlCol="0">
-            <a:spAutoFit/>
-          </a:bodyPr>
-          <a:lstStyle/>
-          <a:p>
-            <a:pPr algn="ctr"/>
-            <a:r>
-              <a:rPr lang="en-US" dirty="0" smtClean="0"/>
-              <a:t>﻿Get player's </a:t>
-            </a:r>
-            <a:r>
-              <a:rPr lang="en-US" smtClean="0"/>
-              <a:t>next </a:t>
-            </a:r>
-            <a:r>
-              <a:rPr lang="en-US" smtClean="0"/>
-              <a:t>number guess</a:t>
-            </a:r>
-            <a:endParaRPr lang="en-US" dirty="0"/>
-          </a:p>
-        </p:txBody>
-      </p:sp>
-      <p:sp>
-        <p:nvSpPr>
-          <p:cNvPr id="12" name="TextBox 11"/>
-          <p:cNvSpPr txBox="1"/>
-          <p:nvPr/>
-        </p:nvSpPr>
-        <p:spPr>
-          <a:xfrm>
-            <a:off x="6089660" y="5619057"/>
-            <a:ext cx="2591609" cy="369332"/>
-          </a:xfrm>
-          <a:prstGeom prst="rect">
-            <a:avLst/>
-          </a:prstGeom>
-          <a:solidFill>
-            <a:schemeClr val="accent2">
-              <a:lumMod val="20000"/>
-              <a:lumOff val="80000"/>
-            </a:schemeClr>
-          </a:solidFill>
-        </p:spPr>
-        <p:txBody>
-          <a:bodyPr wrap="square" rtlCol="0">
-            <a:spAutoFit/>
-          </a:bodyPr>
-          <a:lstStyle/>
-          <a:p>
-            <a:pPr algn="ctr"/>
-            <a:r>
-              <a:rPr lang="en-US" dirty="0" smtClean="0"/>
-              <a:t>﻿</a:t>
-            </a:r>
-            <a:r>
-              <a:rPr lang="en-US" dirty="0" smtClean="0"/>
-              <a:t>+1 </a:t>
-            </a:r>
-            <a:r>
-              <a:rPr lang="en-US" dirty="0" smtClean="0"/>
+              <a:rPr lang="en-US" sz="2800" i="1" dirty="0"/>
+              <a:t>"I think of a </a:t>
+            </a:r>
+            <a:r>
+              <a:rPr lang="en-US" sz="2800" i="1" dirty="0" smtClean="0"/>
               <a:t>number </a:t>
             </a:r>
             <a:r>
-              <a:rPr lang="en-US" smtClean="0"/>
-              <a:t>of </a:t>
-            </a:r>
-            <a:r>
-              <a:rPr lang="en-US" smtClean="0"/>
-              <a:t>guesses</a:t>
-            </a:r>
-            <a:endParaRPr lang="en-US" dirty="0"/>
-          </a:p>
-        </p:txBody>
-      </p:sp>
-      <p:sp>
-        <p:nvSpPr>
-          <p:cNvPr id="13" name="TextBox 12"/>
-          <p:cNvSpPr txBox="1"/>
-          <p:nvPr/>
-        </p:nvSpPr>
-        <p:spPr>
-          <a:xfrm>
-            <a:off x="6637543" y="6226503"/>
-            <a:ext cx="1334140" cy="369332"/>
-          </a:xfrm>
-          <a:prstGeom prst="rect">
-            <a:avLst/>
-          </a:prstGeom>
-          <a:solidFill>
-            <a:schemeClr val="accent2">
-              <a:lumMod val="20000"/>
-              <a:lumOff val="80000"/>
-            </a:schemeClr>
-          </a:solidFill>
-        </p:spPr>
-        <p:txBody>
-          <a:bodyPr wrap="square" rtlCol="0">
-            <a:spAutoFit/>
-          </a:bodyPr>
-          <a:lstStyle/>
-          <a:p>
-            <a:pPr algn="ctr"/>
-            <a:r>
-              <a:rPr lang="en-US" dirty="0" smtClean="0"/>
-              <a:t>﻿Finish </a:t>
-            </a:r>
-            <a:r>
-              <a:rPr lang="en-US" dirty="0"/>
-              <a:t>g</a:t>
-            </a:r>
-            <a:r>
-              <a:rPr lang="en-US" dirty="0" smtClean="0"/>
-              <a:t>ame</a:t>
-            </a:r>
-            <a:endParaRPr lang="en-US" dirty="0"/>
-          </a:p>
-        </p:txBody>
-      </p:sp>
-      <p:sp>
-        <p:nvSpPr>
-          <p:cNvPr id="14" name="Rectangle 13"/>
-          <p:cNvSpPr/>
-          <p:nvPr/>
-        </p:nvSpPr>
-        <p:spPr>
-          <a:xfrm>
-            <a:off x="6650838" y="3925193"/>
-            <a:ext cx="1114344" cy="646331"/>
-          </a:xfrm>
-          <a:prstGeom prst="rect">
-            <a:avLst/>
-          </a:prstGeom>
-        </p:spPr>
-        <p:txBody>
-          <a:bodyPr wrap="none">
-            <a:spAutoFit/>
-          </a:bodyPr>
-          <a:lstStyle/>
-          <a:p>
-            <a:pPr algn="ctr"/>
-            <a:r>
-              <a:rPr lang="en-US" dirty="0" smtClean="0"/>
-              <a:t>﻿Guessed </a:t>
-            </a:r>
-          </a:p>
-          <a:p>
-            <a:pPr algn="ctr"/>
-            <a:r>
-              <a:rPr lang="en-US" dirty="0" smtClean="0"/>
-              <a:t>correctly?</a:t>
-            </a:r>
-            <a:endParaRPr lang="en-US" dirty="0"/>
-          </a:p>
-        </p:txBody>
-      </p:sp>
-      <p:sp>
-        <p:nvSpPr>
-          <p:cNvPr id="15" name="Rectangle 14"/>
-          <p:cNvSpPr/>
-          <p:nvPr/>
-        </p:nvSpPr>
-        <p:spPr>
-          <a:xfrm>
-            <a:off x="2653646" y="5423898"/>
-            <a:ext cx="1966039" cy="646331"/>
-          </a:xfrm>
-          <a:prstGeom prst="rect">
-            <a:avLst/>
-          </a:prstGeom>
-        </p:spPr>
-        <p:txBody>
-          <a:bodyPr wrap="square">
-            <a:spAutoFit/>
-          </a:bodyPr>
-          <a:lstStyle/>
-          <a:p>
-            <a:pPr algn="ctr"/>
-            <a:r>
-              <a:rPr lang="en-US" dirty="0" smtClean="0"/>
-              <a:t>Guessed number too small?  </a:t>
-            </a:r>
-            <a:endParaRPr lang="en-US" dirty="0"/>
-          </a:p>
-        </p:txBody>
-      </p:sp>
-      <p:sp>
-        <p:nvSpPr>
-          <p:cNvPr id="21" name="Down Arrow 20"/>
-          <p:cNvSpPr/>
-          <p:nvPr/>
-        </p:nvSpPr>
-        <p:spPr>
-          <a:xfrm>
-            <a:off x="7012005" y="795569"/>
-            <a:ext cx="292608" cy="369332"/>
-          </a:xfrm>
-          <a:prstGeom prst="downArrow">
-            <a:avLst/>
-          </a:prstGeom>
-        </p:spPr>
-        <p:style>
-          <a:lnRef idx="2">
-            <a:schemeClr val="accent1">
-              <a:shade val="50000"/>
-            </a:schemeClr>
-          </a:lnRef>
-          <a:fillRef idx="1">
-            <a:schemeClr val="accent1"/>
-          </a:fillRef>
-          <a:effectRef idx="0">
-            <a:schemeClr val="accent1"/>
-          </a:effectRef>
-          <a:fontRef idx="minor">
-            <a:schemeClr val="lt1"/>
-          </a:fontRef>
-        </p:style>
-        <p:txBody>
-          <a:bodyPr rtlCol="0" anchor="ctr"/>
-          <a:lstStyle/>
-          <a:p>
-            <a:pPr algn="ctr"/>
-            <a:endParaRPr lang="en-US"/>
-          </a:p>
-        </p:txBody>
-      </p:sp>
-      <p:sp>
-        <p:nvSpPr>
-          <p:cNvPr id="22" name="Down Arrow 21"/>
-          <p:cNvSpPr/>
-          <p:nvPr/>
-        </p:nvSpPr>
-        <p:spPr>
-          <a:xfrm>
-            <a:off x="7012005" y="1393899"/>
-            <a:ext cx="292608" cy="369332"/>
-          </a:xfrm>
-          <a:prstGeom prst="downArrow">
-            <a:avLst/>
-          </a:prstGeom>
-        </p:spPr>
-        <p:style>
-          <a:lnRef idx="2">
-            <a:schemeClr val="accent1">
-              <a:shade val="50000"/>
-            </a:schemeClr>
-          </a:lnRef>
-          <a:fillRef idx="1">
-            <a:schemeClr val="accent1"/>
-          </a:fillRef>
-          <a:effectRef idx="0">
-            <a:schemeClr val="accent1"/>
-          </a:effectRef>
-          <a:fontRef idx="minor">
-            <a:schemeClr val="lt1"/>
-          </a:fontRef>
-        </p:style>
-        <p:txBody>
-          <a:bodyPr rtlCol="0" anchor="ctr"/>
-          <a:lstStyle/>
-          <a:p>
-            <a:pPr algn="ctr"/>
-            <a:endParaRPr lang="en-US"/>
-          </a:p>
-        </p:txBody>
-      </p:sp>
-      <p:sp>
-        <p:nvSpPr>
-          <p:cNvPr id="23" name="Down Arrow 22"/>
-          <p:cNvSpPr/>
-          <p:nvPr/>
-        </p:nvSpPr>
-        <p:spPr>
-          <a:xfrm>
-            <a:off x="7020769" y="1957769"/>
-            <a:ext cx="292608" cy="369332"/>
-          </a:xfrm>
-          <a:prstGeom prst="downArrow">
-            <a:avLst/>
-          </a:prstGeom>
-        </p:spPr>
-        <p:style>
-          <a:lnRef idx="2">
-            <a:schemeClr val="accent1">
-              <a:shade val="50000"/>
-            </a:schemeClr>
-          </a:lnRef>
-          <a:fillRef idx="1">
-            <a:schemeClr val="accent1"/>
-          </a:fillRef>
-          <a:effectRef idx="0">
-            <a:schemeClr val="accent1"/>
-          </a:effectRef>
-          <a:fontRef idx="minor">
-            <a:schemeClr val="lt1"/>
-          </a:fontRef>
-        </p:style>
-        <p:txBody>
-          <a:bodyPr rtlCol="0" anchor="ctr"/>
-          <a:lstStyle/>
-          <a:p>
-            <a:pPr algn="ctr"/>
-            <a:endParaRPr lang="en-US"/>
-          </a:p>
-        </p:txBody>
-      </p:sp>
-      <p:sp>
-        <p:nvSpPr>
-          <p:cNvPr id="24" name="Down Arrow 23"/>
-          <p:cNvSpPr/>
-          <p:nvPr/>
-        </p:nvSpPr>
-        <p:spPr>
-          <a:xfrm>
-            <a:off x="7001888" y="2541076"/>
-            <a:ext cx="355933" cy="396981"/>
-          </a:xfrm>
-          <a:prstGeom prst="downArrow">
-            <a:avLst/>
-          </a:prstGeom>
-        </p:spPr>
-        <p:style>
-          <a:lnRef idx="2">
-            <a:schemeClr val="accent1">
-              <a:shade val="50000"/>
-            </a:schemeClr>
-          </a:lnRef>
-          <a:fillRef idx="1">
-            <a:schemeClr val="accent1"/>
-          </a:fillRef>
-          <a:effectRef idx="0">
-            <a:schemeClr val="accent1"/>
-          </a:effectRef>
-          <a:fontRef idx="minor">
-            <a:schemeClr val="lt1"/>
-          </a:fontRef>
-        </p:style>
-        <p:txBody>
-          <a:bodyPr rtlCol="0" anchor="ctr"/>
-          <a:lstStyle/>
-          <a:p>
-            <a:pPr algn="ctr"/>
-            <a:endParaRPr lang="en-US"/>
-          </a:p>
-        </p:txBody>
-      </p:sp>
-      <p:sp>
-        <p:nvSpPr>
-          <p:cNvPr id="27" name="Down Arrow 26"/>
-          <p:cNvSpPr/>
-          <p:nvPr/>
-        </p:nvSpPr>
-        <p:spPr>
-          <a:xfrm>
-            <a:off x="7065385" y="3152032"/>
-            <a:ext cx="320080" cy="789811"/>
-          </a:xfrm>
-          <a:prstGeom prst="downArrow">
-            <a:avLst/>
-          </a:prstGeom>
-        </p:spPr>
-        <p:style>
-          <a:lnRef idx="2">
-            <a:schemeClr val="accent1">
-              <a:shade val="50000"/>
-            </a:schemeClr>
-          </a:lnRef>
-          <a:fillRef idx="1">
-            <a:schemeClr val="accent1"/>
-          </a:fillRef>
-          <a:effectRef idx="0">
-            <a:schemeClr val="accent1"/>
-          </a:effectRef>
-          <a:fontRef idx="minor">
-            <a:schemeClr val="lt1"/>
-          </a:fontRef>
-        </p:style>
-        <p:txBody>
-          <a:bodyPr rtlCol="0" anchor="ctr"/>
-          <a:lstStyle/>
-          <a:p>
-            <a:pPr algn="ctr"/>
-            <a:endParaRPr lang="en-US"/>
-          </a:p>
-        </p:txBody>
-      </p:sp>
-      <p:sp>
-        <p:nvSpPr>
-          <p:cNvPr id="28" name="Down Arrow 27"/>
-          <p:cNvSpPr/>
-          <p:nvPr/>
-        </p:nvSpPr>
-        <p:spPr>
-          <a:xfrm>
-            <a:off x="7092856" y="4656733"/>
-            <a:ext cx="337121" cy="965637"/>
-          </a:xfrm>
-          <a:prstGeom prst="downArrow">
-            <a:avLst/>
-          </a:prstGeom>
-        </p:spPr>
-        <p:style>
-          <a:lnRef idx="2">
-            <a:schemeClr val="accent1">
-              <a:shade val="50000"/>
-            </a:schemeClr>
-          </a:lnRef>
-          <a:fillRef idx="1">
-            <a:schemeClr val="accent1"/>
-          </a:fillRef>
-          <a:effectRef idx="0">
-            <a:schemeClr val="accent1"/>
-          </a:effectRef>
-          <a:fontRef idx="minor">
-            <a:schemeClr val="lt1"/>
-          </a:fontRef>
-        </p:style>
-        <p:txBody>
-          <a:bodyPr rtlCol="0" anchor="ctr"/>
-          <a:lstStyle/>
-          <a:p>
-            <a:pPr algn="ctr"/>
-            <a:endParaRPr lang="en-US"/>
-          </a:p>
-        </p:txBody>
-      </p:sp>
-      <p:sp>
-        <p:nvSpPr>
-          <p:cNvPr id="29" name="Down Arrow 28"/>
-          <p:cNvSpPr/>
-          <p:nvPr/>
-        </p:nvSpPr>
-        <p:spPr>
-          <a:xfrm rot="5400000">
-            <a:off x="5199608" y="4865000"/>
-            <a:ext cx="292608" cy="1751118"/>
-          </a:xfrm>
-          <a:prstGeom prst="downArrow">
-            <a:avLst/>
-          </a:prstGeom>
-        </p:spPr>
-        <p:style>
-          <a:lnRef idx="2">
-            <a:schemeClr val="accent1">
-              <a:shade val="50000"/>
-            </a:schemeClr>
-          </a:lnRef>
-          <a:fillRef idx="1">
-            <a:schemeClr val="accent1"/>
-          </a:fillRef>
-          <a:effectRef idx="0">
-            <a:schemeClr val="accent1"/>
-          </a:effectRef>
-          <a:fontRef idx="minor">
-            <a:schemeClr val="lt1"/>
-          </a:fontRef>
-        </p:style>
-        <p:txBody>
-          <a:bodyPr rtlCol="0" anchor="ctr"/>
-          <a:lstStyle/>
-          <a:p>
-            <a:pPr algn="ctr"/>
-            <a:endParaRPr lang="en-US"/>
-          </a:p>
-        </p:txBody>
-      </p:sp>
-      <p:cxnSp>
-        <p:nvCxnSpPr>
-          <p:cNvPr id="32" name="Elbow Connector 31"/>
-          <p:cNvCxnSpPr>
-            <a:stCxn id="18" idx="0"/>
-          </p:cNvCxnSpPr>
-          <p:nvPr/>
-        </p:nvCxnSpPr>
-        <p:spPr>
-          <a:xfrm rot="5400000" flipH="1" flipV="1">
-            <a:off x="3608238" y="3003073"/>
-            <a:ext cx="2152705" cy="2148256"/>
-          </a:xfrm>
-          <a:prstGeom prst="bentConnector2">
-            <a:avLst/>
-          </a:prstGeom>
-          <a:ln w="73025">
-            <a:tailEnd type="triangle"/>
-          </a:ln>
-        </p:spPr>
-        <p:style>
-          <a:lnRef idx="1">
-            <a:schemeClr val="accent1"/>
-          </a:lnRef>
-          <a:fillRef idx="0">
-            <a:schemeClr val="accent1"/>
-          </a:fillRef>
-          <a:effectRef idx="0">
-            <a:schemeClr val="accent1"/>
-          </a:effectRef>
-          <a:fontRef idx="minor">
-            <a:schemeClr val="tx1"/>
-          </a:fontRef>
-        </p:style>
-      </p:cxnSp>
-      <p:cxnSp>
-        <p:nvCxnSpPr>
-          <p:cNvPr id="34" name="Elbow Connector 33"/>
-          <p:cNvCxnSpPr>
-            <a:stCxn id="17" idx="3"/>
-            <a:endCxn id="13" idx="3"/>
-          </p:cNvCxnSpPr>
-          <p:nvPr/>
-        </p:nvCxnSpPr>
-        <p:spPr>
-          <a:xfrm flipH="1">
-            <a:off x="7971683" y="4275832"/>
-            <a:ext cx="627217" cy="2135337"/>
-          </a:xfrm>
-          <a:prstGeom prst="bentConnector3">
-            <a:avLst>
-              <a:gd name="adj1" fmla="val -36447"/>
-            </a:avLst>
-          </a:prstGeom>
-          <a:ln w="73025">
-            <a:tailEnd type="triangle"/>
-          </a:ln>
-        </p:spPr>
-        <p:style>
-          <a:lnRef idx="1">
-            <a:schemeClr val="accent1"/>
-          </a:lnRef>
-          <a:fillRef idx="0">
-            <a:schemeClr val="accent1"/>
-          </a:fillRef>
-          <a:effectRef idx="0">
-            <a:schemeClr val="accent1"/>
-          </a:effectRef>
-          <a:fontRef idx="minor">
-            <a:schemeClr val="tx1"/>
-          </a:fontRef>
-        </p:style>
-      </p:cxnSp>
-      <p:sp>
-        <p:nvSpPr>
-          <p:cNvPr id="41" name="TextBox 40"/>
-          <p:cNvSpPr txBox="1"/>
-          <p:nvPr/>
-        </p:nvSpPr>
-        <p:spPr>
-          <a:xfrm>
-            <a:off x="7125133" y="4895764"/>
-            <a:ext cx="968536" cy="369332"/>
-          </a:xfrm>
-          <a:prstGeom prst="rect">
-            <a:avLst/>
-          </a:prstGeom>
-          <a:noFill/>
-        </p:spPr>
-        <p:txBody>
-          <a:bodyPr wrap="square" rtlCol="0">
-            <a:spAutoFit/>
-          </a:bodyPr>
-          <a:lstStyle/>
-          <a:p>
-            <a:pPr algn="ctr"/>
-            <a:r>
-              <a:rPr lang="en-US" smtClean="0"/>
-              <a:t>NO</a:t>
-            </a:r>
-            <a:endParaRPr lang="en-US" dirty="0"/>
-          </a:p>
-        </p:txBody>
-      </p:sp>
-      <p:sp>
-        <p:nvSpPr>
-          <p:cNvPr id="43" name="TextBox 42"/>
-          <p:cNvSpPr txBox="1"/>
-          <p:nvPr/>
-        </p:nvSpPr>
-        <p:spPr>
-          <a:xfrm>
-            <a:off x="3470294" y="4680507"/>
-            <a:ext cx="971938" cy="369332"/>
-          </a:xfrm>
-          <a:prstGeom prst="rect">
-            <a:avLst/>
-          </a:prstGeom>
-          <a:noFill/>
-        </p:spPr>
-        <p:txBody>
-          <a:bodyPr wrap="square" rtlCol="0">
-            <a:spAutoFit/>
-          </a:bodyPr>
-          <a:lstStyle/>
-          <a:p>
-            <a:pPr algn="ctr"/>
-            <a:r>
-              <a:rPr lang="en-US" smtClean="0"/>
-              <a:t>NO</a:t>
-            </a:r>
-            <a:endParaRPr lang="en-US" dirty="0"/>
-          </a:p>
-        </p:txBody>
-      </p:sp>
-      <p:sp>
-        <p:nvSpPr>
-          <p:cNvPr id="45" name="TextBox 44"/>
-          <p:cNvSpPr txBox="1"/>
-          <p:nvPr/>
-        </p:nvSpPr>
-        <p:spPr>
-          <a:xfrm>
-            <a:off x="8652467" y="5622370"/>
-            <a:ext cx="971938" cy="369332"/>
-          </a:xfrm>
-          <a:prstGeom prst="rect">
-            <a:avLst/>
-          </a:prstGeom>
-          <a:noFill/>
-        </p:spPr>
-        <p:txBody>
-          <a:bodyPr wrap="square" rtlCol="0">
-            <a:spAutoFit/>
-          </a:bodyPr>
-          <a:lstStyle/>
-          <a:p>
-            <a:pPr algn="ctr"/>
-            <a:r>
-              <a:rPr lang="en-US" smtClean="0"/>
-              <a:t>YES</a:t>
-            </a:r>
-            <a:endParaRPr lang="en-US" dirty="0"/>
-          </a:p>
-        </p:txBody>
-      </p:sp>
-      <p:sp>
-        <p:nvSpPr>
-          <p:cNvPr id="46" name="TextBox 45"/>
-          <p:cNvSpPr txBox="1"/>
-          <p:nvPr/>
-        </p:nvSpPr>
-        <p:spPr>
-          <a:xfrm>
-            <a:off x="1774231" y="5043546"/>
-            <a:ext cx="971938" cy="369332"/>
-          </a:xfrm>
-          <a:prstGeom prst="rect">
-            <a:avLst/>
-          </a:prstGeom>
-          <a:noFill/>
-        </p:spPr>
-        <p:txBody>
-          <a:bodyPr wrap="square" rtlCol="0">
-            <a:spAutoFit/>
-          </a:bodyPr>
-          <a:lstStyle/>
-          <a:p>
-            <a:pPr algn="ctr"/>
-            <a:r>
-              <a:rPr lang="en-US" smtClean="0"/>
-              <a:t>YES</a:t>
-            </a:r>
-            <a:endParaRPr lang="en-US" dirty="0"/>
-          </a:p>
-        </p:txBody>
-      </p:sp>
-      <p:cxnSp>
-        <p:nvCxnSpPr>
-          <p:cNvPr id="11" name="Straight Connector 10"/>
-          <p:cNvCxnSpPr/>
-          <p:nvPr/>
-        </p:nvCxnSpPr>
-        <p:spPr>
-          <a:xfrm flipH="1" flipV="1">
-            <a:off x="3645561" y="1195391"/>
-            <a:ext cx="1836733" cy="568400"/>
-          </a:xfrm>
-          <a:prstGeom prst="line">
-            <a:avLst/>
-          </a:prstGeom>
-        </p:spPr>
-        <p:style>
-          <a:lnRef idx="1">
-            <a:schemeClr val="accent1"/>
-          </a:lnRef>
-          <a:fillRef idx="0">
-            <a:schemeClr val="accent1"/>
-          </a:fillRef>
-          <a:effectRef idx="0">
-            <a:schemeClr val="accent1"/>
-          </a:effectRef>
-          <a:fontRef idx="minor">
-            <a:schemeClr val="tx1"/>
-          </a:fontRef>
-        </p:style>
-      </p:cxnSp>
-      <p:sp>
-        <p:nvSpPr>
-          <p:cNvPr id="31" name="TextBox 30"/>
-          <p:cNvSpPr txBox="1"/>
-          <p:nvPr/>
-        </p:nvSpPr>
-        <p:spPr>
-          <a:xfrm>
-            <a:off x="1937928" y="633549"/>
-            <a:ext cx="2455052" cy="646331"/>
-          </a:xfrm>
-          <a:prstGeom prst="rect">
-            <a:avLst/>
-          </a:prstGeom>
-          <a:noFill/>
-        </p:spPr>
-        <p:txBody>
-          <a:bodyPr wrap="square" rtlCol="0">
-            <a:spAutoFit/>
-          </a:bodyPr>
-          <a:lstStyle/>
-          <a:p>
-            <a:pPr marL="285750" indent="-285750">
-              <a:buFont typeface="Arial" charset="0"/>
-              <a:buChar char="•"/>
-            </a:pPr>
-            <a:r>
-              <a:rPr lang="en-US" dirty="0" smtClean="0"/>
-              <a:t>Number of guesses</a:t>
-            </a:r>
-          </a:p>
-          <a:p>
-            <a:pPr marL="285750" indent="-285750">
-              <a:buFont typeface="Arial" charset="0"/>
-              <a:buChar char="•"/>
-            </a:pPr>
-            <a:r>
-              <a:rPr lang="en-US" dirty="0" smtClean="0"/>
-              <a:t>Correct guess</a:t>
-            </a:r>
-            <a:endParaRPr lang="en-US" dirty="0"/>
-          </a:p>
-        </p:txBody>
-      </p:sp>
-      <p:cxnSp>
-        <p:nvCxnSpPr>
-          <p:cNvPr id="47" name="Elbow Connector 46"/>
-          <p:cNvCxnSpPr>
-            <a:stCxn id="18" idx="1"/>
-          </p:cNvCxnSpPr>
-          <p:nvPr/>
-        </p:nvCxnSpPr>
-        <p:spPr>
-          <a:xfrm rot="10800000" flipH="1">
-            <a:off x="2236986" y="3000848"/>
-            <a:ext cx="3521731" cy="2746214"/>
-          </a:xfrm>
-          <a:prstGeom prst="bentConnector3">
-            <a:avLst>
-              <a:gd name="adj1" fmla="val -6491"/>
-            </a:avLst>
-          </a:prstGeom>
-          <a:ln w="73025">
-            <a:tailEnd type="triangle"/>
-          </a:ln>
-        </p:spPr>
-        <p:style>
-          <a:lnRef idx="1">
-            <a:schemeClr val="accent1"/>
-          </a:lnRef>
-          <a:fillRef idx="0">
-            <a:schemeClr val="accent1"/>
-          </a:fillRef>
-          <a:effectRef idx="0">
-            <a:schemeClr val="accent1"/>
-          </a:effectRef>
-          <a:fontRef idx="minor">
-            <a:schemeClr val="tx1"/>
-          </a:fontRef>
-        </p:style>
-      </p:cxnSp>
-      <p:sp>
-        <p:nvSpPr>
-          <p:cNvPr id="50" name="TextBox 49"/>
-          <p:cNvSpPr txBox="1"/>
-          <p:nvPr/>
-        </p:nvSpPr>
-        <p:spPr>
-          <a:xfrm>
-            <a:off x="2920365" y="3403660"/>
-            <a:ext cx="1381148" cy="923330"/>
-          </a:xfrm>
-          <a:prstGeom prst="rect">
-            <a:avLst/>
-          </a:prstGeom>
-          <a:solidFill>
-            <a:schemeClr val="accent2">
-              <a:lumMod val="20000"/>
-              <a:lumOff val="80000"/>
-            </a:schemeClr>
-          </a:solidFill>
-        </p:spPr>
-        <p:txBody>
-          <a:bodyPr wrap="square" rtlCol="0">
-            <a:spAutoFit/>
-          </a:bodyPr>
-          <a:lstStyle/>
-          <a:p>
-            <a:pPr algn="ctr"/>
-            <a:r>
-              <a:rPr lang="en-US" dirty="0" smtClean="0"/>
-              <a:t>﻿</a:t>
-            </a:r>
-            <a:r>
-              <a:rPr lang="en-US" smtClean="0"/>
-              <a:t>﻿</a:t>
-            </a:r>
-            <a:r>
-              <a:rPr lang="en-US" smtClean="0"/>
-              <a:t>Clue: Number too high</a:t>
-            </a:r>
-            <a:endParaRPr lang="en-US" dirty="0"/>
-          </a:p>
-        </p:txBody>
-      </p:sp>
-      <p:sp>
-        <p:nvSpPr>
-          <p:cNvPr id="51" name="TextBox 50"/>
-          <p:cNvSpPr txBox="1"/>
-          <p:nvPr/>
-        </p:nvSpPr>
-        <p:spPr>
-          <a:xfrm>
-            <a:off x="1392406" y="3941843"/>
-            <a:ext cx="1381148" cy="923330"/>
-          </a:xfrm>
-          <a:prstGeom prst="rect">
-            <a:avLst/>
-          </a:prstGeom>
-          <a:solidFill>
-            <a:schemeClr val="accent2">
-              <a:lumMod val="20000"/>
-              <a:lumOff val="80000"/>
-            </a:schemeClr>
-          </a:solidFill>
-        </p:spPr>
-        <p:txBody>
-          <a:bodyPr wrap="square" rtlCol="0">
-            <a:spAutoFit/>
-          </a:bodyPr>
-          <a:lstStyle/>
-          <a:p>
-            <a:pPr algn="ctr"/>
-            <a:r>
-              <a:rPr lang="en-US" dirty="0" smtClean="0"/>
-              <a:t>﻿</a:t>
-            </a:r>
-            <a:r>
-              <a:rPr lang="en-US" smtClean="0"/>
-              <a:t>﻿</a:t>
-            </a:r>
-            <a:r>
-              <a:rPr lang="en-US" smtClean="0"/>
-              <a:t>Clue: Number too low</a:t>
-            </a:r>
-            <a:endParaRPr lang="en-US" dirty="0"/>
+              <a:rPr lang="en-US" sz="2800" i="1" dirty="0"/>
+              <a:t>and </a:t>
+            </a:r>
+            <a:r>
+              <a:rPr lang="en-US" sz="2800" i="1" dirty="0" smtClean="0"/>
+              <a:t>you </a:t>
+            </a:r>
+            <a:r>
+              <a:rPr lang="en-US" sz="2800" i="1" dirty="0"/>
+              <a:t>have to guess it"</a:t>
+            </a:r>
           </a:p>
         </p:txBody>
       </p:sp>
     </p:spTree>
     <p:extLst>
       <p:ext uri="{BB962C8B-B14F-4D97-AF65-F5344CB8AC3E}">
-        <p14:creationId xmlns:p14="http://schemas.microsoft.com/office/powerpoint/2010/main" val="1553784534"/>
+        <p14:creationId xmlns:p14="http://schemas.microsoft.com/office/powerpoint/2010/main" val="451027627"/>
       </p:ext>
     </p:extLst>
   </p:cSld>
@@ -4820,6 +4109,1352 @@
           <a:chExt cx="0" cy="0"/>
         </a:xfrm>
       </p:grpSpPr>
+      <p:sp>
+        <p:nvSpPr>
+          <p:cNvPr id="18" name="Diamond 17"/>
+          <p:cNvSpPr/>
+          <p:nvPr/>
+        </p:nvSpPr>
+        <p:spPr>
+          <a:xfrm>
+            <a:off x="2236987" y="5153553"/>
+            <a:ext cx="2746950" cy="1187017"/>
+          </a:xfrm>
+          <a:prstGeom prst="diamond">
+            <a:avLst/>
+          </a:prstGeom>
+          <a:solidFill>
+            <a:schemeClr val="accent1">
+              <a:lumMod val="20000"/>
+              <a:lumOff val="80000"/>
+            </a:schemeClr>
+          </a:solidFill>
+          <a:ln>
+            <a:noFill/>
+          </a:ln>
+        </p:spPr>
+        <p:style>
+          <a:lnRef idx="2">
+            <a:schemeClr val="accent1">
+              <a:shade val="50000"/>
+            </a:schemeClr>
+          </a:lnRef>
+          <a:fillRef idx="1">
+            <a:schemeClr val="accent1"/>
+          </a:fillRef>
+          <a:effectRef idx="0">
+            <a:schemeClr val="accent1"/>
+          </a:effectRef>
+          <a:fontRef idx="minor">
+            <a:schemeClr val="lt1"/>
+          </a:fontRef>
+        </p:style>
+        <p:txBody>
+          <a:bodyPr rtlCol="0" anchor="ctr"/>
+          <a:lstStyle/>
+          <a:p>
+            <a:pPr algn="ctr"/>
+            <a:endParaRPr lang="en-US"/>
+          </a:p>
+        </p:txBody>
+      </p:sp>
+      <p:sp>
+        <p:nvSpPr>
+          <p:cNvPr id="17" name="Diamond 16"/>
+          <p:cNvSpPr/>
+          <p:nvPr/>
+        </p:nvSpPr>
+        <p:spPr>
+          <a:xfrm>
+            <a:off x="5851950" y="3839984"/>
+            <a:ext cx="2746950" cy="871696"/>
+          </a:xfrm>
+          <a:prstGeom prst="diamond">
+            <a:avLst/>
+          </a:prstGeom>
+          <a:solidFill>
+            <a:schemeClr val="accent1">
+              <a:lumMod val="20000"/>
+              <a:lumOff val="80000"/>
+            </a:schemeClr>
+          </a:solidFill>
+          <a:ln>
+            <a:noFill/>
+          </a:ln>
+        </p:spPr>
+        <p:style>
+          <a:lnRef idx="2">
+            <a:schemeClr val="accent1">
+              <a:shade val="50000"/>
+            </a:schemeClr>
+          </a:lnRef>
+          <a:fillRef idx="1">
+            <a:schemeClr val="accent1"/>
+          </a:fillRef>
+          <a:effectRef idx="0">
+            <a:schemeClr val="accent1"/>
+          </a:effectRef>
+          <a:fontRef idx="minor">
+            <a:schemeClr val="lt1"/>
+          </a:fontRef>
+        </p:style>
+        <p:txBody>
+          <a:bodyPr rtlCol="0" anchor="ctr"/>
+          <a:lstStyle/>
+          <a:p>
+            <a:pPr algn="ctr"/>
+            <a:endParaRPr lang="en-US"/>
+          </a:p>
+        </p:txBody>
+      </p:sp>
+      <p:sp>
+        <p:nvSpPr>
+          <p:cNvPr id="2" name="TextBox 1"/>
+          <p:cNvSpPr txBox="1"/>
+          <p:nvPr/>
+        </p:nvSpPr>
+        <p:spPr>
+          <a:xfrm>
+            <a:off x="6386796" y="460471"/>
+            <a:ext cx="1474237" cy="369332"/>
+          </a:xfrm>
+          <a:prstGeom prst="rect">
+            <a:avLst/>
+          </a:prstGeom>
+          <a:solidFill>
+            <a:schemeClr val="accent6">
+              <a:lumMod val="20000"/>
+              <a:lumOff val="80000"/>
+            </a:schemeClr>
+          </a:solidFill>
+        </p:spPr>
+        <p:txBody>
+          <a:bodyPr wrap="square" rtlCol="0">
+            <a:spAutoFit/>
+          </a:bodyPr>
+          <a:lstStyle/>
+          <a:p>
+            <a:pPr algn="ctr"/>
+            <a:r>
+              <a:rPr lang="en-US" smtClean="0"/>
+              <a:t>Start</a:t>
+            </a:r>
+            <a:endParaRPr lang="en-US"/>
+          </a:p>
+        </p:txBody>
+      </p:sp>
+      <p:sp>
+        <p:nvSpPr>
+          <p:cNvPr id="4" name="TextBox 3"/>
+          <p:cNvSpPr txBox="1"/>
+          <p:nvPr/>
+        </p:nvSpPr>
+        <p:spPr>
+          <a:xfrm>
+            <a:off x="5758718" y="1075235"/>
+            <a:ext cx="2799185" cy="369332"/>
+          </a:xfrm>
+          <a:prstGeom prst="rect">
+            <a:avLst/>
+          </a:prstGeom>
+          <a:solidFill>
+            <a:schemeClr val="accent6">
+              <a:lumMod val="20000"/>
+              <a:lumOff val="80000"/>
+            </a:schemeClr>
+          </a:solidFill>
+        </p:spPr>
+        <p:txBody>
+          <a:bodyPr wrap="square" rtlCol="0">
+            <a:spAutoFit/>
+          </a:bodyPr>
+          <a:lstStyle/>
+          <a:p>
+            <a:pPr algn="ctr"/>
+            <a:r>
+              <a:rPr lang="en-US" dirty="0" smtClean="0"/>
+              <a:t>﻿Randomly select a number</a:t>
+            </a:r>
+            <a:endParaRPr lang="en-US" dirty="0"/>
+          </a:p>
+        </p:txBody>
+      </p:sp>
+      <p:sp>
+        <p:nvSpPr>
+          <p:cNvPr id="5" name="TextBox 4"/>
+          <p:cNvSpPr txBox="1"/>
+          <p:nvPr/>
+        </p:nvSpPr>
+        <p:spPr>
+          <a:xfrm>
+            <a:off x="5604763" y="1643635"/>
+            <a:ext cx="3107098" cy="369332"/>
+          </a:xfrm>
+          <a:prstGeom prst="rect">
+            <a:avLst/>
+          </a:prstGeom>
+          <a:solidFill>
+            <a:schemeClr val="accent6">
+              <a:lumMod val="20000"/>
+              <a:lumOff val="80000"/>
+            </a:schemeClr>
+          </a:solidFill>
+        </p:spPr>
+        <p:txBody>
+          <a:bodyPr wrap="square" rtlCol="0">
+            <a:spAutoFit/>
+          </a:bodyPr>
+          <a:lstStyle/>
+          <a:p>
+            <a:pPr algn="ctr"/>
+            <a:r>
+              <a:rPr lang="en-US" smtClean="0"/>
+              <a:t>﻿﻿Initialize game state variables</a:t>
+            </a:r>
+            <a:endParaRPr lang="en-US" dirty="0"/>
+          </a:p>
+        </p:txBody>
+      </p:sp>
+      <p:sp>
+        <p:nvSpPr>
+          <p:cNvPr id="6" name="TextBox 5"/>
+          <p:cNvSpPr txBox="1"/>
+          <p:nvPr/>
+        </p:nvSpPr>
+        <p:spPr>
+          <a:xfrm>
+            <a:off x="5758719" y="2206581"/>
+            <a:ext cx="2799185" cy="369332"/>
+          </a:xfrm>
+          <a:prstGeom prst="rect">
+            <a:avLst/>
+          </a:prstGeom>
+          <a:solidFill>
+            <a:schemeClr val="accent6">
+              <a:lumMod val="20000"/>
+              <a:lumOff val="80000"/>
+            </a:schemeClr>
+          </a:solidFill>
+        </p:spPr>
+        <p:txBody>
+          <a:bodyPr wrap="square" rtlCol="0">
+            <a:spAutoFit/>
+          </a:bodyPr>
+          <a:lstStyle/>
+          <a:p>
+            <a:pPr algn="ctr"/>
+            <a:r>
+              <a:rPr lang="en-US" smtClean="0"/>
+              <a:t>﻿Main game loop </a:t>
+            </a:r>
+            <a:endParaRPr lang="en-US" dirty="0"/>
+          </a:p>
+        </p:txBody>
+      </p:sp>
+      <p:sp>
+        <p:nvSpPr>
+          <p:cNvPr id="9" name="TextBox 8"/>
+          <p:cNvSpPr txBox="1"/>
+          <p:nvPr/>
+        </p:nvSpPr>
+        <p:spPr>
+          <a:xfrm>
+            <a:off x="5604763" y="2804770"/>
+            <a:ext cx="3313991" cy="369332"/>
+          </a:xfrm>
+          <a:prstGeom prst="rect">
+            <a:avLst/>
+          </a:prstGeom>
+          <a:solidFill>
+            <a:schemeClr val="accent2">
+              <a:lumMod val="20000"/>
+              <a:lumOff val="80000"/>
+            </a:schemeClr>
+          </a:solidFill>
+        </p:spPr>
+        <p:txBody>
+          <a:bodyPr wrap="square" rtlCol="0">
+            <a:spAutoFit/>
+          </a:bodyPr>
+          <a:lstStyle/>
+          <a:p>
+            <a:pPr algn="ctr"/>
+            <a:r>
+              <a:rPr lang="en-US" dirty="0" smtClean="0"/>
+              <a:t>﻿Get player's </a:t>
+            </a:r>
+            <a:r>
+              <a:rPr lang="en-US" smtClean="0"/>
+              <a:t>next number guess</a:t>
+            </a:r>
+            <a:endParaRPr lang="en-US" dirty="0"/>
+          </a:p>
+        </p:txBody>
+      </p:sp>
+      <p:sp>
+        <p:nvSpPr>
+          <p:cNvPr id="12" name="TextBox 11"/>
+          <p:cNvSpPr txBox="1"/>
+          <p:nvPr/>
+        </p:nvSpPr>
+        <p:spPr>
+          <a:xfrm>
+            <a:off x="6089660" y="5619057"/>
+            <a:ext cx="2591609" cy="369332"/>
+          </a:xfrm>
+          <a:prstGeom prst="rect">
+            <a:avLst/>
+          </a:prstGeom>
+          <a:solidFill>
+            <a:schemeClr val="accent2">
+              <a:lumMod val="20000"/>
+              <a:lumOff val="80000"/>
+            </a:schemeClr>
+          </a:solidFill>
+        </p:spPr>
+        <p:txBody>
+          <a:bodyPr wrap="square" rtlCol="0">
+            <a:spAutoFit/>
+          </a:bodyPr>
+          <a:lstStyle/>
+          <a:p>
+            <a:pPr algn="ctr"/>
+            <a:r>
+              <a:rPr lang="en-US" dirty="0" smtClean="0"/>
+              <a:t>﻿+1 number </a:t>
+            </a:r>
+            <a:r>
+              <a:rPr lang="en-US" smtClean="0"/>
+              <a:t>of guesses</a:t>
+            </a:r>
+            <a:endParaRPr lang="en-US" dirty="0"/>
+          </a:p>
+        </p:txBody>
+      </p:sp>
+      <p:sp>
+        <p:nvSpPr>
+          <p:cNvPr id="13" name="TextBox 12"/>
+          <p:cNvSpPr txBox="1"/>
+          <p:nvPr/>
+        </p:nvSpPr>
+        <p:spPr>
+          <a:xfrm>
+            <a:off x="6637543" y="6226503"/>
+            <a:ext cx="1334140" cy="369332"/>
+          </a:xfrm>
+          <a:prstGeom prst="rect">
+            <a:avLst/>
+          </a:prstGeom>
+          <a:solidFill>
+            <a:schemeClr val="accent2">
+              <a:lumMod val="20000"/>
+              <a:lumOff val="80000"/>
+            </a:schemeClr>
+          </a:solidFill>
+        </p:spPr>
+        <p:txBody>
+          <a:bodyPr wrap="square" rtlCol="0">
+            <a:spAutoFit/>
+          </a:bodyPr>
+          <a:lstStyle/>
+          <a:p>
+            <a:pPr algn="ctr"/>
+            <a:r>
+              <a:rPr lang="en-US" dirty="0" smtClean="0"/>
+              <a:t>﻿Finish </a:t>
+            </a:r>
+            <a:r>
+              <a:rPr lang="en-US" dirty="0"/>
+              <a:t>g</a:t>
+            </a:r>
+            <a:r>
+              <a:rPr lang="en-US" dirty="0" smtClean="0"/>
+              <a:t>ame</a:t>
+            </a:r>
+            <a:endParaRPr lang="en-US" dirty="0"/>
+          </a:p>
+        </p:txBody>
+      </p:sp>
+      <p:sp>
+        <p:nvSpPr>
+          <p:cNvPr id="14" name="Rectangle 13"/>
+          <p:cNvSpPr/>
+          <p:nvPr/>
+        </p:nvSpPr>
+        <p:spPr>
+          <a:xfrm>
+            <a:off x="6650838" y="3925193"/>
+            <a:ext cx="1114344" cy="646331"/>
+          </a:xfrm>
+          <a:prstGeom prst="rect">
+            <a:avLst/>
+          </a:prstGeom>
+        </p:spPr>
+        <p:txBody>
+          <a:bodyPr wrap="none">
+            <a:spAutoFit/>
+          </a:bodyPr>
+          <a:lstStyle/>
+          <a:p>
+            <a:pPr algn="ctr"/>
+            <a:r>
+              <a:rPr lang="en-US" dirty="0" smtClean="0"/>
+              <a:t>﻿Guessed </a:t>
+            </a:r>
+          </a:p>
+          <a:p>
+            <a:pPr algn="ctr"/>
+            <a:r>
+              <a:rPr lang="en-US" dirty="0" smtClean="0"/>
+              <a:t>correctly?</a:t>
+            </a:r>
+            <a:endParaRPr lang="en-US" dirty="0"/>
+          </a:p>
+        </p:txBody>
+      </p:sp>
+      <p:sp>
+        <p:nvSpPr>
+          <p:cNvPr id="15" name="Rectangle 14"/>
+          <p:cNvSpPr/>
+          <p:nvPr/>
+        </p:nvSpPr>
+        <p:spPr>
+          <a:xfrm>
+            <a:off x="2653646" y="5423898"/>
+            <a:ext cx="1966039" cy="646331"/>
+          </a:xfrm>
+          <a:prstGeom prst="rect">
+            <a:avLst/>
+          </a:prstGeom>
+        </p:spPr>
+        <p:txBody>
+          <a:bodyPr wrap="square">
+            <a:spAutoFit/>
+          </a:bodyPr>
+          <a:lstStyle/>
+          <a:p>
+            <a:pPr algn="ctr"/>
+            <a:r>
+              <a:rPr lang="en-US" dirty="0" smtClean="0"/>
+              <a:t>Guessed number too small?  </a:t>
+            </a:r>
+            <a:endParaRPr lang="en-US" dirty="0"/>
+          </a:p>
+        </p:txBody>
+      </p:sp>
+      <p:sp>
+        <p:nvSpPr>
+          <p:cNvPr id="21" name="Down Arrow 20"/>
+          <p:cNvSpPr/>
+          <p:nvPr/>
+        </p:nvSpPr>
+        <p:spPr>
+          <a:xfrm>
+            <a:off x="7012005" y="795569"/>
+            <a:ext cx="292608" cy="369332"/>
+          </a:xfrm>
+          <a:prstGeom prst="downArrow">
+            <a:avLst/>
+          </a:prstGeom>
+        </p:spPr>
+        <p:style>
+          <a:lnRef idx="2">
+            <a:schemeClr val="accent1">
+              <a:shade val="50000"/>
+            </a:schemeClr>
+          </a:lnRef>
+          <a:fillRef idx="1">
+            <a:schemeClr val="accent1"/>
+          </a:fillRef>
+          <a:effectRef idx="0">
+            <a:schemeClr val="accent1"/>
+          </a:effectRef>
+          <a:fontRef idx="minor">
+            <a:schemeClr val="lt1"/>
+          </a:fontRef>
+        </p:style>
+        <p:txBody>
+          <a:bodyPr rtlCol="0" anchor="ctr"/>
+          <a:lstStyle/>
+          <a:p>
+            <a:pPr algn="ctr"/>
+            <a:endParaRPr lang="en-US"/>
+          </a:p>
+        </p:txBody>
+      </p:sp>
+      <p:sp>
+        <p:nvSpPr>
+          <p:cNvPr id="22" name="Down Arrow 21"/>
+          <p:cNvSpPr/>
+          <p:nvPr/>
+        </p:nvSpPr>
+        <p:spPr>
+          <a:xfrm>
+            <a:off x="7012005" y="1393899"/>
+            <a:ext cx="292608" cy="369332"/>
+          </a:xfrm>
+          <a:prstGeom prst="downArrow">
+            <a:avLst/>
+          </a:prstGeom>
+        </p:spPr>
+        <p:style>
+          <a:lnRef idx="2">
+            <a:schemeClr val="accent1">
+              <a:shade val="50000"/>
+            </a:schemeClr>
+          </a:lnRef>
+          <a:fillRef idx="1">
+            <a:schemeClr val="accent1"/>
+          </a:fillRef>
+          <a:effectRef idx="0">
+            <a:schemeClr val="accent1"/>
+          </a:effectRef>
+          <a:fontRef idx="minor">
+            <a:schemeClr val="lt1"/>
+          </a:fontRef>
+        </p:style>
+        <p:txBody>
+          <a:bodyPr rtlCol="0" anchor="ctr"/>
+          <a:lstStyle/>
+          <a:p>
+            <a:pPr algn="ctr"/>
+            <a:endParaRPr lang="en-US"/>
+          </a:p>
+        </p:txBody>
+      </p:sp>
+      <p:sp>
+        <p:nvSpPr>
+          <p:cNvPr id="23" name="Down Arrow 22"/>
+          <p:cNvSpPr/>
+          <p:nvPr/>
+        </p:nvSpPr>
+        <p:spPr>
+          <a:xfrm>
+            <a:off x="7020769" y="1957769"/>
+            <a:ext cx="292608" cy="369332"/>
+          </a:xfrm>
+          <a:prstGeom prst="downArrow">
+            <a:avLst/>
+          </a:prstGeom>
+        </p:spPr>
+        <p:style>
+          <a:lnRef idx="2">
+            <a:schemeClr val="accent1">
+              <a:shade val="50000"/>
+            </a:schemeClr>
+          </a:lnRef>
+          <a:fillRef idx="1">
+            <a:schemeClr val="accent1"/>
+          </a:fillRef>
+          <a:effectRef idx="0">
+            <a:schemeClr val="accent1"/>
+          </a:effectRef>
+          <a:fontRef idx="minor">
+            <a:schemeClr val="lt1"/>
+          </a:fontRef>
+        </p:style>
+        <p:txBody>
+          <a:bodyPr rtlCol="0" anchor="ctr"/>
+          <a:lstStyle/>
+          <a:p>
+            <a:pPr algn="ctr"/>
+            <a:endParaRPr lang="en-US"/>
+          </a:p>
+        </p:txBody>
+      </p:sp>
+      <p:sp>
+        <p:nvSpPr>
+          <p:cNvPr id="24" name="Down Arrow 23"/>
+          <p:cNvSpPr/>
+          <p:nvPr/>
+        </p:nvSpPr>
+        <p:spPr>
+          <a:xfrm>
+            <a:off x="7001888" y="2541076"/>
+            <a:ext cx="355933" cy="396981"/>
+          </a:xfrm>
+          <a:prstGeom prst="downArrow">
+            <a:avLst/>
+          </a:prstGeom>
+        </p:spPr>
+        <p:style>
+          <a:lnRef idx="2">
+            <a:schemeClr val="accent1">
+              <a:shade val="50000"/>
+            </a:schemeClr>
+          </a:lnRef>
+          <a:fillRef idx="1">
+            <a:schemeClr val="accent1"/>
+          </a:fillRef>
+          <a:effectRef idx="0">
+            <a:schemeClr val="accent1"/>
+          </a:effectRef>
+          <a:fontRef idx="minor">
+            <a:schemeClr val="lt1"/>
+          </a:fontRef>
+        </p:style>
+        <p:txBody>
+          <a:bodyPr rtlCol="0" anchor="ctr"/>
+          <a:lstStyle/>
+          <a:p>
+            <a:pPr algn="ctr"/>
+            <a:endParaRPr lang="en-US"/>
+          </a:p>
+        </p:txBody>
+      </p:sp>
+      <p:sp>
+        <p:nvSpPr>
+          <p:cNvPr id="27" name="Down Arrow 26"/>
+          <p:cNvSpPr/>
+          <p:nvPr/>
+        </p:nvSpPr>
+        <p:spPr>
+          <a:xfrm>
+            <a:off x="7065385" y="3152032"/>
+            <a:ext cx="320080" cy="789811"/>
+          </a:xfrm>
+          <a:prstGeom prst="downArrow">
+            <a:avLst/>
+          </a:prstGeom>
+        </p:spPr>
+        <p:style>
+          <a:lnRef idx="2">
+            <a:schemeClr val="accent1">
+              <a:shade val="50000"/>
+            </a:schemeClr>
+          </a:lnRef>
+          <a:fillRef idx="1">
+            <a:schemeClr val="accent1"/>
+          </a:fillRef>
+          <a:effectRef idx="0">
+            <a:schemeClr val="accent1"/>
+          </a:effectRef>
+          <a:fontRef idx="minor">
+            <a:schemeClr val="lt1"/>
+          </a:fontRef>
+        </p:style>
+        <p:txBody>
+          <a:bodyPr rtlCol="0" anchor="ctr"/>
+          <a:lstStyle/>
+          <a:p>
+            <a:pPr algn="ctr"/>
+            <a:endParaRPr lang="en-US"/>
+          </a:p>
+        </p:txBody>
+      </p:sp>
+      <p:sp>
+        <p:nvSpPr>
+          <p:cNvPr id="28" name="Down Arrow 27"/>
+          <p:cNvSpPr/>
+          <p:nvPr/>
+        </p:nvSpPr>
+        <p:spPr>
+          <a:xfrm>
+            <a:off x="7092856" y="4656733"/>
+            <a:ext cx="337121" cy="965637"/>
+          </a:xfrm>
+          <a:prstGeom prst="downArrow">
+            <a:avLst/>
+          </a:prstGeom>
+        </p:spPr>
+        <p:style>
+          <a:lnRef idx="2">
+            <a:schemeClr val="accent1">
+              <a:shade val="50000"/>
+            </a:schemeClr>
+          </a:lnRef>
+          <a:fillRef idx="1">
+            <a:schemeClr val="accent1"/>
+          </a:fillRef>
+          <a:effectRef idx="0">
+            <a:schemeClr val="accent1"/>
+          </a:effectRef>
+          <a:fontRef idx="minor">
+            <a:schemeClr val="lt1"/>
+          </a:fontRef>
+        </p:style>
+        <p:txBody>
+          <a:bodyPr rtlCol="0" anchor="ctr"/>
+          <a:lstStyle/>
+          <a:p>
+            <a:pPr algn="ctr"/>
+            <a:endParaRPr lang="en-US"/>
+          </a:p>
+        </p:txBody>
+      </p:sp>
+      <p:sp>
+        <p:nvSpPr>
+          <p:cNvPr id="29" name="Down Arrow 28"/>
+          <p:cNvSpPr/>
+          <p:nvPr/>
+        </p:nvSpPr>
+        <p:spPr>
+          <a:xfrm rot="5400000">
+            <a:off x="5199608" y="4865000"/>
+            <a:ext cx="292608" cy="1751118"/>
+          </a:xfrm>
+          <a:prstGeom prst="downArrow">
+            <a:avLst/>
+          </a:prstGeom>
+        </p:spPr>
+        <p:style>
+          <a:lnRef idx="2">
+            <a:schemeClr val="accent1">
+              <a:shade val="50000"/>
+            </a:schemeClr>
+          </a:lnRef>
+          <a:fillRef idx="1">
+            <a:schemeClr val="accent1"/>
+          </a:fillRef>
+          <a:effectRef idx="0">
+            <a:schemeClr val="accent1"/>
+          </a:effectRef>
+          <a:fontRef idx="minor">
+            <a:schemeClr val="lt1"/>
+          </a:fontRef>
+        </p:style>
+        <p:txBody>
+          <a:bodyPr rtlCol="0" anchor="ctr"/>
+          <a:lstStyle/>
+          <a:p>
+            <a:pPr algn="ctr"/>
+            <a:endParaRPr lang="en-US"/>
+          </a:p>
+        </p:txBody>
+      </p:sp>
+      <p:cxnSp>
+        <p:nvCxnSpPr>
+          <p:cNvPr id="32" name="Elbow Connector 31"/>
+          <p:cNvCxnSpPr>
+            <a:stCxn id="18" idx="0"/>
+          </p:cNvCxnSpPr>
+          <p:nvPr/>
+        </p:nvCxnSpPr>
+        <p:spPr>
+          <a:xfrm rot="5400000" flipH="1" flipV="1">
+            <a:off x="3608238" y="3003073"/>
+            <a:ext cx="2152705" cy="2148256"/>
+          </a:xfrm>
+          <a:prstGeom prst="bentConnector2">
+            <a:avLst/>
+          </a:prstGeom>
+          <a:ln w="73025">
+            <a:tailEnd type="triangle"/>
+          </a:ln>
+        </p:spPr>
+        <p:style>
+          <a:lnRef idx="1">
+            <a:schemeClr val="accent1"/>
+          </a:lnRef>
+          <a:fillRef idx="0">
+            <a:schemeClr val="accent1"/>
+          </a:fillRef>
+          <a:effectRef idx="0">
+            <a:schemeClr val="accent1"/>
+          </a:effectRef>
+          <a:fontRef idx="minor">
+            <a:schemeClr val="tx1"/>
+          </a:fontRef>
+        </p:style>
+      </p:cxnSp>
+      <p:cxnSp>
+        <p:nvCxnSpPr>
+          <p:cNvPr id="34" name="Elbow Connector 33"/>
+          <p:cNvCxnSpPr>
+            <a:stCxn id="17" idx="3"/>
+            <a:endCxn id="13" idx="3"/>
+          </p:cNvCxnSpPr>
+          <p:nvPr/>
+        </p:nvCxnSpPr>
+        <p:spPr>
+          <a:xfrm flipH="1">
+            <a:off x="7971683" y="4275832"/>
+            <a:ext cx="627217" cy="2135337"/>
+          </a:xfrm>
+          <a:prstGeom prst="bentConnector3">
+            <a:avLst>
+              <a:gd name="adj1" fmla="val -36447"/>
+            </a:avLst>
+          </a:prstGeom>
+          <a:ln w="73025">
+            <a:tailEnd type="triangle"/>
+          </a:ln>
+        </p:spPr>
+        <p:style>
+          <a:lnRef idx="1">
+            <a:schemeClr val="accent1"/>
+          </a:lnRef>
+          <a:fillRef idx="0">
+            <a:schemeClr val="accent1"/>
+          </a:fillRef>
+          <a:effectRef idx="0">
+            <a:schemeClr val="accent1"/>
+          </a:effectRef>
+          <a:fontRef idx="minor">
+            <a:schemeClr val="tx1"/>
+          </a:fontRef>
+        </p:style>
+      </p:cxnSp>
+      <p:sp>
+        <p:nvSpPr>
+          <p:cNvPr id="41" name="TextBox 40"/>
+          <p:cNvSpPr txBox="1"/>
+          <p:nvPr/>
+        </p:nvSpPr>
+        <p:spPr>
+          <a:xfrm>
+            <a:off x="7125133" y="4895764"/>
+            <a:ext cx="968536" cy="369332"/>
+          </a:xfrm>
+          <a:prstGeom prst="rect">
+            <a:avLst/>
+          </a:prstGeom>
+          <a:noFill/>
+        </p:spPr>
+        <p:txBody>
+          <a:bodyPr wrap="square" rtlCol="0">
+            <a:spAutoFit/>
+          </a:bodyPr>
+          <a:lstStyle/>
+          <a:p>
+            <a:pPr algn="ctr"/>
+            <a:r>
+              <a:rPr lang="en-US" smtClean="0"/>
+              <a:t>NO</a:t>
+            </a:r>
+            <a:endParaRPr lang="en-US" dirty="0"/>
+          </a:p>
+        </p:txBody>
+      </p:sp>
+      <p:sp>
+        <p:nvSpPr>
+          <p:cNvPr id="43" name="TextBox 42"/>
+          <p:cNvSpPr txBox="1"/>
+          <p:nvPr/>
+        </p:nvSpPr>
+        <p:spPr>
+          <a:xfrm>
+            <a:off x="3470294" y="4680507"/>
+            <a:ext cx="971938" cy="369332"/>
+          </a:xfrm>
+          <a:prstGeom prst="rect">
+            <a:avLst/>
+          </a:prstGeom>
+          <a:noFill/>
+        </p:spPr>
+        <p:txBody>
+          <a:bodyPr wrap="square" rtlCol="0">
+            <a:spAutoFit/>
+          </a:bodyPr>
+          <a:lstStyle/>
+          <a:p>
+            <a:pPr algn="ctr"/>
+            <a:r>
+              <a:rPr lang="en-US" smtClean="0"/>
+              <a:t>NO</a:t>
+            </a:r>
+            <a:endParaRPr lang="en-US" dirty="0"/>
+          </a:p>
+        </p:txBody>
+      </p:sp>
+      <p:sp>
+        <p:nvSpPr>
+          <p:cNvPr id="45" name="TextBox 44"/>
+          <p:cNvSpPr txBox="1"/>
+          <p:nvPr/>
+        </p:nvSpPr>
+        <p:spPr>
+          <a:xfrm>
+            <a:off x="8652467" y="5622370"/>
+            <a:ext cx="971938" cy="369332"/>
+          </a:xfrm>
+          <a:prstGeom prst="rect">
+            <a:avLst/>
+          </a:prstGeom>
+          <a:noFill/>
+        </p:spPr>
+        <p:txBody>
+          <a:bodyPr wrap="square" rtlCol="0">
+            <a:spAutoFit/>
+          </a:bodyPr>
+          <a:lstStyle/>
+          <a:p>
+            <a:pPr algn="ctr"/>
+            <a:r>
+              <a:rPr lang="en-US" smtClean="0"/>
+              <a:t>YES</a:t>
+            </a:r>
+            <a:endParaRPr lang="en-US" dirty="0"/>
+          </a:p>
+        </p:txBody>
+      </p:sp>
+      <p:sp>
+        <p:nvSpPr>
+          <p:cNvPr id="46" name="TextBox 45"/>
+          <p:cNvSpPr txBox="1"/>
+          <p:nvPr/>
+        </p:nvSpPr>
+        <p:spPr>
+          <a:xfrm>
+            <a:off x="1774231" y="5043546"/>
+            <a:ext cx="971938" cy="369332"/>
+          </a:xfrm>
+          <a:prstGeom prst="rect">
+            <a:avLst/>
+          </a:prstGeom>
+          <a:noFill/>
+        </p:spPr>
+        <p:txBody>
+          <a:bodyPr wrap="square" rtlCol="0">
+            <a:spAutoFit/>
+          </a:bodyPr>
+          <a:lstStyle/>
+          <a:p>
+            <a:pPr algn="ctr"/>
+            <a:r>
+              <a:rPr lang="en-US" smtClean="0"/>
+              <a:t>YES</a:t>
+            </a:r>
+            <a:endParaRPr lang="en-US" dirty="0"/>
+          </a:p>
+        </p:txBody>
+      </p:sp>
+      <p:cxnSp>
+        <p:nvCxnSpPr>
+          <p:cNvPr id="11" name="Straight Connector 10"/>
+          <p:cNvCxnSpPr/>
+          <p:nvPr/>
+        </p:nvCxnSpPr>
+        <p:spPr>
+          <a:xfrm flipH="1" flipV="1">
+            <a:off x="3645561" y="1195391"/>
+            <a:ext cx="1836733" cy="568400"/>
+          </a:xfrm>
+          <a:prstGeom prst="line">
+            <a:avLst/>
+          </a:prstGeom>
+        </p:spPr>
+        <p:style>
+          <a:lnRef idx="1">
+            <a:schemeClr val="accent1"/>
+          </a:lnRef>
+          <a:fillRef idx="0">
+            <a:schemeClr val="accent1"/>
+          </a:fillRef>
+          <a:effectRef idx="0">
+            <a:schemeClr val="accent1"/>
+          </a:effectRef>
+          <a:fontRef idx="minor">
+            <a:schemeClr val="tx1"/>
+          </a:fontRef>
+        </p:style>
+      </p:cxnSp>
+      <p:sp>
+        <p:nvSpPr>
+          <p:cNvPr id="31" name="TextBox 30"/>
+          <p:cNvSpPr txBox="1"/>
+          <p:nvPr/>
+        </p:nvSpPr>
+        <p:spPr>
+          <a:xfrm>
+            <a:off x="1937928" y="633549"/>
+            <a:ext cx="2455052" cy="646331"/>
+          </a:xfrm>
+          <a:prstGeom prst="rect">
+            <a:avLst/>
+          </a:prstGeom>
+          <a:noFill/>
+        </p:spPr>
+        <p:txBody>
+          <a:bodyPr wrap="square" rtlCol="0">
+            <a:spAutoFit/>
+          </a:bodyPr>
+          <a:lstStyle/>
+          <a:p>
+            <a:pPr marL="285750" indent="-285750">
+              <a:buFont typeface="Arial" charset="0"/>
+              <a:buChar char="•"/>
+            </a:pPr>
+            <a:r>
+              <a:rPr lang="en-US" dirty="0" smtClean="0"/>
+              <a:t>Number of guesses</a:t>
+            </a:r>
+          </a:p>
+          <a:p>
+            <a:pPr marL="285750" indent="-285750">
+              <a:buFont typeface="Arial" charset="0"/>
+              <a:buChar char="•"/>
+            </a:pPr>
+            <a:r>
+              <a:rPr lang="en-US" dirty="0" smtClean="0"/>
+              <a:t>Correct guess</a:t>
+            </a:r>
+            <a:endParaRPr lang="en-US" dirty="0"/>
+          </a:p>
+        </p:txBody>
+      </p:sp>
+      <p:cxnSp>
+        <p:nvCxnSpPr>
+          <p:cNvPr id="47" name="Elbow Connector 46"/>
+          <p:cNvCxnSpPr>
+            <a:stCxn id="18" idx="1"/>
+          </p:cNvCxnSpPr>
+          <p:nvPr/>
+        </p:nvCxnSpPr>
+        <p:spPr>
+          <a:xfrm rot="10800000" flipH="1">
+            <a:off x="2236986" y="3000848"/>
+            <a:ext cx="3521731" cy="2746214"/>
+          </a:xfrm>
+          <a:prstGeom prst="bentConnector3">
+            <a:avLst>
+              <a:gd name="adj1" fmla="val -6491"/>
+            </a:avLst>
+          </a:prstGeom>
+          <a:ln w="73025">
+            <a:tailEnd type="triangle"/>
+          </a:ln>
+        </p:spPr>
+        <p:style>
+          <a:lnRef idx="1">
+            <a:schemeClr val="accent1"/>
+          </a:lnRef>
+          <a:fillRef idx="0">
+            <a:schemeClr val="accent1"/>
+          </a:fillRef>
+          <a:effectRef idx="0">
+            <a:schemeClr val="accent1"/>
+          </a:effectRef>
+          <a:fontRef idx="minor">
+            <a:schemeClr val="tx1"/>
+          </a:fontRef>
+        </p:style>
+      </p:cxnSp>
+      <p:sp>
+        <p:nvSpPr>
+          <p:cNvPr id="50" name="TextBox 49"/>
+          <p:cNvSpPr txBox="1"/>
+          <p:nvPr/>
+        </p:nvSpPr>
+        <p:spPr>
+          <a:xfrm>
+            <a:off x="2920365" y="3403660"/>
+            <a:ext cx="1381148" cy="923330"/>
+          </a:xfrm>
+          <a:prstGeom prst="rect">
+            <a:avLst/>
+          </a:prstGeom>
+          <a:solidFill>
+            <a:schemeClr val="accent2">
+              <a:lumMod val="20000"/>
+              <a:lumOff val="80000"/>
+            </a:schemeClr>
+          </a:solidFill>
+        </p:spPr>
+        <p:txBody>
+          <a:bodyPr wrap="square" rtlCol="0">
+            <a:spAutoFit/>
+          </a:bodyPr>
+          <a:lstStyle/>
+          <a:p>
+            <a:pPr algn="ctr"/>
+            <a:r>
+              <a:rPr lang="en-US" dirty="0" smtClean="0"/>
+              <a:t>﻿</a:t>
+            </a:r>
+            <a:r>
+              <a:rPr lang="en-US" smtClean="0"/>
+              <a:t>﻿Clue: Number too high</a:t>
+            </a:r>
+            <a:endParaRPr lang="en-US" dirty="0"/>
+          </a:p>
+        </p:txBody>
+      </p:sp>
+      <p:sp>
+        <p:nvSpPr>
+          <p:cNvPr id="51" name="TextBox 50"/>
+          <p:cNvSpPr txBox="1"/>
+          <p:nvPr/>
+        </p:nvSpPr>
+        <p:spPr>
+          <a:xfrm>
+            <a:off x="1392406" y="3941843"/>
+            <a:ext cx="1381148" cy="923330"/>
+          </a:xfrm>
+          <a:prstGeom prst="rect">
+            <a:avLst/>
+          </a:prstGeom>
+          <a:solidFill>
+            <a:schemeClr val="accent2">
+              <a:lumMod val="20000"/>
+              <a:lumOff val="80000"/>
+            </a:schemeClr>
+          </a:solidFill>
+        </p:spPr>
+        <p:txBody>
+          <a:bodyPr wrap="square" rtlCol="0">
+            <a:spAutoFit/>
+          </a:bodyPr>
+          <a:lstStyle/>
+          <a:p>
+            <a:pPr algn="ctr"/>
+            <a:r>
+              <a:rPr lang="en-US" dirty="0" smtClean="0"/>
+              <a:t>﻿</a:t>
+            </a:r>
+            <a:r>
+              <a:rPr lang="en-US" smtClean="0"/>
+              <a:t>﻿Clue: Number too low</a:t>
+            </a:r>
+            <a:endParaRPr lang="en-US" dirty="0"/>
+          </a:p>
+        </p:txBody>
+      </p:sp>
+    </p:spTree>
+    <p:extLst>
+      <p:ext uri="{BB962C8B-B14F-4D97-AF65-F5344CB8AC3E}">
+        <p14:creationId xmlns:p14="http://schemas.microsoft.com/office/powerpoint/2010/main" val="1553784534"/>
+      </p:ext>
+    </p:extLst>
+  </p:cSld>
+  <p:clrMapOvr>
+    <a:masterClrMapping/>
+  </p:clrMapOvr>
+  <p:timing>
+    <p:tnLst>
+      <p:par>
+        <p:cTn id="1" dur="indefinite" restart="never" nodeType="tmRoot"/>
+      </p:par>
+    </p:tnLst>
+  </p:timing>
+</p:sld>
+</file>
+
+<file path=ppt/slides/slide5.xml><?xml version="1.0" encoding="utf-8"?>
+<p:sld xmlns:a="http://schemas.openxmlformats.org/drawingml/2006/main" xmlns:r="http://schemas.openxmlformats.org/officeDocument/2006/relationships" xmlns:p="http://schemas.openxmlformats.org/presentationml/2006/main">
+  <p:cSld>
+    <p:spTree>
+      <p:nvGrpSpPr>
+        <p:cNvPr id="1" name=""/>
+        <p:cNvGrpSpPr/>
+        <p:nvPr/>
+      </p:nvGrpSpPr>
+      <p:grpSpPr>
+        <a:xfrm>
+          <a:off x="0" y="0"/>
+          <a:ext cx="0" cy="0"/>
+          <a:chOff x="0" y="0"/>
+          <a:chExt cx="0" cy="0"/>
+        </a:xfrm>
+      </p:grpSpPr>
+      <p:sp>
+        <p:nvSpPr>
+          <p:cNvPr id="119" name="Introduction to Computer Programming Lecture 2:…"/>
+          <p:cNvSpPr txBox="1">
+            <a:spLocks noGrp="1"/>
+          </p:cNvSpPr>
+          <p:nvPr>
+            <p:ph type="ctrTitle"/>
+          </p:nvPr>
+        </p:nvSpPr>
+        <p:spPr>
+          <a:xfrm>
+            <a:off x="2827915" y="1997896"/>
+            <a:ext cx="6375750" cy="1741289"/>
+          </a:xfrm>
+          <a:prstGeom prst="rect">
+            <a:avLst/>
+          </a:prstGeom>
+        </p:spPr>
+        <p:txBody>
+          <a:bodyPr>
+            <a:normAutofit fontScale="90000"/>
+          </a:bodyPr>
+          <a:lstStyle/>
+          <a:p>
+            <a:pPr defTabSz="160191">
+              <a:defRPr sz="4160"/>
+            </a:pPr>
+            <a:r>
+              <a:rPr dirty="0"/>
+              <a:t>Introduction to Computer Programming Lecture </a:t>
+            </a:r>
+            <a:r>
+              <a:rPr lang="en-GB" dirty="0" smtClean="0"/>
+              <a:t>9.1.b</a:t>
+            </a:r>
+            <a:r>
+              <a:rPr dirty="0" smtClean="0"/>
+              <a:t>:</a:t>
+            </a:r>
+            <a:endParaRPr dirty="0"/>
+          </a:p>
+          <a:p>
+            <a:pPr defTabSz="160191">
+              <a:defRPr sz="4160"/>
+            </a:pPr>
+            <a:r>
+              <a:rPr dirty="0"/>
+              <a:t> </a:t>
+            </a:r>
+          </a:p>
+          <a:p>
+            <a:pPr defTabSz="160191">
+              <a:defRPr sz="4160" b="1">
+                <a:latin typeface="Helvetica"/>
+                <a:ea typeface="Helvetica"/>
+                <a:cs typeface="Helvetica"/>
+                <a:sym typeface="Helvetica"/>
+              </a:defRPr>
+            </a:pPr>
+            <a:r>
+              <a:rPr lang="en-GB" dirty="0" smtClean="0"/>
+              <a:t>Word</a:t>
+            </a:r>
+            <a:r>
+              <a:rPr lang="en-GB" dirty="0" smtClean="0"/>
+              <a:t> Guessing Game</a:t>
+            </a:r>
+            <a:endParaRPr dirty="0"/>
+          </a:p>
+        </p:txBody>
+      </p:sp>
+      <p:sp>
+        <p:nvSpPr>
+          <p:cNvPr id="120" name="Department of Engineering Mathematics"/>
+          <p:cNvSpPr txBox="1"/>
+          <p:nvPr/>
+        </p:nvSpPr>
+        <p:spPr>
+          <a:xfrm>
+            <a:off x="3256516" y="4540323"/>
+            <a:ext cx="5518548" cy="596057"/>
+          </a:xfrm>
+          <a:prstGeom prst="rect">
+            <a:avLst/>
+          </a:prstGeom>
+          <a:ln w="12700">
+            <a:miter lim="400000"/>
+          </a:ln>
+          <a:extLst>
+            <a:ext uri="{C572A759-6A51-4108-AA02-DFA0A04FC94B}">
+              <ma14:wrappingTextBoxFlag xmlns:ma14="http://schemas.microsoft.com/office/mac/drawingml/2011/main" val="1"/>
+            </a:ext>
+          </a:extLst>
+        </p:spPr>
+        <p:txBody>
+          <a:bodyPr lIns="26789" tIns="26789" rIns="26789" bIns="26789">
+            <a:normAutofit/>
+          </a:bodyPr>
+          <a:lstStyle/>
+          <a:p>
+            <a:pPr algn="ctr" defTabSz="166353">
+              <a:defRPr sz="2268"/>
+            </a:pPr>
+            <a:r>
+              <a:rPr sz="1196" dirty="0"/>
+              <a:t>Department of Engineering Mathematics</a:t>
+            </a:r>
+          </a:p>
+          <a:p>
+            <a:pPr algn="ctr" defTabSz="166353">
+              <a:defRPr sz="2268"/>
+            </a:pPr>
+            <a:endParaRPr sz="1196" dirty="0"/>
+          </a:p>
+        </p:txBody>
+      </p:sp>
+      <p:sp>
+        <p:nvSpPr>
+          <p:cNvPr id="122" name="Helmut Hauser"/>
+          <p:cNvSpPr txBox="1"/>
+          <p:nvPr/>
+        </p:nvSpPr>
+        <p:spPr>
+          <a:xfrm>
+            <a:off x="3363673" y="4186484"/>
+            <a:ext cx="5518548" cy="596057"/>
+          </a:xfrm>
+          <a:prstGeom prst="rect">
+            <a:avLst/>
+          </a:prstGeom>
+          <a:ln w="12700">
+            <a:miter lim="400000"/>
+          </a:ln>
+          <a:extLst>
+            <a:ext uri="{C572A759-6A51-4108-AA02-DFA0A04FC94B}">
+              <ma14:wrappingTextBoxFlag xmlns:ma14="http://schemas.microsoft.com/office/mac/drawingml/2011/main" val="1"/>
+            </a:ext>
+          </a:extLst>
+        </p:spPr>
+        <p:txBody>
+          <a:bodyPr lIns="26789" tIns="26789" rIns="26789" bIns="26789">
+            <a:normAutofit/>
+          </a:bodyPr>
+          <a:lstStyle/>
+          <a:p>
+            <a:pPr algn="ctr" defTabSz="166353">
+              <a:defRPr sz="3294"/>
+            </a:pPr>
+            <a:r>
+              <a:rPr lang="en-GB" sz="1737" dirty="0"/>
+              <a:t>Hemma Philamore </a:t>
+            </a:r>
+            <a:endParaRPr sz="1737" dirty="0"/>
+          </a:p>
+          <a:p>
+            <a:pPr algn="ctr" defTabSz="166353">
+              <a:defRPr sz="1728"/>
+            </a:pPr>
+            <a:endParaRPr sz="911" dirty="0"/>
+          </a:p>
+        </p:txBody>
+      </p:sp>
+    </p:spTree>
+    <p:extLst>
+      <p:ext uri="{BB962C8B-B14F-4D97-AF65-F5344CB8AC3E}">
+        <p14:creationId xmlns:p14="http://schemas.microsoft.com/office/powerpoint/2010/main" val="859862475"/>
+      </p:ext>
+    </p:extLst>
+  </p:cSld>
+  <p:clrMapOvr>
+    <a:masterClrMapping/>
+  </p:clrMapOvr>
+  <mc:AlternateContent xmlns:mc="http://schemas.openxmlformats.org/markup-compatibility/2006" xmlns:p14="http://schemas.microsoft.com/office/powerpoint/2010/main">
+    <mc:Choice Requires="p14">
+      <p:transition spd="slow" p14:dur="2000"/>
+    </mc:Choice>
+    <mc:Fallback xmlns="">
+      <p:transition spd="slow"/>
+    </mc:Fallback>
+  </mc:AlternateContent>
+  <p:timing>
+    <p:tnLst>
+      <p:par>
+        <p:cTn id="1" dur="indefinite" restart="never" nodeType="tmRoot"/>
+      </p:par>
+    </p:tnLst>
+  </p:timing>
+</p:sld>
+</file>
+
+<file path=ppt/slides/slide6.xml><?xml version="1.0" encoding="utf-8"?>
+<p:sld xmlns:a="http://schemas.openxmlformats.org/drawingml/2006/main" xmlns:r="http://schemas.openxmlformats.org/officeDocument/2006/relationships" xmlns:p="http://schemas.openxmlformats.org/presentationml/2006/main">
+  <p:cSld>
+    <p:spTree>
+      <p:nvGrpSpPr>
+        <p:cNvPr id="1" name=""/>
+        <p:cNvGrpSpPr/>
+        <p:nvPr/>
+      </p:nvGrpSpPr>
+      <p:grpSpPr>
+        <a:xfrm>
+          <a:off x="0" y="0"/>
+          <a:ext cx="0" cy="0"/>
+          <a:chOff x="0" y="0"/>
+          <a:chExt cx="0" cy="0"/>
+        </a:xfrm>
+      </p:grpSpPr>
       <p:pic>
         <p:nvPicPr>
           <p:cNvPr id="15" name="Picture 2" descr=" Countdown graphics stock vectors, Royalty Free countdown illustrations |  download on Depositphotos®"/>
@@ -5073,7 +5708,6 @@
               <a:rPr lang="en-US" sz="3600" dirty="0"/>
               <a:t>A</a:t>
             </a:r>
-            <a:endParaRPr lang="en-US" sz="3600" dirty="0"/>
           </a:p>
         </p:txBody>
       </p:sp>
@@ -5679,7 +6313,7 @@
 </p:sld>
 </file>
 
-<file path=ppt/slides/slide5.xml><?xml version="1.0" encoding="utf-8"?>
+<file path=ppt/slides/slide7.xml><?xml version="1.0" encoding="utf-8"?>
 <p:sld xmlns:a="http://schemas.openxmlformats.org/drawingml/2006/main" xmlns:r="http://schemas.openxmlformats.org/officeDocument/2006/relationships" xmlns:p="http://schemas.openxmlformats.org/presentationml/2006/main">
   <p:cSld>
     <p:spTree>
@@ -7092,7 +7726,7 @@
 </p:sld>
 </file>
 
-<file path=ppt/slides/slide6.xml><?xml version="1.0" encoding="utf-8"?>
+<file path=ppt/slides/slide8.xml><?xml version="1.0" encoding="utf-8"?>
 <p:sld xmlns:a="http://schemas.openxmlformats.org/drawingml/2006/main" xmlns:r="http://schemas.openxmlformats.org/officeDocument/2006/relationships" xmlns:p="http://schemas.openxmlformats.org/presentationml/2006/main">
   <p:cSld>
     <p:spTree>
@@ -7111,1473 +7745,185 @@
       </p:grpSpPr>
       <p:sp>
         <p:nvSpPr>
-          <p:cNvPr id="19" name="Diamond 18"/>
-          <p:cNvSpPr/>
-          <p:nvPr/>
-        </p:nvSpPr>
-        <p:spPr>
-          <a:xfrm>
-            <a:off x="9445050" y="4638061"/>
-            <a:ext cx="2746950" cy="1187017"/>
-          </a:xfrm>
-          <a:prstGeom prst="diamond">
-            <a:avLst/>
-          </a:prstGeom>
-          <a:solidFill>
-            <a:schemeClr val="accent1">
-              <a:lumMod val="20000"/>
-              <a:lumOff val="80000"/>
-            </a:schemeClr>
-          </a:solidFill>
-          <a:ln>
-            <a:noFill/>
+          <p:cNvPr id="119" name="Introduction to Computer Programming Lecture 2:…"/>
+          <p:cNvSpPr txBox="1">
+            <a:spLocks noGrp="1"/>
+          </p:cNvSpPr>
+          <p:nvPr>
+            <p:ph type="ctrTitle"/>
+          </p:nvPr>
+        </p:nvSpPr>
+        <p:spPr>
+          <a:xfrm>
+            <a:off x="2530204" y="1997896"/>
+            <a:ext cx="6783918" cy="1741289"/>
+          </a:xfrm>
+          <a:prstGeom prst="rect">
+            <a:avLst/>
+          </a:prstGeom>
+        </p:spPr>
+        <p:txBody>
+          <a:bodyPr>
+            <a:normAutofit fontScale="90000"/>
+          </a:bodyPr>
+          <a:lstStyle/>
+          <a:p>
+            <a:pPr defTabSz="160191">
+              <a:defRPr sz="4160"/>
+            </a:pPr>
+            <a:r>
+              <a:rPr dirty="0"/>
+              <a:t>Introduction to Computer Programming Lecture </a:t>
+            </a:r>
+            <a:r>
+              <a:rPr lang="en-GB" dirty="0" smtClean="0"/>
+              <a:t>9.1.c</a:t>
+            </a:r>
+            <a:r>
+              <a:rPr dirty="0" smtClean="0"/>
+              <a:t>:</a:t>
+            </a:r>
+            <a:endParaRPr dirty="0"/>
+          </a:p>
+          <a:p>
+            <a:pPr defTabSz="160191">
+              <a:defRPr sz="4160"/>
+            </a:pPr>
+            <a:r>
+              <a:rPr dirty="0"/>
+              <a:t> </a:t>
+            </a:r>
+          </a:p>
+          <a:p>
+            <a:pPr defTabSz="160191">
+              <a:defRPr sz="4160" b="1">
+                <a:latin typeface="Helvetica"/>
+                <a:ea typeface="Helvetica"/>
+                <a:cs typeface="Helvetica"/>
+                <a:sym typeface="Helvetica"/>
+              </a:defRPr>
+            </a:pPr>
+            <a:r>
+              <a:rPr lang="en-GB" dirty="0" smtClean="0"/>
+              <a:t>Word</a:t>
+            </a:r>
+            <a:r>
+              <a:rPr lang="en-GB" dirty="0" smtClean="0"/>
+              <a:t> Guessing Game: Updating the Current Status</a:t>
+            </a:r>
+            <a:endParaRPr dirty="0"/>
+          </a:p>
+        </p:txBody>
+      </p:sp>
+      <p:sp>
+        <p:nvSpPr>
+          <p:cNvPr id="120" name="Department of Engineering Mathematics"/>
+          <p:cNvSpPr txBox="1"/>
+          <p:nvPr/>
+        </p:nvSpPr>
+        <p:spPr>
+          <a:xfrm>
+            <a:off x="3256516" y="4540323"/>
+            <a:ext cx="5518548" cy="596057"/>
+          </a:xfrm>
+          <a:prstGeom prst="rect">
+            <a:avLst/>
+          </a:prstGeom>
+          <a:ln w="12700">
+            <a:miter lim="400000"/>
           </a:ln>
-        </p:spPr>
-        <p:style>
-          <a:lnRef idx="2">
-            <a:schemeClr val="accent1">
-              <a:shade val="50000"/>
-            </a:schemeClr>
-          </a:lnRef>
-          <a:fillRef idx="1">
-            <a:schemeClr val="accent1"/>
-          </a:fillRef>
-          <a:effectRef idx="0">
-            <a:schemeClr val="accent1"/>
-          </a:effectRef>
-          <a:fontRef idx="minor">
-            <a:schemeClr val="lt1"/>
-          </a:fontRef>
-        </p:style>
-        <p:txBody>
-          <a:bodyPr rtlCol="0" anchor="ctr"/>
-          <a:lstStyle/>
-          <a:p>
-            <a:pPr algn="ctr"/>
-            <a:endParaRPr lang="en-US"/>
-          </a:p>
-        </p:txBody>
-      </p:sp>
-      <p:sp>
-        <p:nvSpPr>
-          <p:cNvPr id="18" name="Diamond 17"/>
-          <p:cNvSpPr/>
-          <p:nvPr/>
-        </p:nvSpPr>
-        <p:spPr>
-          <a:xfrm>
-            <a:off x="1278793" y="5401148"/>
-            <a:ext cx="2746950" cy="1187017"/>
-          </a:xfrm>
-          <a:prstGeom prst="diamond">
-            <a:avLst/>
-          </a:prstGeom>
-          <a:solidFill>
-            <a:schemeClr val="accent1">
-              <a:lumMod val="20000"/>
-              <a:lumOff val="80000"/>
-            </a:schemeClr>
-          </a:solidFill>
-          <a:ln>
-            <a:noFill/>
+          <a:extLst>
+            <a:ext uri="{C572A759-6A51-4108-AA02-DFA0A04FC94B}">
+              <ma14:wrappingTextBoxFlag xmlns:ma14="http://schemas.microsoft.com/office/mac/drawingml/2011/main" val="1"/>
+            </a:ext>
+          </a:extLst>
+        </p:spPr>
+        <p:txBody>
+          <a:bodyPr lIns="26789" tIns="26789" rIns="26789" bIns="26789">
+            <a:normAutofit/>
+          </a:bodyPr>
+          <a:lstStyle/>
+          <a:p>
+            <a:pPr algn="ctr" defTabSz="166353">
+              <a:defRPr sz="2268"/>
+            </a:pPr>
+            <a:r>
+              <a:rPr sz="1196" dirty="0"/>
+              <a:t>Department of Engineering Mathematics</a:t>
+            </a:r>
+          </a:p>
+          <a:p>
+            <a:pPr algn="ctr" defTabSz="166353">
+              <a:defRPr sz="2268"/>
+            </a:pPr>
+            <a:endParaRPr sz="1196" dirty="0"/>
+          </a:p>
+        </p:txBody>
+      </p:sp>
+      <p:sp>
+        <p:nvSpPr>
+          <p:cNvPr id="122" name="Helmut Hauser"/>
+          <p:cNvSpPr txBox="1"/>
+          <p:nvPr/>
+        </p:nvSpPr>
+        <p:spPr>
+          <a:xfrm>
+            <a:off x="3363673" y="4186484"/>
+            <a:ext cx="5518548" cy="596057"/>
+          </a:xfrm>
+          <a:prstGeom prst="rect">
+            <a:avLst/>
+          </a:prstGeom>
+          <a:ln w="12700">
+            <a:miter lim="400000"/>
           </a:ln>
-        </p:spPr>
-        <p:style>
-          <a:lnRef idx="2">
-            <a:schemeClr val="accent1">
-              <a:shade val="50000"/>
-            </a:schemeClr>
-          </a:lnRef>
-          <a:fillRef idx="1">
-            <a:schemeClr val="accent1"/>
-          </a:fillRef>
-          <a:effectRef idx="0">
-            <a:schemeClr val="accent1"/>
-          </a:effectRef>
-          <a:fontRef idx="minor">
-            <a:schemeClr val="lt1"/>
-          </a:fontRef>
-        </p:style>
-        <p:txBody>
-          <a:bodyPr rtlCol="0" anchor="ctr"/>
-          <a:lstStyle/>
-          <a:p>
-            <a:pPr algn="ctr"/>
-            <a:endParaRPr lang="en-US"/>
-          </a:p>
-        </p:txBody>
-      </p:sp>
-      <p:sp>
-        <p:nvSpPr>
-          <p:cNvPr id="17" name="Diamond 16"/>
-          <p:cNvSpPr/>
-          <p:nvPr/>
-        </p:nvSpPr>
-        <p:spPr>
-          <a:xfrm>
-            <a:off x="5206422" y="4783040"/>
-            <a:ext cx="2746950" cy="871696"/>
-          </a:xfrm>
-          <a:prstGeom prst="diamond">
-            <a:avLst/>
-          </a:prstGeom>
-          <a:solidFill>
-            <a:schemeClr val="accent1">
-              <a:lumMod val="20000"/>
-              <a:lumOff val="80000"/>
-            </a:schemeClr>
-          </a:solidFill>
-          <a:ln>
-            <a:noFill/>
-          </a:ln>
-        </p:spPr>
-        <p:style>
-          <a:lnRef idx="2">
-            <a:schemeClr val="accent1">
-              <a:shade val="50000"/>
-            </a:schemeClr>
-          </a:lnRef>
-          <a:fillRef idx="1">
-            <a:schemeClr val="accent1"/>
-          </a:fillRef>
-          <a:effectRef idx="0">
-            <a:schemeClr val="accent1"/>
-          </a:effectRef>
-          <a:fontRef idx="minor">
-            <a:schemeClr val="lt1"/>
-          </a:fontRef>
-        </p:style>
-        <p:txBody>
-          <a:bodyPr rtlCol="0" anchor="ctr"/>
-          <a:lstStyle/>
-          <a:p>
-            <a:pPr algn="ctr"/>
-            <a:endParaRPr lang="en-US"/>
-          </a:p>
-        </p:txBody>
-      </p:sp>
-      <p:sp>
-        <p:nvSpPr>
-          <p:cNvPr id="2" name="TextBox 1"/>
-          <p:cNvSpPr txBox="1"/>
-          <p:nvPr/>
-        </p:nvSpPr>
-        <p:spPr>
-          <a:xfrm>
-            <a:off x="5766044" y="128192"/>
-            <a:ext cx="1474237" cy="369332"/>
-          </a:xfrm>
-          <a:prstGeom prst="rect">
-            <a:avLst/>
-          </a:prstGeom>
-          <a:solidFill>
-            <a:schemeClr val="accent6">
-              <a:lumMod val="20000"/>
-              <a:lumOff val="80000"/>
-            </a:schemeClr>
-          </a:solidFill>
-        </p:spPr>
-        <p:txBody>
-          <a:bodyPr wrap="square" rtlCol="0">
-            <a:spAutoFit/>
+          <a:extLst>
+            <a:ext uri="{C572A759-6A51-4108-AA02-DFA0A04FC94B}">
+              <ma14:wrappingTextBoxFlag xmlns:ma14="http://schemas.microsoft.com/office/mac/drawingml/2011/main" val="1"/>
+            </a:ext>
+          </a:extLst>
+        </p:spPr>
+        <p:txBody>
+          <a:bodyPr lIns="26789" tIns="26789" rIns="26789" bIns="26789">
+            <a:normAutofit/>
           </a:bodyPr>
           <a:lstStyle/>
           <a:p>
-            <a:pPr algn="ctr"/>
-            <a:r>
-              <a:rPr lang="en-US" smtClean="0"/>
-              <a:t>Start</a:t>
-            </a:r>
-            <a:endParaRPr lang="en-US"/>
-          </a:p>
-        </p:txBody>
-      </p:sp>
-      <p:sp>
-        <p:nvSpPr>
-          <p:cNvPr id="3" name="TextBox 2"/>
-          <p:cNvSpPr txBox="1"/>
-          <p:nvPr/>
-        </p:nvSpPr>
-        <p:spPr>
-          <a:xfrm>
-            <a:off x="5103566" y="764003"/>
-            <a:ext cx="2799185" cy="369332"/>
-          </a:xfrm>
-          <a:prstGeom prst="rect">
-            <a:avLst/>
-          </a:prstGeom>
-          <a:solidFill>
-            <a:schemeClr val="accent6">
-              <a:lumMod val="20000"/>
-              <a:lumOff val="80000"/>
-            </a:schemeClr>
-          </a:solidFill>
-        </p:spPr>
-        <p:txBody>
-          <a:bodyPr wrap="square" rtlCol="0">
-            <a:spAutoFit/>
-          </a:bodyPr>
-          <a:lstStyle/>
-          <a:p>
-            <a:pPr algn="ctr"/>
-            <a:r>
-              <a:rPr lang="en-US" dirty="0" smtClean="0"/>
-              <a:t>﻿Let player specify no of tries</a:t>
-            </a:r>
-            <a:endParaRPr lang="en-US" dirty="0"/>
-          </a:p>
-        </p:txBody>
-      </p:sp>
-      <p:sp>
-        <p:nvSpPr>
-          <p:cNvPr id="4" name="TextBox 3"/>
-          <p:cNvSpPr txBox="1"/>
-          <p:nvPr/>
-        </p:nvSpPr>
-        <p:spPr>
-          <a:xfrm>
-            <a:off x="5103566" y="1337401"/>
-            <a:ext cx="2799185" cy="369332"/>
-          </a:xfrm>
-          <a:prstGeom prst="rect">
-            <a:avLst/>
-          </a:prstGeom>
-          <a:solidFill>
-            <a:schemeClr val="accent6">
-              <a:lumMod val="20000"/>
-              <a:lumOff val="80000"/>
-            </a:schemeClr>
-          </a:solidFill>
-        </p:spPr>
-        <p:txBody>
-          <a:bodyPr wrap="square" rtlCol="0">
-            <a:spAutoFit/>
-          </a:bodyPr>
-          <a:lstStyle/>
-          <a:p>
-            <a:pPr algn="ctr"/>
-            <a:r>
-              <a:rPr lang="en-US" smtClean="0"/>
-              <a:t>﻿Randomly select a word</a:t>
-            </a:r>
-            <a:endParaRPr lang="en-US" dirty="0"/>
-          </a:p>
-        </p:txBody>
-      </p:sp>
-      <p:sp>
-        <p:nvSpPr>
-          <p:cNvPr id="5" name="TextBox 4"/>
-          <p:cNvSpPr txBox="1"/>
-          <p:nvPr/>
-        </p:nvSpPr>
-        <p:spPr>
-          <a:xfrm>
-            <a:off x="4949611" y="1905801"/>
-            <a:ext cx="3107098" cy="369332"/>
-          </a:xfrm>
-          <a:prstGeom prst="rect">
-            <a:avLst/>
-          </a:prstGeom>
-          <a:solidFill>
-            <a:schemeClr val="accent6">
-              <a:lumMod val="20000"/>
-              <a:lumOff val="80000"/>
-            </a:schemeClr>
-          </a:solidFill>
-        </p:spPr>
-        <p:txBody>
-          <a:bodyPr wrap="square" rtlCol="0">
-            <a:spAutoFit/>
-          </a:bodyPr>
-          <a:lstStyle/>
-          <a:p>
-            <a:pPr algn="ctr"/>
-            <a:r>
-              <a:rPr lang="en-US" smtClean="0"/>
-              <a:t>﻿﻿Initialize game state variables</a:t>
-            </a:r>
-            <a:endParaRPr lang="en-US" dirty="0"/>
-          </a:p>
-        </p:txBody>
-      </p:sp>
-      <p:sp>
-        <p:nvSpPr>
-          <p:cNvPr id="6" name="TextBox 5"/>
-          <p:cNvSpPr txBox="1"/>
-          <p:nvPr/>
-        </p:nvSpPr>
-        <p:spPr>
-          <a:xfrm>
-            <a:off x="5103567" y="2468747"/>
-            <a:ext cx="2799185" cy="369332"/>
-          </a:xfrm>
-          <a:prstGeom prst="rect">
-            <a:avLst/>
-          </a:prstGeom>
-          <a:solidFill>
-            <a:schemeClr val="accent6">
-              <a:lumMod val="20000"/>
-              <a:lumOff val="80000"/>
-            </a:schemeClr>
-          </a:solidFill>
-        </p:spPr>
-        <p:txBody>
-          <a:bodyPr wrap="square" rtlCol="0">
-            <a:spAutoFit/>
-          </a:bodyPr>
-          <a:lstStyle/>
-          <a:p>
-            <a:pPr algn="ctr"/>
-            <a:r>
-              <a:rPr lang="en-US" smtClean="0"/>
-              <a:t>﻿Main game loop </a:t>
-            </a:r>
-            <a:endParaRPr lang="en-US" dirty="0"/>
-          </a:p>
-        </p:txBody>
-      </p:sp>
-      <p:sp>
-        <p:nvSpPr>
-          <p:cNvPr id="8" name="TextBox 7"/>
-          <p:cNvSpPr txBox="1"/>
-          <p:nvPr/>
-        </p:nvSpPr>
-        <p:spPr>
-          <a:xfrm>
-            <a:off x="5103566" y="3078348"/>
-            <a:ext cx="2799185" cy="369332"/>
-          </a:xfrm>
-          <a:prstGeom prst="rect">
-            <a:avLst/>
-          </a:prstGeom>
-          <a:solidFill>
-            <a:schemeClr val="accent2">
-              <a:lumMod val="20000"/>
-              <a:lumOff val="80000"/>
-            </a:schemeClr>
-          </a:solidFill>
-          <a:ln>
-            <a:solidFill>
-              <a:schemeClr val="tx1"/>
-            </a:solidFill>
-          </a:ln>
-        </p:spPr>
-        <p:txBody>
-          <a:bodyPr wrap="square" rtlCol="0">
-            <a:spAutoFit/>
-          </a:bodyPr>
-          <a:lstStyle/>
-          <a:p>
-            <a:pPr algn="ctr"/>
-            <a:r>
-              <a:rPr lang="en-US" smtClean="0"/>
-              <a:t>﻿﻿Print current game state</a:t>
-            </a:r>
-            <a:endParaRPr lang="en-US" dirty="0"/>
-          </a:p>
-        </p:txBody>
-      </p:sp>
-      <p:sp>
-        <p:nvSpPr>
-          <p:cNvPr id="9" name="TextBox 8"/>
-          <p:cNvSpPr txBox="1"/>
-          <p:nvPr/>
-        </p:nvSpPr>
-        <p:spPr>
-          <a:xfrm>
-            <a:off x="5026586" y="3641294"/>
-            <a:ext cx="2953144" cy="369332"/>
-          </a:xfrm>
-          <a:prstGeom prst="rect">
-            <a:avLst/>
-          </a:prstGeom>
-          <a:solidFill>
-            <a:schemeClr val="accent2">
-              <a:lumMod val="20000"/>
-              <a:lumOff val="80000"/>
-            </a:schemeClr>
-          </a:solidFill>
-        </p:spPr>
-        <p:txBody>
-          <a:bodyPr wrap="square" rtlCol="0">
-            <a:spAutoFit/>
-          </a:bodyPr>
-          <a:lstStyle/>
-          <a:p>
-            <a:pPr algn="ctr"/>
-            <a:r>
-              <a:rPr lang="en-US" dirty="0" smtClean="0"/>
-              <a:t>﻿Get player's next letter guess</a:t>
-            </a:r>
-            <a:endParaRPr lang="en-US" dirty="0"/>
-          </a:p>
-        </p:txBody>
-      </p:sp>
-      <p:sp>
-        <p:nvSpPr>
-          <p:cNvPr id="10" name="TextBox 9"/>
-          <p:cNvSpPr txBox="1"/>
-          <p:nvPr/>
-        </p:nvSpPr>
-        <p:spPr>
-          <a:xfrm>
-            <a:off x="4827142" y="4204240"/>
-            <a:ext cx="3352031" cy="369332"/>
-          </a:xfrm>
-          <a:prstGeom prst="rect">
-            <a:avLst/>
-          </a:prstGeom>
-          <a:solidFill>
-            <a:schemeClr val="accent2">
-              <a:lumMod val="20000"/>
-              <a:lumOff val="80000"/>
-            </a:schemeClr>
-          </a:solidFill>
-        </p:spPr>
-        <p:txBody>
-          <a:bodyPr wrap="square" rtlCol="0">
-            <a:spAutoFit/>
-          </a:bodyPr>
-          <a:lstStyle/>
-          <a:p>
-            <a:pPr algn="ctr"/>
-            <a:r>
-              <a:rPr lang="en-US" smtClean="0"/>
-              <a:t>﻿﻿Check if letter guess is in word</a:t>
-            </a:r>
-            <a:endParaRPr lang="en-US" dirty="0"/>
-          </a:p>
-        </p:txBody>
-      </p:sp>
-      <p:sp>
-        <p:nvSpPr>
-          <p:cNvPr id="12" name="TextBox 11"/>
-          <p:cNvSpPr txBox="1"/>
-          <p:nvPr/>
-        </p:nvSpPr>
-        <p:spPr>
-          <a:xfrm>
-            <a:off x="5594663" y="5796285"/>
-            <a:ext cx="1970948" cy="369332"/>
-          </a:xfrm>
-          <a:prstGeom prst="rect">
-            <a:avLst/>
-          </a:prstGeom>
-          <a:solidFill>
-            <a:schemeClr val="accent2">
-              <a:lumMod val="20000"/>
-              <a:lumOff val="80000"/>
-            </a:schemeClr>
-          </a:solidFill>
-        </p:spPr>
-        <p:txBody>
-          <a:bodyPr wrap="square" rtlCol="0">
-            <a:spAutoFit/>
-          </a:bodyPr>
-          <a:lstStyle/>
-          <a:p>
-            <a:pPr algn="ctr"/>
-            <a:r>
-              <a:rPr lang="en-US" dirty="0" smtClean="0"/>
-              <a:t>﻿-</a:t>
-            </a:r>
-            <a:r>
-              <a:rPr lang="en-US" smtClean="0"/>
-              <a:t>1 number of tries</a:t>
-            </a:r>
-            <a:endParaRPr lang="en-US" dirty="0"/>
-          </a:p>
-        </p:txBody>
-      </p:sp>
-      <p:sp>
-        <p:nvSpPr>
-          <p:cNvPr id="13" name="TextBox 12"/>
-          <p:cNvSpPr txBox="1"/>
-          <p:nvPr/>
-        </p:nvSpPr>
-        <p:spPr>
-          <a:xfrm>
-            <a:off x="5982391" y="6488669"/>
-            <a:ext cx="1334140" cy="369332"/>
-          </a:xfrm>
-          <a:prstGeom prst="rect">
-            <a:avLst/>
-          </a:prstGeom>
-          <a:solidFill>
-            <a:schemeClr val="accent2">
-              <a:lumMod val="20000"/>
-              <a:lumOff val="80000"/>
-            </a:schemeClr>
-          </a:solidFill>
-        </p:spPr>
-        <p:txBody>
-          <a:bodyPr wrap="square" rtlCol="0">
-            <a:spAutoFit/>
-          </a:bodyPr>
-          <a:lstStyle/>
-          <a:p>
-            <a:pPr algn="ctr"/>
-            <a:r>
-              <a:rPr lang="en-US" dirty="0" smtClean="0"/>
-              <a:t>﻿Finish </a:t>
-            </a:r>
-            <a:r>
-              <a:rPr lang="en-US" dirty="0"/>
-              <a:t>g</a:t>
-            </a:r>
-            <a:r>
-              <a:rPr lang="en-US" dirty="0" smtClean="0"/>
-              <a:t>ame</a:t>
-            </a:r>
-            <a:endParaRPr lang="en-US" dirty="0"/>
-          </a:p>
-        </p:txBody>
-      </p:sp>
-      <p:sp>
-        <p:nvSpPr>
-          <p:cNvPr id="14" name="Rectangle 13"/>
-          <p:cNvSpPr/>
-          <p:nvPr/>
-        </p:nvSpPr>
-        <p:spPr>
-          <a:xfrm>
-            <a:off x="6102222" y="4865500"/>
-            <a:ext cx="1114344" cy="646331"/>
-          </a:xfrm>
-          <a:prstGeom prst="rect">
-            <a:avLst/>
-          </a:prstGeom>
-        </p:spPr>
-        <p:txBody>
-          <a:bodyPr wrap="none">
-            <a:spAutoFit/>
-          </a:bodyPr>
-          <a:lstStyle/>
-          <a:p>
-            <a:pPr algn="ctr"/>
-            <a:r>
-              <a:rPr lang="en-US" dirty="0" smtClean="0"/>
-              <a:t>﻿Guessed </a:t>
-            </a:r>
-          </a:p>
-          <a:p>
-            <a:pPr algn="ctr"/>
-            <a:r>
-              <a:rPr lang="en-US" dirty="0" smtClean="0"/>
-              <a:t>correctly?</a:t>
-            </a:r>
-            <a:endParaRPr lang="en-US" dirty="0"/>
-          </a:p>
-        </p:txBody>
-      </p:sp>
-      <p:sp>
-        <p:nvSpPr>
-          <p:cNvPr id="15" name="Rectangle 14"/>
-          <p:cNvSpPr/>
-          <p:nvPr/>
-        </p:nvSpPr>
-        <p:spPr>
-          <a:xfrm>
-            <a:off x="1723836" y="5711301"/>
-            <a:ext cx="1966039" cy="646331"/>
-          </a:xfrm>
-          <a:prstGeom prst="rect">
-            <a:avLst/>
-          </a:prstGeom>
-        </p:spPr>
-        <p:txBody>
-          <a:bodyPr wrap="square">
-            <a:spAutoFit/>
-          </a:bodyPr>
-          <a:lstStyle/>
-          <a:p>
-            <a:pPr algn="ctr"/>
-            <a:r>
-              <a:rPr lang="en-US" dirty="0" smtClean="0"/>
-              <a:t>﻿Number of tries exhausted?  </a:t>
-            </a:r>
-            <a:endParaRPr lang="en-US" dirty="0"/>
-          </a:p>
-        </p:txBody>
-      </p:sp>
-      <p:sp>
-        <p:nvSpPr>
-          <p:cNvPr id="16" name="Rectangle 15"/>
-          <p:cNvSpPr/>
-          <p:nvPr/>
-        </p:nvSpPr>
-        <p:spPr>
-          <a:xfrm>
-            <a:off x="9869483" y="4988555"/>
-            <a:ext cx="1898084" cy="646331"/>
-          </a:xfrm>
-          <a:prstGeom prst="rect">
-            <a:avLst/>
-          </a:prstGeom>
-        </p:spPr>
-        <p:txBody>
-          <a:bodyPr wrap="none">
-            <a:spAutoFit/>
-          </a:bodyPr>
-          <a:lstStyle/>
-          <a:p>
-            <a:pPr algn="ctr"/>
-            <a:r>
-              <a:rPr lang="en-US" dirty="0" smtClean="0"/>
-              <a:t>﻿Word  completely </a:t>
-            </a:r>
-          </a:p>
-          <a:p>
-            <a:pPr algn="ctr"/>
-            <a:r>
-              <a:rPr lang="en-US" dirty="0" smtClean="0"/>
-              <a:t>solved?</a:t>
-            </a:r>
-            <a:endParaRPr lang="en-US" dirty="0"/>
-          </a:p>
-        </p:txBody>
-      </p:sp>
-      <p:sp>
-        <p:nvSpPr>
-          <p:cNvPr id="20" name="Down Arrow 19"/>
-          <p:cNvSpPr/>
-          <p:nvPr/>
-        </p:nvSpPr>
-        <p:spPr>
-          <a:xfrm>
-            <a:off x="6330736" y="459405"/>
-            <a:ext cx="292608" cy="369332"/>
-          </a:xfrm>
-          <a:prstGeom prst="downArrow">
-            <a:avLst/>
-          </a:prstGeom>
-        </p:spPr>
-        <p:style>
-          <a:lnRef idx="2">
-            <a:schemeClr val="accent1">
-              <a:shade val="50000"/>
-            </a:schemeClr>
-          </a:lnRef>
-          <a:fillRef idx="1">
-            <a:schemeClr val="accent1"/>
-          </a:fillRef>
-          <a:effectRef idx="0">
-            <a:schemeClr val="accent1"/>
-          </a:effectRef>
-          <a:fontRef idx="minor">
-            <a:schemeClr val="lt1"/>
-          </a:fontRef>
-        </p:style>
-        <p:txBody>
-          <a:bodyPr rtlCol="0" anchor="ctr"/>
-          <a:lstStyle/>
-          <a:p>
-            <a:pPr algn="ctr"/>
-            <a:endParaRPr lang="en-US"/>
-          </a:p>
-        </p:txBody>
-      </p:sp>
-      <p:sp>
-        <p:nvSpPr>
-          <p:cNvPr id="21" name="Down Arrow 20"/>
-          <p:cNvSpPr/>
-          <p:nvPr/>
-        </p:nvSpPr>
-        <p:spPr>
-          <a:xfrm>
-            <a:off x="6356853" y="1057735"/>
-            <a:ext cx="292608" cy="369332"/>
-          </a:xfrm>
-          <a:prstGeom prst="downArrow">
-            <a:avLst/>
-          </a:prstGeom>
-        </p:spPr>
-        <p:style>
-          <a:lnRef idx="2">
-            <a:schemeClr val="accent1">
-              <a:shade val="50000"/>
-            </a:schemeClr>
-          </a:lnRef>
-          <a:fillRef idx="1">
-            <a:schemeClr val="accent1"/>
-          </a:fillRef>
-          <a:effectRef idx="0">
-            <a:schemeClr val="accent1"/>
-          </a:effectRef>
-          <a:fontRef idx="minor">
-            <a:schemeClr val="lt1"/>
-          </a:fontRef>
-        </p:style>
-        <p:txBody>
-          <a:bodyPr rtlCol="0" anchor="ctr"/>
-          <a:lstStyle/>
-          <a:p>
-            <a:pPr algn="ctr"/>
-            <a:endParaRPr lang="en-US"/>
-          </a:p>
-        </p:txBody>
-      </p:sp>
-      <p:sp>
-        <p:nvSpPr>
-          <p:cNvPr id="22" name="Down Arrow 21"/>
-          <p:cNvSpPr/>
-          <p:nvPr/>
-        </p:nvSpPr>
-        <p:spPr>
-          <a:xfrm>
-            <a:off x="6356853" y="1656065"/>
-            <a:ext cx="292608" cy="369332"/>
-          </a:xfrm>
-          <a:prstGeom prst="downArrow">
-            <a:avLst/>
-          </a:prstGeom>
-        </p:spPr>
-        <p:style>
-          <a:lnRef idx="2">
-            <a:schemeClr val="accent1">
-              <a:shade val="50000"/>
-            </a:schemeClr>
-          </a:lnRef>
-          <a:fillRef idx="1">
-            <a:schemeClr val="accent1"/>
-          </a:fillRef>
-          <a:effectRef idx="0">
-            <a:schemeClr val="accent1"/>
-          </a:effectRef>
-          <a:fontRef idx="minor">
-            <a:schemeClr val="lt1"/>
-          </a:fontRef>
-        </p:style>
-        <p:txBody>
-          <a:bodyPr rtlCol="0" anchor="ctr"/>
-          <a:lstStyle/>
-          <a:p>
-            <a:pPr algn="ctr"/>
-            <a:endParaRPr lang="en-US"/>
-          </a:p>
-        </p:txBody>
-      </p:sp>
-      <p:sp>
-        <p:nvSpPr>
-          <p:cNvPr id="23" name="Down Arrow 22"/>
-          <p:cNvSpPr/>
-          <p:nvPr/>
-        </p:nvSpPr>
-        <p:spPr>
-          <a:xfrm>
-            <a:off x="6365617" y="2219935"/>
-            <a:ext cx="292608" cy="369332"/>
-          </a:xfrm>
-          <a:prstGeom prst="downArrow">
-            <a:avLst/>
-          </a:prstGeom>
-        </p:spPr>
-        <p:style>
-          <a:lnRef idx="2">
-            <a:schemeClr val="accent1">
-              <a:shade val="50000"/>
-            </a:schemeClr>
-          </a:lnRef>
-          <a:fillRef idx="1">
-            <a:schemeClr val="accent1"/>
-          </a:fillRef>
-          <a:effectRef idx="0">
-            <a:schemeClr val="accent1"/>
-          </a:effectRef>
-          <a:fontRef idx="minor">
-            <a:schemeClr val="lt1"/>
-          </a:fontRef>
-        </p:style>
-        <p:txBody>
-          <a:bodyPr rtlCol="0" anchor="ctr"/>
-          <a:lstStyle/>
-          <a:p>
-            <a:pPr algn="ctr"/>
-            <a:endParaRPr lang="en-US"/>
-          </a:p>
-        </p:txBody>
-      </p:sp>
-      <p:sp>
-        <p:nvSpPr>
-          <p:cNvPr id="24" name="Down Arrow 23"/>
-          <p:cNvSpPr/>
-          <p:nvPr/>
-        </p:nvSpPr>
-        <p:spPr>
-          <a:xfrm>
-            <a:off x="6374381" y="2780577"/>
-            <a:ext cx="292608" cy="369332"/>
-          </a:xfrm>
-          <a:prstGeom prst="downArrow">
-            <a:avLst/>
-          </a:prstGeom>
-        </p:spPr>
-        <p:style>
-          <a:lnRef idx="2">
-            <a:schemeClr val="accent1">
-              <a:shade val="50000"/>
-            </a:schemeClr>
-          </a:lnRef>
-          <a:fillRef idx="1">
-            <a:schemeClr val="accent1"/>
-          </a:fillRef>
-          <a:effectRef idx="0">
-            <a:schemeClr val="accent1"/>
-          </a:effectRef>
-          <a:fontRef idx="minor">
-            <a:schemeClr val="lt1"/>
-          </a:fontRef>
-        </p:style>
-        <p:txBody>
-          <a:bodyPr rtlCol="0" anchor="ctr"/>
-          <a:lstStyle/>
-          <a:p>
-            <a:pPr algn="ctr"/>
-            <a:endParaRPr lang="en-US"/>
-          </a:p>
-        </p:txBody>
-      </p:sp>
-      <p:sp>
-        <p:nvSpPr>
-          <p:cNvPr id="25" name="Down Arrow 24"/>
-          <p:cNvSpPr/>
-          <p:nvPr/>
-        </p:nvSpPr>
-        <p:spPr>
-          <a:xfrm>
-            <a:off x="6410233" y="3401431"/>
-            <a:ext cx="292608" cy="369332"/>
-          </a:xfrm>
-          <a:prstGeom prst="downArrow">
-            <a:avLst/>
-          </a:prstGeom>
-        </p:spPr>
-        <p:style>
-          <a:lnRef idx="2">
-            <a:schemeClr val="accent1">
-              <a:shade val="50000"/>
-            </a:schemeClr>
-          </a:lnRef>
-          <a:fillRef idx="1">
-            <a:schemeClr val="accent1"/>
-          </a:fillRef>
-          <a:effectRef idx="0">
-            <a:schemeClr val="accent1"/>
-          </a:effectRef>
-          <a:fontRef idx="minor">
-            <a:schemeClr val="lt1"/>
-          </a:fontRef>
-        </p:style>
-        <p:txBody>
-          <a:bodyPr rtlCol="0" anchor="ctr"/>
-          <a:lstStyle/>
-          <a:p>
-            <a:pPr algn="ctr"/>
-            <a:endParaRPr lang="en-US"/>
-          </a:p>
-        </p:txBody>
-      </p:sp>
-      <p:sp>
-        <p:nvSpPr>
-          <p:cNvPr id="26" name="Down Arrow 25"/>
-          <p:cNvSpPr/>
-          <p:nvPr/>
-        </p:nvSpPr>
-        <p:spPr>
-          <a:xfrm>
-            <a:off x="6410233" y="3961528"/>
-            <a:ext cx="292608" cy="369332"/>
-          </a:xfrm>
-          <a:prstGeom prst="downArrow">
-            <a:avLst/>
-          </a:prstGeom>
-        </p:spPr>
-        <p:style>
-          <a:lnRef idx="2">
-            <a:schemeClr val="accent1">
-              <a:shade val="50000"/>
-            </a:schemeClr>
-          </a:lnRef>
-          <a:fillRef idx="1">
-            <a:schemeClr val="accent1"/>
-          </a:fillRef>
-          <a:effectRef idx="0">
-            <a:schemeClr val="accent1"/>
-          </a:effectRef>
-          <a:fontRef idx="minor">
-            <a:schemeClr val="lt1"/>
-          </a:fontRef>
-        </p:style>
-        <p:txBody>
-          <a:bodyPr rtlCol="0" anchor="ctr"/>
-          <a:lstStyle/>
-          <a:p>
-            <a:pPr algn="ctr"/>
-            <a:endParaRPr lang="en-US"/>
-          </a:p>
-        </p:txBody>
-      </p:sp>
-      <p:sp>
-        <p:nvSpPr>
-          <p:cNvPr id="27" name="Down Arrow 26"/>
-          <p:cNvSpPr/>
-          <p:nvPr/>
-        </p:nvSpPr>
-        <p:spPr>
-          <a:xfrm>
-            <a:off x="6410233" y="4538925"/>
-            <a:ext cx="292608" cy="369332"/>
-          </a:xfrm>
-          <a:prstGeom prst="downArrow">
-            <a:avLst/>
-          </a:prstGeom>
-        </p:spPr>
-        <p:style>
-          <a:lnRef idx="2">
-            <a:schemeClr val="accent1">
-              <a:shade val="50000"/>
-            </a:schemeClr>
-          </a:lnRef>
-          <a:fillRef idx="1">
-            <a:schemeClr val="accent1"/>
-          </a:fillRef>
-          <a:effectRef idx="0">
-            <a:schemeClr val="accent1"/>
-          </a:effectRef>
-          <a:fontRef idx="minor">
-            <a:schemeClr val="lt1"/>
-          </a:fontRef>
-        </p:style>
-        <p:txBody>
-          <a:bodyPr rtlCol="0" anchor="ctr"/>
-          <a:lstStyle/>
-          <a:p>
-            <a:pPr algn="ctr"/>
-            <a:endParaRPr lang="en-US"/>
-          </a:p>
-        </p:txBody>
-      </p:sp>
-      <p:sp>
-        <p:nvSpPr>
-          <p:cNvPr id="28" name="Down Arrow 27"/>
-          <p:cNvSpPr/>
-          <p:nvPr/>
-        </p:nvSpPr>
-        <p:spPr>
-          <a:xfrm>
-            <a:off x="6437705" y="5515204"/>
-            <a:ext cx="292608" cy="369332"/>
-          </a:xfrm>
-          <a:prstGeom prst="downArrow">
-            <a:avLst/>
-          </a:prstGeom>
-        </p:spPr>
-        <p:style>
-          <a:lnRef idx="2">
-            <a:schemeClr val="accent1">
-              <a:shade val="50000"/>
-            </a:schemeClr>
-          </a:lnRef>
-          <a:fillRef idx="1">
-            <a:schemeClr val="accent1"/>
-          </a:fillRef>
-          <a:effectRef idx="0">
-            <a:schemeClr val="accent1"/>
-          </a:effectRef>
-          <a:fontRef idx="minor">
-            <a:schemeClr val="lt1"/>
-          </a:fontRef>
-        </p:style>
-        <p:txBody>
-          <a:bodyPr rtlCol="0" anchor="ctr"/>
-          <a:lstStyle/>
-          <a:p>
-            <a:pPr algn="ctr"/>
-            <a:endParaRPr lang="en-US"/>
-          </a:p>
-        </p:txBody>
-      </p:sp>
-      <p:sp>
-        <p:nvSpPr>
-          <p:cNvPr id="29" name="Down Arrow 28"/>
-          <p:cNvSpPr/>
-          <p:nvPr/>
-        </p:nvSpPr>
-        <p:spPr>
-          <a:xfrm rot="5400000">
-            <a:off x="4544456" y="5127166"/>
-            <a:ext cx="292608" cy="1751118"/>
-          </a:xfrm>
-          <a:prstGeom prst="downArrow">
-            <a:avLst/>
-          </a:prstGeom>
-        </p:spPr>
-        <p:style>
-          <a:lnRef idx="2">
-            <a:schemeClr val="accent1">
-              <a:shade val="50000"/>
-            </a:schemeClr>
-          </a:lnRef>
-          <a:fillRef idx="1">
-            <a:schemeClr val="accent1"/>
-          </a:fillRef>
-          <a:effectRef idx="0">
-            <a:schemeClr val="accent1"/>
-          </a:effectRef>
-          <a:fontRef idx="minor">
-            <a:schemeClr val="lt1"/>
-          </a:fontRef>
-        </p:style>
-        <p:txBody>
-          <a:bodyPr rtlCol="0" anchor="ctr"/>
-          <a:lstStyle/>
-          <a:p>
-            <a:pPr algn="ctr"/>
-            <a:endParaRPr lang="en-US"/>
-          </a:p>
-        </p:txBody>
-      </p:sp>
-      <p:sp>
-        <p:nvSpPr>
-          <p:cNvPr id="30" name="Down Arrow 29"/>
-          <p:cNvSpPr/>
-          <p:nvPr/>
-        </p:nvSpPr>
-        <p:spPr>
-          <a:xfrm rot="16200000" flipH="1">
-            <a:off x="8599017" y="4339437"/>
-            <a:ext cx="292608" cy="1751118"/>
-          </a:xfrm>
-          <a:prstGeom prst="downArrow">
-            <a:avLst/>
-          </a:prstGeom>
-        </p:spPr>
-        <p:style>
-          <a:lnRef idx="2">
-            <a:schemeClr val="accent1">
-              <a:shade val="50000"/>
-            </a:schemeClr>
-          </a:lnRef>
-          <a:fillRef idx="1">
-            <a:schemeClr val="accent1"/>
-          </a:fillRef>
-          <a:effectRef idx="0">
-            <a:schemeClr val="accent1"/>
-          </a:effectRef>
-          <a:fontRef idx="minor">
-            <a:schemeClr val="lt1"/>
-          </a:fontRef>
-        </p:style>
-        <p:txBody>
-          <a:bodyPr rtlCol="0" anchor="ctr"/>
-          <a:lstStyle/>
-          <a:p>
-            <a:pPr algn="ctr"/>
-            <a:endParaRPr lang="en-US"/>
-          </a:p>
-        </p:txBody>
-      </p:sp>
-      <p:cxnSp>
-        <p:nvCxnSpPr>
-          <p:cNvPr id="32" name="Elbow Connector 31"/>
-          <p:cNvCxnSpPr>
-            <a:stCxn id="18" idx="0"/>
-            <a:endCxn id="8" idx="1"/>
-          </p:cNvCxnSpPr>
-          <p:nvPr/>
-        </p:nvCxnSpPr>
-        <p:spPr>
-          <a:xfrm rot="5400000" flipH="1" flipV="1">
-            <a:off x="2808850" y="3106432"/>
-            <a:ext cx="2138134" cy="2451298"/>
-          </a:xfrm>
-          <a:prstGeom prst="bentConnector2">
-            <a:avLst/>
-          </a:prstGeom>
-          <a:ln w="73025">
-            <a:tailEnd type="triangle"/>
-          </a:ln>
-        </p:spPr>
-        <p:style>
-          <a:lnRef idx="1">
-            <a:schemeClr val="accent1"/>
-          </a:lnRef>
-          <a:fillRef idx="0">
-            <a:schemeClr val="accent1"/>
-          </a:fillRef>
-          <a:effectRef idx="0">
-            <a:schemeClr val="accent1"/>
-          </a:effectRef>
-          <a:fontRef idx="minor">
-            <a:schemeClr val="tx1"/>
-          </a:fontRef>
-        </p:style>
-      </p:cxnSp>
-      <p:cxnSp>
-        <p:nvCxnSpPr>
-          <p:cNvPr id="34" name="Elbow Connector 33"/>
-          <p:cNvCxnSpPr>
-            <a:stCxn id="19" idx="2"/>
-            <a:endCxn id="13" idx="3"/>
-          </p:cNvCxnSpPr>
-          <p:nvPr/>
-        </p:nvCxnSpPr>
-        <p:spPr>
-          <a:xfrm rot="5400000">
-            <a:off x="8643400" y="4498209"/>
-            <a:ext cx="848257" cy="3501994"/>
-          </a:xfrm>
-          <a:prstGeom prst="bentConnector2">
-            <a:avLst/>
-          </a:prstGeom>
-          <a:ln w="73025">
-            <a:tailEnd type="triangle"/>
-          </a:ln>
-        </p:spPr>
-        <p:style>
-          <a:lnRef idx="1">
-            <a:schemeClr val="accent1"/>
-          </a:lnRef>
-          <a:fillRef idx="0">
-            <a:schemeClr val="accent1"/>
-          </a:fillRef>
-          <a:effectRef idx="0">
-            <a:schemeClr val="accent1"/>
-          </a:effectRef>
-          <a:fontRef idx="minor">
-            <a:schemeClr val="tx1"/>
-          </a:fontRef>
-        </p:style>
-      </p:cxnSp>
-      <p:cxnSp>
-        <p:nvCxnSpPr>
-          <p:cNvPr id="36" name="Elbow Connector 35"/>
-          <p:cNvCxnSpPr>
-            <a:stCxn id="19" idx="0"/>
-            <a:endCxn id="8" idx="3"/>
-          </p:cNvCxnSpPr>
-          <p:nvPr/>
-        </p:nvCxnSpPr>
-        <p:spPr>
-          <a:xfrm rot="16200000" flipV="1">
-            <a:off x="8673115" y="2492651"/>
-            <a:ext cx="1375047" cy="2915774"/>
-          </a:xfrm>
-          <a:prstGeom prst="bentConnector2">
-            <a:avLst/>
-          </a:prstGeom>
-          <a:ln w="73025">
-            <a:tailEnd type="triangle"/>
-          </a:ln>
-        </p:spPr>
-        <p:style>
-          <a:lnRef idx="1">
-            <a:schemeClr val="accent1"/>
-          </a:lnRef>
-          <a:fillRef idx="0">
-            <a:schemeClr val="accent1"/>
-          </a:fillRef>
-          <a:effectRef idx="0">
-            <a:schemeClr val="accent1"/>
-          </a:effectRef>
-          <a:fontRef idx="minor">
-            <a:schemeClr val="tx1"/>
-          </a:fontRef>
-        </p:style>
-      </p:cxnSp>
-      <p:cxnSp>
-        <p:nvCxnSpPr>
-          <p:cNvPr id="38" name="Elbow Connector 37"/>
-          <p:cNvCxnSpPr>
-            <a:stCxn id="18" idx="2"/>
-            <a:endCxn id="13" idx="1"/>
-          </p:cNvCxnSpPr>
-          <p:nvPr/>
-        </p:nvCxnSpPr>
-        <p:spPr>
-          <a:xfrm rot="16200000" flipH="1">
-            <a:off x="4274744" y="4965688"/>
-            <a:ext cx="85170" cy="3330123"/>
-          </a:xfrm>
-          <a:prstGeom prst="bentConnector2">
-            <a:avLst/>
-          </a:prstGeom>
-          <a:ln w="73025">
-            <a:tailEnd type="triangle"/>
-          </a:ln>
-        </p:spPr>
-        <p:style>
-          <a:lnRef idx="1">
-            <a:schemeClr val="accent1"/>
-          </a:lnRef>
-          <a:fillRef idx="0">
-            <a:schemeClr val="accent1"/>
-          </a:fillRef>
-          <a:effectRef idx="0">
-            <a:schemeClr val="accent1"/>
-          </a:effectRef>
-          <a:fontRef idx="minor">
-            <a:schemeClr val="tx1"/>
-          </a:fontRef>
-        </p:style>
-      </p:cxnSp>
-      <p:sp>
-        <p:nvSpPr>
-          <p:cNvPr id="41" name="TextBox 40"/>
-          <p:cNvSpPr txBox="1"/>
-          <p:nvPr/>
-        </p:nvSpPr>
-        <p:spPr>
-          <a:xfrm>
-            <a:off x="6414490" y="5494872"/>
-            <a:ext cx="971938" cy="369332"/>
-          </a:xfrm>
-          <a:prstGeom prst="rect">
-            <a:avLst/>
-          </a:prstGeom>
-          <a:noFill/>
-        </p:spPr>
-        <p:txBody>
-          <a:bodyPr wrap="square" rtlCol="0">
-            <a:spAutoFit/>
-          </a:bodyPr>
-          <a:lstStyle/>
-          <a:p>
-            <a:pPr algn="ctr"/>
-            <a:r>
-              <a:rPr lang="en-US" smtClean="0"/>
-              <a:t>NO</a:t>
-            </a:r>
-            <a:endParaRPr lang="en-US" dirty="0"/>
-          </a:p>
-        </p:txBody>
-      </p:sp>
-      <p:sp>
-        <p:nvSpPr>
-          <p:cNvPr id="42" name="TextBox 41"/>
-          <p:cNvSpPr txBox="1"/>
-          <p:nvPr/>
-        </p:nvSpPr>
-        <p:spPr>
-          <a:xfrm>
-            <a:off x="10626826" y="3825960"/>
-            <a:ext cx="971938" cy="369332"/>
-          </a:xfrm>
-          <a:prstGeom prst="rect">
-            <a:avLst/>
-          </a:prstGeom>
-          <a:noFill/>
-        </p:spPr>
-        <p:txBody>
-          <a:bodyPr wrap="square" rtlCol="0">
-            <a:spAutoFit/>
-          </a:bodyPr>
-          <a:lstStyle/>
-          <a:p>
-            <a:pPr algn="ctr"/>
-            <a:r>
-              <a:rPr lang="en-US" smtClean="0"/>
-              <a:t>NO</a:t>
-            </a:r>
-            <a:endParaRPr lang="en-US" dirty="0"/>
-          </a:p>
-        </p:txBody>
-      </p:sp>
-      <p:sp>
-        <p:nvSpPr>
-          <p:cNvPr id="43" name="TextBox 42"/>
-          <p:cNvSpPr txBox="1"/>
-          <p:nvPr/>
-        </p:nvSpPr>
-        <p:spPr>
-          <a:xfrm>
-            <a:off x="1867751" y="4268729"/>
-            <a:ext cx="971938" cy="369332"/>
-          </a:xfrm>
-          <a:prstGeom prst="rect">
-            <a:avLst/>
-          </a:prstGeom>
-          <a:noFill/>
-        </p:spPr>
-        <p:txBody>
-          <a:bodyPr wrap="square" rtlCol="0">
-            <a:spAutoFit/>
-          </a:bodyPr>
-          <a:lstStyle/>
-          <a:p>
-            <a:pPr algn="ctr"/>
-            <a:r>
-              <a:rPr lang="en-US" smtClean="0"/>
-              <a:t>NO</a:t>
-            </a:r>
-            <a:endParaRPr lang="en-US" dirty="0"/>
-          </a:p>
-        </p:txBody>
-      </p:sp>
-      <p:sp>
-        <p:nvSpPr>
-          <p:cNvPr id="44" name="TextBox 43"/>
-          <p:cNvSpPr txBox="1"/>
-          <p:nvPr/>
-        </p:nvSpPr>
-        <p:spPr>
-          <a:xfrm>
-            <a:off x="8315661" y="4803889"/>
-            <a:ext cx="971938" cy="369332"/>
-          </a:xfrm>
-          <a:prstGeom prst="rect">
-            <a:avLst/>
-          </a:prstGeom>
-          <a:noFill/>
-        </p:spPr>
-        <p:txBody>
-          <a:bodyPr wrap="square" rtlCol="0">
-            <a:spAutoFit/>
-          </a:bodyPr>
-          <a:lstStyle/>
-          <a:p>
-            <a:pPr algn="ctr"/>
-            <a:r>
-              <a:rPr lang="en-US" smtClean="0"/>
-              <a:t>YES</a:t>
-            </a:r>
-            <a:endParaRPr lang="en-US" dirty="0"/>
-          </a:p>
-        </p:txBody>
-      </p:sp>
-      <p:sp>
-        <p:nvSpPr>
-          <p:cNvPr id="45" name="TextBox 44"/>
-          <p:cNvSpPr txBox="1"/>
-          <p:nvPr/>
-        </p:nvSpPr>
-        <p:spPr>
-          <a:xfrm>
-            <a:off x="8340577" y="6283184"/>
-            <a:ext cx="971938" cy="369332"/>
-          </a:xfrm>
-          <a:prstGeom prst="rect">
-            <a:avLst/>
-          </a:prstGeom>
-          <a:noFill/>
-        </p:spPr>
-        <p:txBody>
-          <a:bodyPr wrap="square" rtlCol="0">
-            <a:spAutoFit/>
-          </a:bodyPr>
-          <a:lstStyle/>
-          <a:p>
-            <a:pPr algn="ctr"/>
-            <a:r>
-              <a:rPr lang="en-US" smtClean="0"/>
-              <a:t>YES</a:t>
-            </a:r>
-            <a:endParaRPr lang="en-US" dirty="0"/>
-          </a:p>
-        </p:txBody>
-      </p:sp>
-      <p:sp>
-        <p:nvSpPr>
-          <p:cNvPr id="46" name="TextBox 45"/>
-          <p:cNvSpPr txBox="1"/>
-          <p:nvPr/>
-        </p:nvSpPr>
-        <p:spPr>
-          <a:xfrm>
-            <a:off x="3956911" y="6304003"/>
-            <a:ext cx="971938" cy="369332"/>
-          </a:xfrm>
-          <a:prstGeom prst="rect">
-            <a:avLst/>
-          </a:prstGeom>
-          <a:noFill/>
-        </p:spPr>
-        <p:txBody>
-          <a:bodyPr wrap="square" rtlCol="0">
-            <a:spAutoFit/>
-          </a:bodyPr>
-          <a:lstStyle/>
-          <a:p>
-            <a:pPr algn="ctr"/>
-            <a:r>
-              <a:rPr lang="en-US" smtClean="0"/>
-              <a:t>YES</a:t>
-            </a:r>
-            <a:endParaRPr lang="en-US" dirty="0"/>
-          </a:p>
-        </p:txBody>
-      </p:sp>
-      <p:pic>
-        <p:nvPicPr>
-          <p:cNvPr id="11" name="Picture 10"/>
-          <p:cNvPicPr>
-            <a:picLocks noChangeAspect="1"/>
-          </p:cNvPicPr>
-          <p:nvPr/>
-        </p:nvPicPr>
-        <p:blipFill>
-          <a:blip r:embed="rId2"/>
-          <a:stretch>
-            <a:fillRect/>
-          </a:stretch>
-        </p:blipFill>
-        <p:spPr>
-          <a:xfrm>
-            <a:off x="267207" y="235799"/>
-            <a:ext cx="4371186" cy="1946294"/>
-          </a:xfrm>
-          <a:prstGeom prst="rect">
-            <a:avLst/>
-          </a:prstGeom>
-          <a:ln>
-            <a:solidFill>
-              <a:schemeClr val="accent1"/>
-            </a:solidFill>
-          </a:ln>
-        </p:spPr>
-      </p:pic>
-      <p:cxnSp>
-        <p:nvCxnSpPr>
-          <p:cNvPr id="47" name="Straight Connector 46"/>
-          <p:cNvCxnSpPr>
-            <a:stCxn id="5" idx="1"/>
-          </p:cNvCxnSpPr>
-          <p:nvPr/>
-        </p:nvCxnSpPr>
-        <p:spPr>
-          <a:xfrm flipH="1" flipV="1">
-            <a:off x="4646572" y="1982862"/>
-            <a:ext cx="303039" cy="107605"/>
-          </a:xfrm>
-          <a:prstGeom prst="line">
-            <a:avLst/>
-          </a:prstGeom>
-        </p:spPr>
-        <p:style>
-          <a:lnRef idx="1">
-            <a:schemeClr val="accent1"/>
-          </a:lnRef>
-          <a:fillRef idx="0">
-            <a:schemeClr val="accent1"/>
-          </a:fillRef>
-          <a:effectRef idx="0">
-            <a:schemeClr val="accent1"/>
-          </a:effectRef>
-          <a:fontRef idx="minor">
-            <a:schemeClr val="tx1"/>
-          </a:fontRef>
-        </p:style>
-      </p:cxnSp>
+            <a:pPr algn="ctr" defTabSz="166353">
+              <a:defRPr sz="3294"/>
+            </a:pPr>
+            <a:r>
+              <a:rPr lang="en-GB" sz="1737" dirty="0"/>
+              <a:t>Hemma Philamore </a:t>
+            </a:r>
+            <a:endParaRPr sz="1737" dirty="0"/>
+          </a:p>
+          <a:p>
+            <a:pPr algn="ctr" defTabSz="166353">
+              <a:defRPr sz="1728"/>
+            </a:pPr>
+            <a:endParaRPr sz="911" dirty="0"/>
+          </a:p>
+        </p:txBody>
+      </p:sp>
     </p:spTree>
     <p:extLst>
       <p:ext uri="{BB962C8B-B14F-4D97-AF65-F5344CB8AC3E}">
-        <p14:creationId xmlns:p14="http://schemas.microsoft.com/office/powerpoint/2010/main" val="1262559128"/>
+        <p14:creationId xmlns:p14="http://schemas.microsoft.com/office/powerpoint/2010/main" val="2117118212"/>
       </p:ext>
     </p:extLst>
   </p:cSld>
   <p:clrMapOvr>
     <a:masterClrMapping/>
   </p:clrMapOvr>
+  <mc:AlternateContent xmlns:mc="http://schemas.openxmlformats.org/markup-compatibility/2006" xmlns:p14="http://schemas.microsoft.com/office/powerpoint/2010/main">
+    <mc:Choice Requires="p14">
+      <p:transition spd="slow" p14:dur="2000"/>
+    </mc:Choice>
+    <mc:Fallback xmlns="">
+      <p:transition spd="slow"/>
+    </mc:Fallback>
+  </mc:AlternateContent>
   <p:timing>
     <p:tnLst>
       <p:par>
@@ -8588,7 +7934,7 @@
 </p:sld>
 </file>
 
-<file path=ppt/slides/slide7.xml><?xml version="1.0" encoding="utf-8"?>
+<file path=ppt/slides/slide9.xml><?xml version="1.0" encoding="utf-8"?>
 <p:sld xmlns:a="http://schemas.openxmlformats.org/drawingml/2006/main" xmlns:r="http://schemas.openxmlformats.org/officeDocument/2006/relationships" xmlns:p="http://schemas.openxmlformats.org/presentationml/2006/main">
   <p:cSld>
     <p:spTree>
@@ -8607,19 +7953,171 @@
       </p:grpSpPr>
       <p:sp>
         <p:nvSpPr>
+          <p:cNvPr id="19" name="Diamond 18"/>
+          <p:cNvSpPr/>
+          <p:nvPr/>
+        </p:nvSpPr>
+        <p:spPr>
+          <a:xfrm>
+            <a:off x="9445050" y="4638061"/>
+            <a:ext cx="2746950" cy="1187017"/>
+          </a:xfrm>
+          <a:prstGeom prst="diamond">
+            <a:avLst/>
+          </a:prstGeom>
+          <a:solidFill>
+            <a:schemeClr val="accent1">
+              <a:lumMod val="20000"/>
+              <a:lumOff val="80000"/>
+            </a:schemeClr>
+          </a:solidFill>
+          <a:ln>
+            <a:noFill/>
+          </a:ln>
+        </p:spPr>
+        <p:style>
+          <a:lnRef idx="2">
+            <a:schemeClr val="accent1">
+              <a:shade val="50000"/>
+            </a:schemeClr>
+          </a:lnRef>
+          <a:fillRef idx="1">
+            <a:schemeClr val="accent1"/>
+          </a:fillRef>
+          <a:effectRef idx="0">
+            <a:schemeClr val="accent1"/>
+          </a:effectRef>
+          <a:fontRef idx="minor">
+            <a:schemeClr val="lt1"/>
+          </a:fontRef>
+        </p:style>
+        <p:txBody>
+          <a:bodyPr rtlCol="0" anchor="ctr"/>
+          <a:lstStyle/>
+          <a:p>
+            <a:pPr algn="ctr"/>
+            <a:endParaRPr lang="en-US"/>
+          </a:p>
+        </p:txBody>
+      </p:sp>
+      <p:sp>
+        <p:nvSpPr>
+          <p:cNvPr id="18" name="Diamond 17"/>
+          <p:cNvSpPr/>
+          <p:nvPr/>
+        </p:nvSpPr>
+        <p:spPr>
+          <a:xfrm>
+            <a:off x="1278793" y="5401148"/>
+            <a:ext cx="2746950" cy="1187017"/>
+          </a:xfrm>
+          <a:prstGeom prst="diamond">
+            <a:avLst/>
+          </a:prstGeom>
+          <a:solidFill>
+            <a:schemeClr val="accent1">
+              <a:lumMod val="20000"/>
+              <a:lumOff val="80000"/>
+            </a:schemeClr>
+          </a:solidFill>
+          <a:ln>
+            <a:noFill/>
+          </a:ln>
+        </p:spPr>
+        <p:style>
+          <a:lnRef idx="2">
+            <a:schemeClr val="accent1">
+              <a:shade val="50000"/>
+            </a:schemeClr>
+          </a:lnRef>
+          <a:fillRef idx="1">
+            <a:schemeClr val="accent1"/>
+          </a:fillRef>
+          <a:effectRef idx="0">
+            <a:schemeClr val="accent1"/>
+          </a:effectRef>
+          <a:fontRef idx="minor">
+            <a:schemeClr val="lt1"/>
+          </a:fontRef>
+        </p:style>
+        <p:txBody>
+          <a:bodyPr rtlCol="0" anchor="ctr"/>
+          <a:lstStyle/>
+          <a:p>
+            <a:pPr algn="ctr"/>
+            <a:endParaRPr lang="en-US"/>
+          </a:p>
+        </p:txBody>
+      </p:sp>
+      <p:sp>
+        <p:nvSpPr>
+          <p:cNvPr id="17" name="Diamond 16"/>
+          <p:cNvSpPr/>
+          <p:nvPr/>
+        </p:nvSpPr>
+        <p:spPr>
+          <a:xfrm>
+            <a:off x="5206422" y="4783040"/>
+            <a:ext cx="2746950" cy="871696"/>
+          </a:xfrm>
+          <a:prstGeom prst="diamond">
+            <a:avLst/>
+          </a:prstGeom>
+          <a:solidFill>
+            <a:schemeClr val="accent1">
+              <a:lumMod val="20000"/>
+              <a:lumOff val="80000"/>
+            </a:schemeClr>
+          </a:solidFill>
+          <a:ln>
+            <a:noFill/>
+          </a:ln>
+        </p:spPr>
+        <p:style>
+          <a:lnRef idx="2">
+            <a:schemeClr val="accent1">
+              <a:shade val="50000"/>
+            </a:schemeClr>
+          </a:lnRef>
+          <a:fillRef idx="1">
+            <a:schemeClr val="accent1"/>
+          </a:fillRef>
+          <a:effectRef idx="0">
+            <a:schemeClr val="accent1"/>
+          </a:effectRef>
+          <a:fontRef idx="minor">
+            <a:schemeClr val="lt1"/>
+          </a:fontRef>
+        </p:style>
+        <p:txBody>
+          <a:bodyPr rtlCol="0" anchor="ctr"/>
+          <a:lstStyle/>
+          <a:p>
+            <a:pPr algn="ctr"/>
+            <a:endParaRPr lang="en-US"/>
+          </a:p>
+        </p:txBody>
+      </p:sp>
+      <p:sp>
+        <p:nvSpPr>
           <p:cNvPr id="2" name="TextBox 1"/>
           <p:cNvSpPr txBox="1"/>
           <p:nvPr/>
         </p:nvSpPr>
         <p:spPr>
           <a:xfrm>
-            <a:off x="1850065" y="723013"/>
-            <a:ext cx="9122735" cy="7571303"/>
+            <a:off x="5766044" y="128192"/>
+            <a:ext cx="1474237" cy="369332"/>
           </a:xfrm>
           <a:prstGeom prst="rect">
             <a:avLst/>
           </a:prstGeom>
-          <a:noFill/>
+          <a:solidFill>
+            <a:schemeClr val="accent6">
+              <a:lumMod val="20000"/>
+              <a:lumOff val="80000"/>
+            </a:schemeClr>
+          </a:solidFill>
         </p:spPr>
         <p:txBody>
           <a:bodyPr wrap="square" rtlCol="0">
@@ -8627,203 +8125,1295 @@
           </a:bodyPr>
           <a:lstStyle/>
           <a:p>
-            <a:pPr algn="ctr">
-              <a:lnSpc>
-                <a:spcPct val="150000"/>
-              </a:lnSpc>
-            </a:pPr>
-            <a:r>
-              <a:rPr lang="en-US" sz="3600" dirty="0" smtClean="0"/>
-              <a:t>To write a program...</a:t>
-            </a:r>
-            <a:endParaRPr lang="en-US" sz="3600" dirty="0"/>
-          </a:p>
-          <a:p>
-            <a:pPr>
-              <a:lnSpc>
-                <a:spcPct val="150000"/>
-              </a:lnSpc>
-            </a:pPr>
+            <a:pPr algn="ctr"/>
+            <a:r>
+              <a:rPr lang="en-US" smtClean="0"/>
+              <a:t>Start</a:t>
+            </a:r>
+            <a:endParaRPr lang="en-US"/>
+          </a:p>
+        </p:txBody>
+      </p:sp>
+      <p:sp>
+        <p:nvSpPr>
+          <p:cNvPr id="3" name="TextBox 2"/>
+          <p:cNvSpPr txBox="1"/>
+          <p:nvPr/>
+        </p:nvSpPr>
+        <p:spPr>
+          <a:xfrm>
+            <a:off x="5103566" y="764003"/>
+            <a:ext cx="2799185" cy="369332"/>
+          </a:xfrm>
+          <a:prstGeom prst="rect">
+            <a:avLst/>
+          </a:prstGeom>
+          <a:solidFill>
+            <a:schemeClr val="accent6">
+              <a:lumMod val="20000"/>
+              <a:lumOff val="80000"/>
+            </a:schemeClr>
+          </a:solidFill>
+        </p:spPr>
+        <p:txBody>
+          <a:bodyPr wrap="square" rtlCol="0">
+            <a:spAutoFit/>
+          </a:bodyPr>
+          <a:lstStyle/>
+          <a:p>
+            <a:pPr algn="ctr"/>
             <a:r>
               <a:rPr lang="en-US" dirty="0" smtClean="0"/>
-              <a:t> </a:t>
-            </a:r>
-            <a:r>
-              <a:rPr lang="en-US" sz="2400" dirty="0" smtClean="0"/>
-              <a:t>Draw flow diagram of what the program should do</a:t>
-            </a:r>
-            <a:endParaRPr lang="en-US" sz="2400" dirty="0"/>
-          </a:p>
-          <a:p>
-            <a:pPr>
-              <a:lnSpc>
-                <a:spcPct val="150000"/>
-              </a:lnSpc>
-            </a:pPr>
-            <a:r>
-              <a:rPr lang="en-US" sz="2400" dirty="0" smtClean="0"/>
-              <a:t>Variables needed to define task</a:t>
-            </a:r>
-          </a:p>
-          <a:p>
-            <a:pPr>
-              <a:lnSpc>
-                <a:spcPct val="150000"/>
-              </a:lnSpc>
-            </a:pPr>
-            <a:endParaRPr lang="en-US" sz="2400" dirty="0"/>
-          </a:p>
-          <a:p>
-            <a:pPr marL="342900" indent="-342900">
-              <a:lnSpc>
-                <a:spcPct val="150000"/>
-              </a:lnSpc>
-              <a:buFont typeface="Arial" charset="0"/>
-              <a:buChar char="•"/>
-            </a:pPr>
-            <a:r>
-              <a:rPr lang="en-US" sz="2400" b="1" dirty="0" smtClean="0"/>
-              <a:t>join</a:t>
-            </a:r>
-          </a:p>
-          <a:p>
-            <a:pPr marL="342900" indent="-342900">
-              <a:lnSpc>
-                <a:spcPct val="150000"/>
-              </a:lnSpc>
-              <a:buFont typeface="Arial" charset="0"/>
-              <a:buChar char="•"/>
-            </a:pPr>
-            <a:r>
-              <a:rPr lang="en-US" sz="2400" dirty="0" smtClean="0"/>
-              <a:t>f strings : </a:t>
-            </a:r>
-            <a:r>
-              <a:rPr lang="en-US" sz="2400" b="1" dirty="0" smtClean="0"/>
-              <a:t>print( </a:t>
-            </a:r>
-            <a:r>
-              <a:rPr lang="en-US" sz="2400" b="1" dirty="0" err="1" smtClean="0"/>
-              <a:t>f”text</a:t>
-            </a:r>
-            <a:r>
-              <a:rPr lang="en-US" sz="2400" b="1" dirty="0" smtClean="0"/>
-              <a:t> is {variable}” )</a:t>
-            </a:r>
-          </a:p>
-          <a:p>
-            <a:pPr marL="342900" indent="-342900">
-              <a:lnSpc>
-                <a:spcPct val="150000"/>
-              </a:lnSpc>
-              <a:buFont typeface="Arial" charset="0"/>
-              <a:buChar char="•"/>
-            </a:pPr>
-            <a:r>
-              <a:rPr lang="en-US" sz="2400" dirty="0" smtClean="0"/>
-              <a:t>Converting user input : </a:t>
-            </a:r>
-            <a:r>
-              <a:rPr lang="en-US" sz="2400" b="1" dirty="0" err="1" smtClean="0"/>
-              <a:t>int</a:t>
-            </a:r>
-            <a:r>
-              <a:rPr lang="en-US" sz="2400" b="1" dirty="0" smtClean="0"/>
-              <a:t>(input(“Question </a:t>
-            </a:r>
-            <a:r>
-              <a:rPr lang="en-US" sz="2400" b="1" dirty="0" smtClean="0">
-                <a:sym typeface="Wingdings"/>
-              </a:rPr>
-              <a:t>: ))</a:t>
-            </a:r>
-          </a:p>
-          <a:p>
-            <a:pPr lvl="6">
-              <a:lnSpc>
-                <a:spcPct val="150000"/>
-              </a:lnSpc>
-            </a:pPr>
-            <a:r>
-              <a:rPr lang="en-US" sz="2400" b="1" dirty="0" smtClean="0">
-                <a:sym typeface="Wingdings"/>
-              </a:rPr>
-              <a:t> </a:t>
-            </a:r>
-            <a:r>
-              <a:rPr lang="en-US" sz="2400" b="1" dirty="0">
-                <a:sym typeface="Wingdings"/>
-              </a:rPr>
-              <a:t> </a:t>
-            </a:r>
-            <a:r>
-              <a:rPr lang="en-US" sz="2400" b="1" dirty="0" smtClean="0">
-                <a:sym typeface="Wingdings"/>
-              </a:rPr>
-              <a:t>      </a:t>
-            </a:r>
-            <a:r>
-              <a:rPr lang="en-US" sz="2400" b="1" dirty="0" smtClean="0"/>
-              <a:t>input</a:t>
-            </a:r>
-            <a:r>
-              <a:rPr lang="en-US" sz="2400" b="1" dirty="0"/>
-              <a:t>(“Question </a:t>
-            </a:r>
-            <a:r>
-              <a:rPr lang="en-US" sz="2400" b="1" dirty="0">
-                <a:sym typeface="Wingdings"/>
-              </a:rPr>
-              <a:t>: </a:t>
-            </a:r>
-            <a:r>
-              <a:rPr lang="en-US" sz="2400" b="1" dirty="0" smtClean="0">
-                <a:sym typeface="Wingdings"/>
-              </a:rPr>
-              <a:t>).lower()</a:t>
-            </a:r>
-            <a:r>
-              <a:rPr lang="en-US" sz="2400" b="1" dirty="0">
-                <a:sym typeface="Wingdings"/>
-              </a:rPr>
-              <a:t>	</a:t>
-            </a:r>
-            <a:endParaRPr lang="en-US" sz="2400" b="1" dirty="0" smtClean="0"/>
-          </a:p>
-          <a:p>
-            <a:pPr marL="342900" indent="-342900">
-              <a:lnSpc>
-                <a:spcPct val="150000"/>
-              </a:lnSpc>
-              <a:buFont typeface="Arial" charset="0"/>
-              <a:buChar char="•"/>
-            </a:pPr>
-            <a:endParaRPr lang="en-US" sz="2400" dirty="0" smtClean="0"/>
-          </a:p>
-          <a:p>
-            <a:endParaRPr lang="en-US" sz="2400" dirty="0"/>
-          </a:p>
-          <a:p>
-            <a:endParaRPr lang="en-US" sz="2400" dirty="0" smtClean="0"/>
-          </a:p>
-          <a:p>
-            <a:endParaRPr lang="en-US" sz="2400" dirty="0"/>
-          </a:p>
-          <a:p>
-            <a:endParaRPr lang="en-US" sz="2400" dirty="0" smtClean="0"/>
-          </a:p>
-          <a:p>
-            <a:endParaRPr lang="en-US" sz="2400" dirty="0"/>
-          </a:p>
-          <a:p>
-            <a:endParaRPr lang="en-US" sz="2400" dirty="0"/>
-          </a:p>
-        </p:txBody>
-      </p:sp>
+              <a:t>﻿Let player specify no of tries</a:t>
+            </a:r>
+            <a:endParaRPr lang="en-US" dirty="0"/>
+          </a:p>
+        </p:txBody>
+      </p:sp>
+      <p:sp>
+        <p:nvSpPr>
+          <p:cNvPr id="4" name="TextBox 3"/>
+          <p:cNvSpPr txBox="1"/>
+          <p:nvPr/>
+        </p:nvSpPr>
+        <p:spPr>
+          <a:xfrm>
+            <a:off x="5103566" y="1337401"/>
+            <a:ext cx="2799185" cy="369332"/>
+          </a:xfrm>
+          <a:prstGeom prst="rect">
+            <a:avLst/>
+          </a:prstGeom>
+          <a:solidFill>
+            <a:schemeClr val="accent6">
+              <a:lumMod val="20000"/>
+              <a:lumOff val="80000"/>
+            </a:schemeClr>
+          </a:solidFill>
+        </p:spPr>
+        <p:txBody>
+          <a:bodyPr wrap="square" rtlCol="0">
+            <a:spAutoFit/>
+          </a:bodyPr>
+          <a:lstStyle/>
+          <a:p>
+            <a:pPr algn="ctr"/>
+            <a:r>
+              <a:rPr lang="en-US" smtClean="0"/>
+              <a:t>﻿Randomly select a word</a:t>
+            </a:r>
+            <a:endParaRPr lang="en-US" dirty="0"/>
+          </a:p>
+        </p:txBody>
+      </p:sp>
+      <p:sp>
+        <p:nvSpPr>
+          <p:cNvPr id="5" name="TextBox 4"/>
+          <p:cNvSpPr txBox="1"/>
+          <p:nvPr/>
+        </p:nvSpPr>
+        <p:spPr>
+          <a:xfrm>
+            <a:off x="4949611" y="1905801"/>
+            <a:ext cx="3107098" cy="369332"/>
+          </a:xfrm>
+          <a:prstGeom prst="rect">
+            <a:avLst/>
+          </a:prstGeom>
+          <a:solidFill>
+            <a:schemeClr val="accent6">
+              <a:lumMod val="20000"/>
+              <a:lumOff val="80000"/>
+            </a:schemeClr>
+          </a:solidFill>
+        </p:spPr>
+        <p:txBody>
+          <a:bodyPr wrap="square" rtlCol="0">
+            <a:spAutoFit/>
+          </a:bodyPr>
+          <a:lstStyle/>
+          <a:p>
+            <a:pPr algn="ctr"/>
+            <a:r>
+              <a:rPr lang="en-US" smtClean="0"/>
+              <a:t>﻿﻿Initialize game state variables</a:t>
+            </a:r>
+            <a:endParaRPr lang="en-US" dirty="0"/>
+          </a:p>
+        </p:txBody>
+      </p:sp>
+      <p:sp>
+        <p:nvSpPr>
+          <p:cNvPr id="6" name="TextBox 5"/>
+          <p:cNvSpPr txBox="1"/>
+          <p:nvPr/>
+        </p:nvSpPr>
+        <p:spPr>
+          <a:xfrm>
+            <a:off x="5103567" y="2468747"/>
+            <a:ext cx="2799185" cy="369332"/>
+          </a:xfrm>
+          <a:prstGeom prst="rect">
+            <a:avLst/>
+          </a:prstGeom>
+          <a:solidFill>
+            <a:schemeClr val="accent6">
+              <a:lumMod val="20000"/>
+              <a:lumOff val="80000"/>
+            </a:schemeClr>
+          </a:solidFill>
+        </p:spPr>
+        <p:txBody>
+          <a:bodyPr wrap="square" rtlCol="0">
+            <a:spAutoFit/>
+          </a:bodyPr>
+          <a:lstStyle/>
+          <a:p>
+            <a:pPr algn="ctr"/>
+            <a:r>
+              <a:rPr lang="en-US" smtClean="0"/>
+              <a:t>﻿Main game loop </a:t>
+            </a:r>
+            <a:endParaRPr lang="en-US" dirty="0"/>
+          </a:p>
+        </p:txBody>
+      </p:sp>
+      <p:sp>
+        <p:nvSpPr>
+          <p:cNvPr id="8" name="TextBox 7"/>
+          <p:cNvSpPr txBox="1"/>
+          <p:nvPr/>
+        </p:nvSpPr>
+        <p:spPr>
+          <a:xfrm>
+            <a:off x="5103566" y="3078348"/>
+            <a:ext cx="2799185" cy="369332"/>
+          </a:xfrm>
+          <a:prstGeom prst="rect">
+            <a:avLst/>
+          </a:prstGeom>
+          <a:solidFill>
+            <a:schemeClr val="accent2">
+              <a:lumMod val="20000"/>
+              <a:lumOff val="80000"/>
+            </a:schemeClr>
+          </a:solidFill>
+          <a:ln>
+            <a:solidFill>
+              <a:schemeClr val="tx1"/>
+            </a:solidFill>
+          </a:ln>
+        </p:spPr>
+        <p:txBody>
+          <a:bodyPr wrap="square" rtlCol="0">
+            <a:spAutoFit/>
+          </a:bodyPr>
+          <a:lstStyle/>
+          <a:p>
+            <a:pPr algn="ctr"/>
+            <a:r>
+              <a:rPr lang="en-US" smtClean="0"/>
+              <a:t>﻿﻿Print current game state</a:t>
+            </a:r>
+            <a:endParaRPr lang="en-US" dirty="0"/>
+          </a:p>
+        </p:txBody>
+      </p:sp>
+      <p:sp>
+        <p:nvSpPr>
+          <p:cNvPr id="9" name="TextBox 8"/>
+          <p:cNvSpPr txBox="1"/>
+          <p:nvPr/>
+        </p:nvSpPr>
+        <p:spPr>
+          <a:xfrm>
+            <a:off x="5026586" y="3641294"/>
+            <a:ext cx="2953144" cy="369332"/>
+          </a:xfrm>
+          <a:prstGeom prst="rect">
+            <a:avLst/>
+          </a:prstGeom>
+          <a:solidFill>
+            <a:schemeClr val="accent2">
+              <a:lumMod val="20000"/>
+              <a:lumOff val="80000"/>
+            </a:schemeClr>
+          </a:solidFill>
+        </p:spPr>
+        <p:txBody>
+          <a:bodyPr wrap="square" rtlCol="0">
+            <a:spAutoFit/>
+          </a:bodyPr>
+          <a:lstStyle/>
+          <a:p>
+            <a:pPr algn="ctr"/>
+            <a:r>
+              <a:rPr lang="en-US" dirty="0" smtClean="0"/>
+              <a:t>﻿Get player's next letter guess</a:t>
+            </a:r>
+            <a:endParaRPr lang="en-US" dirty="0"/>
+          </a:p>
+        </p:txBody>
+      </p:sp>
+      <p:sp>
+        <p:nvSpPr>
+          <p:cNvPr id="10" name="TextBox 9"/>
+          <p:cNvSpPr txBox="1"/>
+          <p:nvPr/>
+        </p:nvSpPr>
+        <p:spPr>
+          <a:xfrm>
+            <a:off x="4827142" y="4204240"/>
+            <a:ext cx="3352031" cy="369332"/>
+          </a:xfrm>
+          <a:prstGeom prst="rect">
+            <a:avLst/>
+          </a:prstGeom>
+          <a:solidFill>
+            <a:schemeClr val="accent2">
+              <a:lumMod val="20000"/>
+              <a:lumOff val="80000"/>
+            </a:schemeClr>
+          </a:solidFill>
+        </p:spPr>
+        <p:txBody>
+          <a:bodyPr wrap="square" rtlCol="0">
+            <a:spAutoFit/>
+          </a:bodyPr>
+          <a:lstStyle/>
+          <a:p>
+            <a:pPr algn="ctr"/>
+            <a:r>
+              <a:rPr lang="en-US" smtClean="0"/>
+              <a:t>﻿﻿Check if letter guess is in word</a:t>
+            </a:r>
+            <a:endParaRPr lang="en-US" dirty="0"/>
+          </a:p>
+        </p:txBody>
+      </p:sp>
+      <p:sp>
+        <p:nvSpPr>
+          <p:cNvPr id="12" name="TextBox 11"/>
+          <p:cNvSpPr txBox="1"/>
+          <p:nvPr/>
+        </p:nvSpPr>
+        <p:spPr>
+          <a:xfrm>
+            <a:off x="5594663" y="5796285"/>
+            <a:ext cx="1970948" cy="369332"/>
+          </a:xfrm>
+          <a:prstGeom prst="rect">
+            <a:avLst/>
+          </a:prstGeom>
+          <a:solidFill>
+            <a:schemeClr val="accent2">
+              <a:lumMod val="20000"/>
+              <a:lumOff val="80000"/>
+            </a:schemeClr>
+          </a:solidFill>
+        </p:spPr>
+        <p:txBody>
+          <a:bodyPr wrap="square" rtlCol="0">
+            <a:spAutoFit/>
+          </a:bodyPr>
+          <a:lstStyle/>
+          <a:p>
+            <a:pPr algn="ctr"/>
+            <a:r>
+              <a:rPr lang="en-US" dirty="0" smtClean="0"/>
+              <a:t>﻿-</a:t>
+            </a:r>
+            <a:r>
+              <a:rPr lang="en-US" smtClean="0"/>
+              <a:t>1 number of tries</a:t>
+            </a:r>
+            <a:endParaRPr lang="en-US" dirty="0"/>
+          </a:p>
+        </p:txBody>
+      </p:sp>
+      <p:sp>
+        <p:nvSpPr>
+          <p:cNvPr id="13" name="TextBox 12"/>
+          <p:cNvSpPr txBox="1"/>
+          <p:nvPr/>
+        </p:nvSpPr>
+        <p:spPr>
+          <a:xfrm>
+            <a:off x="5982391" y="6488669"/>
+            <a:ext cx="1334140" cy="369332"/>
+          </a:xfrm>
+          <a:prstGeom prst="rect">
+            <a:avLst/>
+          </a:prstGeom>
+          <a:solidFill>
+            <a:schemeClr val="accent2">
+              <a:lumMod val="20000"/>
+              <a:lumOff val="80000"/>
+            </a:schemeClr>
+          </a:solidFill>
+        </p:spPr>
+        <p:txBody>
+          <a:bodyPr wrap="square" rtlCol="0">
+            <a:spAutoFit/>
+          </a:bodyPr>
+          <a:lstStyle/>
+          <a:p>
+            <a:pPr algn="ctr"/>
+            <a:r>
+              <a:rPr lang="en-US" dirty="0" smtClean="0"/>
+              <a:t>﻿Finish </a:t>
+            </a:r>
+            <a:r>
+              <a:rPr lang="en-US" dirty="0"/>
+              <a:t>g</a:t>
+            </a:r>
+            <a:r>
+              <a:rPr lang="en-US" dirty="0" smtClean="0"/>
+              <a:t>ame</a:t>
+            </a:r>
+            <a:endParaRPr lang="en-US" dirty="0"/>
+          </a:p>
+        </p:txBody>
+      </p:sp>
+      <p:sp>
+        <p:nvSpPr>
+          <p:cNvPr id="14" name="Rectangle 13"/>
+          <p:cNvSpPr/>
+          <p:nvPr/>
+        </p:nvSpPr>
+        <p:spPr>
+          <a:xfrm>
+            <a:off x="6102222" y="4865500"/>
+            <a:ext cx="1114344" cy="646331"/>
+          </a:xfrm>
+          <a:prstGeom prst="rect">
+            <a:avLst/>
+          </a:prstGeom>
+        </p:spPr>
+        <p:txBody>
+          <a:bodyPr wrap="none">
+            <a:spAutoFit/>
+          </a:bodyPr>
+          <a:lstStyle/>
+          <a:p>
+            <a:pPr algn="ctr"/>
+            <a:r>
+              <a:rPr lang="en-US" dirty="0" smtClean="0"/>
+              <a:t>﻿Guessed </a:t>
+            </a:r>
+          </a:p>
+          <a:p>
+            <a:pPr algn="ctr"/>
+            <a:r>
+              <a:rPr lang="en-US" dirty="0" smtClean="0"/>
+              <a:t>correctly?</a:t>
+            </a:r>
+            <a:endParaRPr lang="en-US" dirty="0"/>
+          </a:p>
+        </p:txBody>
+      </p:sp>
+      <p:sp>
+        <p:nvSpPr>
+          <p:cNvPr id="15" name="Rectangle 14"/>
+          <p:cNvSpPr/>
+          <p:nvPr/>
+        </p:nvSpPr>
+        <p:spPr>
+          <a:xfrm>
+            <a:off x="1723836" y="5711301"/>
+            <a:ext cx="1966039" cy="646331"/>
+          </a:xfrm>
+          <a:prstGeom prst="rect">
+            <a:avLst/>
+          </a:prstGeom>
+        </p:spPr>
+        <p:txBody>
+          <a:bodyPr wrap="square">
+            <a:spAutoFit/>
+          </a:bodyPr>
+          <a:lstStyle/>
+          <a:p>
+            <a:pPr algn="ctr"/>
+            <a:r>
+              <a:rPr lang="en-US" dirty="0" smtClean="0"/>
+              <a:t>﻿Number of tries exhausted?  </a:t>
+            </a:r>
+            <a:endParaRPr lang="en-US" dirty="0"/>
+          </a:p>
+        </p:txBody>
+      </p:sp>
+      <p:sp>
+        <p:nvSpPr>
+          <p:cNvPr id="16" name="Rectangle 15"/>
+          <p:cNvSpPr/>
+          <p:nvPr/>
+        </p:nvSpPr>
+        <p:spPr>
+          <a:xfrm>
+            <a:off x="9869483" y="4988555"/>
+            <a:ext cx="1898084" cy="646331"/>
+          </a:xfrm>
+          <a:prstGeom prst="rect">
+            <a:avLst/>
+          </a:prstGeom>
+        </p:spPr>
+        <p:txBody>
+          <a:bodyPr wrap="none">
+            <a:spAutoFit/>
+          </a:bodyPr>
+          <a:lstStyle/>
+          <a:p>
+            <a:pPr algn="ctr"/>
+            <a:r>
+              <a:rPr lang="en-US" dirty="0" smtClean="0"/>
+              <a:t>﻿Word  completely </a:t>
+            </a:r>
+          </a:p>
+          <a:p>
+            <a:pPr algn="ctr"/>
+            <a:r>
+              <a:rPr lang="en-US" dirty="0" smtClean="0"/>
+              <a:t>solved?</a:t>
+            </a:r>
+            <a:endParaRPr lang="en-US" dirty="0"/>
+          </a:p>
+        </p:txBody>
+      </p:sp>
+      <p:sp>
+        <p:nvSpPr>
+          <p:cNvPr id="20" name="Down Arrow 19"/>
+          <p:cNvSpPr/>
+          <p:nvPr/>
+        </p:nvSpPr>
+        <p:spPr>
+          <a:xfrm>
+            <a:off x="6330736" y="459405"/>
+            <a:ext cx="292608" cy="369332"/>
+          </a:xfrm>
+          <a:prstGeom prst="downArrow">
+            <a:avLst/>
+          </a:prstGeom>
+        </p:spPr>
+        <p:style>
+          <a:lnRef idx="2">
+            <a:schemeClr val="accent1">
+              <a:shade val="50000"/>
+            </a:schemeClr>
+          </a:lnRef>
+          <a:fillRef idx="1">
+            <a:schemeClr val="accent1"/>
+          </a:fillRef>
+          <a:effectRef idx="0">
+            <a:schemeClr val="accent1"/>
+          </a:effectRef>
+          <a:fontRef idx="minor">
+            <a:schemeClr val="lt1"/>
+          </a:fontRef>
+        </p:style>
+        <p:txBody>
+          <a:bodyPr rtlCol="0" anchor="ctr"/>
+          <a:lstStyle/>
+          <a:p>
+            <a:pPr algn="ctr"/>
+            <a:endParaRPr lang="en-US"/>
+          </a:p>
+        </p:txBody>
+      </p:sp>
+      <p:sp>
+        <p:nvSpPr>
+          <p:cNvPr id="21" name="Down Arrow 20"/>
+          <p:cNvSpPr/>
+          <p:nvPr/>
+        </p:nvSpPr>
+        <p:spPr>
+          <a:xfrm>
+            <a:off x="6356853" y="1057735"/>
+            <a:ext cx="292608" cy="369332"/>
+          </a:xfrm>
+          <a:prstGeom prst="downArrow">
+            <a:avLst/>
+          </a:prstGeom>
+        </p:spPr>
+        <p:style>
+          <a:lnRef idx="2">
+            <a:schemeClr val="accent1">
+              <a:shade val="50000"/>
+            </a:schemeClr>
+          </a:lnRef>
+          <a:fillRef idx="1">
+            <a:schemeClr val="accent1"/>
+          </a:fillRef>
+          <a:effectRef idx="0">
+            <a:schemeClr val="accent1"/>
+          </a:effectRef>
+          <a:fontRef idx="minor">
+            <a:schemeClr val="lt1"/>
+          </a:fontRef>
+        </p:style>
+        <p:txBody>
+          <a:bodyPr rtlCol="0" anchor="ctr"/>
+          <a:lstStyle/>
+          <a:p>
+            <a:pPr algn="ctr"/>
+            <a:endParaRPr lang="en-US"/>
+          </a:p>
+        </p:txBody>
+      </p:sp>
+      <p:sp>
+        <p:nvSpPr>
+          <p:cNvPr id="22" name="Down Arrow 21"/>
+          <p:cNvSpPr/>
+          <p:nvPr/>
+        </p:nvSpPr>
+        <p:spPr>
+          <a:xfrm>
+            <a:off x="6356853" y="1656065"/>
+            <a:ext cx="292608" cy="369332"/>
+          </a:xfrm>
+          <a:prstGeom prst="downArrow">
+            <a:avLst/>
+          </a:prstGeom>
+        </p:spPr>
+        <p:style>
+          <a:lnRef idx="2">
+            <a:schemeClr val="accent1">
+              <a:shade val="50000"/>
+            </a:schemeClr>
+          </a:lnRef>
+          <a:fillRef idx="1">
+            <a:schemeClr val="accent1"/>
+          </a:fillRef>
+          <a:effectRef idx="0">
+            <a:schemeClr val="accent1"/>
+          </a:effectRef>
+          <a:fontRef idx="minor">
+            <a:schemeClr val="lt1"/>
+          </a:fontRef>
+        </p:style>
+        <p:txBody>
+          <a:bodyPr rtlCol="0" anchor="ctr"/>
+          <a:lstStyle/>
+          <a:p>
+            <a:pPr algn="ctr"/>
+            <a:endParaRPr lang="en-US"/>
+          </a:p>
+        </p:txBody>
+      </p:sp>
+      <p:sp>
+        <p:nvSpPr>
+          <p:cNvPr id="23" name="Down Arrow 22"/>
+          <p:cNvSpPr/>
+          <p:nvPr/>
+        </p:nvSpPr>
+        <p:spPr>
+          <a:xfrm>
+            <a:off x="6365617" y="2219935"/>
+            <a:ext cx="292608" cy="369332"/>
+          </a:xfrm>
+          <a:prstGeom prst="downArrow">
+            <a:avLst/>
+          </a:prstGeom>
+        </p:spPr>
+        <p:style>
+          <a:lnRef idx="2">
+            <a:schemeClr val="accent1">
+              <a:shade val="50000"/>
+            </a:schemeClr>
+          </a:lnRef>
+          <a:fillRef idx="1">
+            <a:schemeClr val="accent1"/>
+          </a:fillRef>
+          <a:effectRef idx="0">
+            <a:schemeClr val="accent1"/>
+          </a:effectRef>
+          <a:fontRef idx="minor">
+            <a:schemeClr val="lt1"/>
+          </a:fontRef>
+        </p:style>
+        <p:txBody>
+          <a:bodyPr rtlCol="0" anchor="ctr"/>
+          <a:lstStyle/>
+          <a:p>
+            <a:pPr algn="ctr"/>
+            <a:endParaRPr lang="en-US"/>
+          </a:p>
+        </p:txBody>
+      </p:sp>
+      <p:sp>
+        <p:nvSpPr>
+          <p:cNvPr id="24" name="Down Arrow 23"/>
+          <p:cNvSpPr/>
+          <p:nvPr/>
+        </p:nvSpPr>
+        <p:spPr>
+          <a:xfrm>
+            <a:off x="6374381" y="2780577"/>
+            <a:ext cx="292608" cy="369332"/>
+          </a:xfrm>
+          <a:prstGeom prst="downArrow">
+            <a:avLst/>
+          </a:prstGeom>
+        </p:spPr>
+        <p:style>
+          <a:lnRef idx="2">
+            <a:schemeClr val="accent1">
+              <a:shade val="50000"/>
+            </a:schemeClr>
+          </a:lnRef>
+          <a:fillRef idx="1">
+            <a:schemeClr val="accent1"/>
+          </a:fillRef>
+          <a:effectRef idx="0">
+            <a:schemeClr val="accent1"/>
+          </a:effectRef>
+          <a:fontRef idx="minor">
+            <a:schemeClr val="lt1"/>
+          </a:fontRef>
+        </p:style>
+        <p:txBody>
+          <a:bodyPr rtlCol="0" anchor="ctr"/>
+          <a:lstStyle/>
+          <a:p>
+            <a:pPr algn="ctr"/>
+            <a:endParaRPr lang="en-US"/>
+          </a:p>
+        </p:txBody>
+      </p:sp>
+      <p:sp>
+        <p:nvSpPr>
+          <p:cNvPr id="25" name="Down Arrow 24"/>
+          <p:cNvSpPr/>
+          <p:nvPr/>
+        </p:nvSpPr>
+        <p:spPr>
+          <a:xfrm>
+            <a:off x="6410233" y="3401431"/>
+            <a:ext cx="292608" cy="369332"/>
+          </a:xfrm>
+          <a:prstGeom prst="downArrow">
+            <a:avLst/>
+          </a:prstGeom>
+        </p:spPr>
+        <p:style>
+          <a:lnRef idx="2">
+            <a:schemeClr val="accent1">
+              <a:shade val="50000"/>
+            </a:schemeClr>
+          </a:lnRef>
+          <a:fillRef idx="1">
+            <a:schemeClr val="accent1"/>
+          </a:fillRef>
+          <a:effectRef idx="0">
+            <a:schemeClr val="accent1"/>
+          </a:effectRef>
+          <a:fontRef idx="minor">
+            <a:schemeClr val="lt1"/>
+          </a:fontRef>
+        </p:style>
+        <p:txBody>
+          <a:bodyPr rtlCol="0" anchor="ctr"/>
+          <a:lstStyle/>
+          <a:p>
+            <a:pPr algn="ctr"/>
+            <a:endParaRPr lang="en-US"/>
+          </a:p>
+        </p:txBody>
+      </p:sp>
+      <p:sp>
+        <p:nvSpPr>
+          <p:cNvPr id="26" name="Down Arrow 25"/>
+          <p:cNvSpPr/>
+          <p:nvPr/>
+        </p:nvSpPr>
+        <p:spPr>
+          <a:xfrm>
+            <a:off x="6410233" y="3961528"/>
+            <a:ext cx="292608" cy="369332"/>
+          </a:xfrm>
+          <a:prstGeom prst="downArrow">
+            <a:avLst/>
+          </a:prstGeom>
+        </p:spPr>
+        <p:style>
+          <a:lnRef idx="2">
+            <a:schemeClr val="accent1">
+              <a:shade val="50000"/>
+            </a:schemeClr>
+          </a:lnRef>
+          <a:fillRef idx="1">
+            <a:schemeClr val="accent1"/>
+          </a:fillRef>
+          <a:effectRef idx="0">
+            <a:schemeClr val="accent1"/>
+          </a:effectRef>
+          <a:fontRef idx="minor">
+            <a:schemeClr val="lt1"/>
+          </a:fontRef>
+        </p:style>
+        <p:txBody>
+          <a:bodyPr rtlCol="0" anchor="ctr"/>
+          <a:lstStyle/>
+          <a:p>
+            <a:pPr algn="ctr"/>
+            <a:endParaRPr lang="en-US"/>
+          </a:p>
+        </p:txBody>
+      </p:sp>
+      <p:sp>
+        <p:nvSpPr>
+          <p:cNvPr id="27" name="Down Arrow 26"/>
+          <p:cNvSpPr/>
+          <p:nvPr/>
+        </p:nvSpPr>
+        <p:spPr>
+          <a:xfrm>
+            <a:off x="6410233" y="4538925"/>
+            <a:ext cx="292608" cy="369332"/>
+          </a:xfrm>
+          <a:prstGeom prst="downArrow">
+            <a:avLst/>
+          </a:prstGeom>
+        </p:spPr>
+        <p:style>
+          <a:lnRef idx="2">
+            <a:schemeClr val="accent1">
+              <a:shade val="50000"/>
+            </a:schemeClr>
+          </a:lnRef>
+          <a:fillRef idx="1">
+            <a:schemeClr val="accent1"/>
+          </a:fillRef>
+          <a:effectRef idx="0">
+            <a:schemeClr val="accent1"/>
+          </a:effectRef>
+          <a:fontRef idx="minor">
+            <a:schemeClr val="lt1"/>
+          </a:fontRef>
+        </p:style>
+        <p:txBody>
+          <a:bodyPr rtlCol="0" anchor="ctr"/>
+          <a:lstStyle/>
+          <a:p>
+            <a:pPr algn="ctr"/>
+            <a:endParaRPr lang="en-US"/>
+          </a:p>
+        </p:txBody>
+      </p:sp>
+      <p:sp>
+        <p:nvSpPr>
+          <p:cNvPr id="28" name="Down Arrow 27"/>
+          <p:cNvSpPr/>
+          <p:nvPr/>
+        </p:nvSpPr>
+        <p:spPr>
+          <a:xfrm>
+            <a:off x="6437705" y="5515204"/>
+            <a:ext cx="292608" cy="369332"/>
+          </a:xfrm>
+          <a:prstGeom prst="downArrow">
+            <a:avLst/>
+          </a:prstGeom>
+        </p:spPr>
+        <p:style>
+          <a:lnRef idx="2">
+            <a:schemeClr val="accent1">
+              <a:shade val="50000"/>
+            </a:schemeClr>
+          </a:lnRef>
+          <a:fillRef idx="1">
+            <a:schemeClr val="accent1"/>
+          </a:fillRef>
+          <a:effectRef idx="0">
+            <a:schemeClr val="accent1"/>
+          </a:effectRef>
+          <a:fontRef idx="minor">
+            <a:schemeClr val="lt1"/>
+          </a:fontRef>
+        </p:style>
+        <p:txBody>
+          <a:bodyPr rtlCol="0" anchor="ctr"/>
+          <a:lstStyle/>
+          <a:p>
+            <a:pPr algn="ctr"/>
+            <a:endParaRPr lang="en-US"/>
+          </a:p>
+        </p:txBody>
+      </p:sp>
+      <p:sp>
+        <p:nvSpPr>
+          <p:cNvPr id="29" name="Down Arrow 28"/>
+          <p:cNvSpPr/>
+          <p:nvPr/>
+        </p:nvSpPr>
+        <p:spPr>
+          <a:xfrm rot="5400000">
+            <a:off x="4544456" y="5127166"/>
+            <a:ext cx="292608" cy="1751118"/>
+          </a:xfrm>
+          <a:prstGeom prst="downArrow">
+            <a:avLst/>
+          </a:prstGeom>
+        </p:spPr>
+        <p:style>
+          <a:lnRef idx="2">
+            <a:schemeClr val="accent1">
+              <a:shade val="50000"/>
+            </a:schemeClr>
+          </a:lnRef>
+          <a:fillRef idx="1">
+            <a:schemeClr val="accent1"/>
+          </a:fillRef>
+          <a:effectRef idx="0">
+            <a:schemeClr val="accent1"/>
+          </a:effectRef>
+          <a:fontRef idx="minor">
+            <a:schemeClr val="lt1"/>
+          </a:fontRef>
+        </p:style>
+        <p:txBody>
+          <a:bodyPr rtlCol="0" anchor="ctr"/>
+          <a:lstStyle/>
+          <a:p>
+            <a:pPr algn="ctr"/>
+            <a:endParaRPr lang="en-US"/>
+          </a:p>
+        </p:txBody>
+      </p:sp>
+      <p:sp>
+        <p:nvSpPr>
+          <p:cNvPr id="30" name="Down Arrow 29"/>
+          <p:cNvSpPr/>
+          <p:nvPr/>
+        </p:nvSpPr>
+        <p:spPr>
+          <a:xfrm rot="16200000" flipH="1">
+            <a:off x="8599017" y="4339437"/>
+            <a:ext cx="292608" cy="1751118"/>
+          </a:xfrm>
+          <a:prstGeom prst="downArrow">
+            <a:avLst/>
+          </a:prstGeom>
+        </p:spPr>
+        <p:style>
+          <a:lnRef idx="2">
+            <a:schemeClr val="accent1">
+              <a:shade val="50000"/>
+            </a:schemeClr>
+          </a:lnRef>
+          <a:fillRef idx="1">
+            <a:schemeClr val="accent1"/>
+          </a:fillRef>
+          <a:effectRef idx="0">
+            <a:schemeClr val="accent1"/>
+          </a:effectRef>
+          <a:fontRef idx="minor">
+            <a:schemeClr val="lt1"/>
+          </a:fontRef>
+        </p:style>
+        <p:txBody>
+          <a:bodyPr rtlCol="0" anchor="ctr"/>
+          <a:lstStyle/>
+          <a:p>
+            <a:pPr algn="ctr"/>
+            <a:endParaRPr lang="en-US"/>
+          </a:p>
+        </p:txBody>
+      </p:sp>
+      <p:cxnSp>
+        <p:nvCxnSpPr>
+          <p:cNvPr id="32" name="Elbow Connector 31"/>
+          <p:cNvCxnSpPr>
+            <a:stCxn id="18" idx="0"/>
+            <a:endCxn id="8" idx="1"/>
+          </p:cNvCxnSpPr>
+          <p:nvPr/>
+        </p:nvCxnSpPr>
+        <p:spPr>
+          <a:xfrm rot="5400000" flipH="1" flipV="1">
+            <a:off x="2808850" y="3106432"/>
+            <a:ext cx="2138134" cy="2451298"/>
+          </a:xfrm>
+          <a:prstGeom prst="bentConnector2">
+            <a:avLst/>
+          </a:prstGeom>
+          <a:ln w="73025">
+            <a:tailEnd type="triangle"/>
+          </a:ln>
+        </p:spPr>
+        <p:style>
+          <a:lnRef idx="1">
+            <a:schemeClr val="accent1"/>
+          </a:lnRef>
+          <a:fillRef idx="0">
+            <a:schemeClr val="accent1"/>
+          </a:fillRef>
+          <a:effectRef idx="0">
+            <a:schemeClr val="accent1"/>
+          </a:effectRef>
+          <a:fontRef idx="minor">
+            <a:schemeClr val="tx1"/>
+          </a:fontRef>
+        </p:style>
+      </p:cxnSp>
+      <p:cxnSp>
+        <p:nvCxnSpPr>
+          <p:cNvPr id="34" name="Elbow Connector 33"/>
+          <p:cNvCxnSpPr>
+            <a:stCxn id="19" idx="2"/>
+            <a:endCxn id="13" idx="3"/>
+          </p:cNvCxnSpPr>
+          <p:nvPr/>
+        </p:nvCxnSpPr>
+        <p:spPr>
+          <a:xfrm rot="5400000">
+            <a:off x="8643400" y="4498209"/>
+            <a:ext cx="848257" cy="3501994"/>
+          </a:xfrm>
+          <a:prstGeom prst="bentConnector2">
+            <a:avLst/>
+          </a:prstGeom>
+          <a:ln w="73025">
+            <a:tailEnd type="triangle"/>
+          </a:ln>
+        </p:spPr>
+        <p:style>
+          <a:lnRef idx="1">
+            <a:schemeClr val="accent1"/>
+          </a:lnRef>
+          <a:fillRef idx="0">
+            <a:schemeClr val="accent1"/>
+          </a:fillRef>
+          <a:effectRef idx="0">
+            <a:schemeClr val="accent1"/>
+          </a:effectRef>
+          <a:fontRef idx="minor">
+            <a:schemeClr val="tx1"/>
+          </a:fontRef>
+        </p:style>
+      </p:cxnSp>
+      <p:cxnSp>
+        <p:nvCxnSpPr>
+          <p:cNvPr id="36" name="Elbow Connector 35"/>
+          <p:cNvCxnSpPr>
+            <a:stCxn id="19" idx="0"/>
+            <a:endCxn id="8" idx="3"/>
+          </p:cNvCxnSpPr>
+          <p:nvPr/>
+        </p:nvCxnSpPr>
+        <p:spPr>
+          <a:xfrm rot="16200000" flipV="1">
+            <a:off x="8673115" y="2492651"/>
+            <a:ext cx="1375047" cy="2915774"/>
+          </a:xfrm>
+          <a:prstGeom prst="bentConnector2">
+            <a:avLst/>
+          </a:prstGeom>
+          <a:ln w="73025">
+            <a:tailEnd type="triangle"/>
+          </a:ln>
+        </p:spPr>
+        <p:style>
+          <a:lnRef idx="1">
+            <a:schemeClr val="accent1"/>
+          </a:lnRef>
+          <a:fillRef idx="0">
+            <a:schemeClr val="accent1"/>
+          </a:fillRef>
+          <a:effectRef idx="0">
+            <a:schemeClr val="accent1"/>
+          </a:effectRef>
+          <a:fontRef idx="minor">
+            <a:schemeClr val="tx1"/>
+          </a:fontRef>
+        </p:style>
+      </p:cxnSp>
+      <p:cxnSp>
+        <p:nvCxnSpPr>
+          <p:cNvPr id="38" name="Elbow Connector 37"/>
+          <p:cNvCxnSpPr>
+            <a:stCxn id="18" idx="2"/>
+            <a:endCxn id="13" idx="1"/>
+          </p:cNvCxnSpPr>
+          <p:nvPr/>
+        </p:nvCxnSpPr>
+        <p:spPr>
+          <a:xfrm rot="16200000" flipH="1">
+            <a:off x="4274744" y="4965688"/>
+            <a:ext cx="85170" cy="3330123"/>
+          </a:xfrm>
+          <a:prstGeom prst="bentConnector2">
+            <a:avLst/>
+          </a:prstGeom>
+          <a:ln w="73025">
+            <a:tailEnd type="triangle"/>
+          </a:ln>
+        </p:spPr>
+        <p:style>
+          <a:lnRef idx="1">
+            <a:schemeClr val="accent1"/>
+          </a:lnRef>
+          <a:fillRef idx="0">
+            <a:schemeClr val="accent1"/>
+          </a:fillRef>
+          <a:effectRef idx="0">
+            <a:schemeClr val="accent1"/>
+          </a:effectRef>
+          <a:fontRef idx="minor">
+            <a:schemeClr val="tx1"/>
+          </a:fontRef>
+        </p:style>
+      </p:cxnSp>
+      <p:sp>
+        <p:nvSpPr>
+          <p:cNvPr id="41" name="TextBox 40"/>
+          <p:cNvSpPr txBox="1"/>
+          <p:nvPr/>
+        </p:nvSpPr>
+        <p:spPr>
+          <a:xfrm>
+            <a:off x="6414490" y="5494872"/>
+            <a:ext cx="971938" cy="369332"/>
+          </a:xfrm>
+          <a:prstGeom prst="rect">
+            <a:avLst/>
+          </a:prstGeom>
+          <a:noFill/>
+        </p:spPr>
+        <p:txBody>
+          <a:bodyPr wrap="square" rtlCol="0">
+            <a:spAutoFit/>
+          </a:bodyPr>
+          <a:lstStyle/>
+          <a:p>
+            <a:pPr algn="ctr"/>
+            <a:r>
+              <a:rPr lang="en-US" smtClean="0"/>
+              <a:t>NO</a:t>
+            </a:r>
+            <a:endParaRPr lang="en-US" dirty="0"/>
+          </a:p>
+        </p:txBody>
+      </p:sp>
+      <p:sp>
+        <p:nvSpPr>
+          <p:cNvPr id="42" name="TextBox 41"/>
+          <p:cNvSpPr txBox="1"/>
+          <p:nvPr/>
+        </p:nvSpPr>
+        <p:spPr>
+          <a:xfrm>
+            <a:off x="10626826" y="3825960"/>
+            <a:ext cx="971938" cy="369332"/>
+          </a:xfrm>
+          <a:prstGeom prst="rect">
+            <a:avLst/>
+          </a:prstGeom>
+          <a:noFill/>
+        </p:spPr>
+        <p:txBody>
+          <a:bodyPr wrap="square" rtlCol="0">
+            <a:spAutoFit/>
+          </a:bodyPr>
+          <a:lstStyle/>
+          <a:p>
+            <a:pPr algn="ctr"/>
+            <a:r>
+              <a:rPr lang="en-US" smtClean="0"/>
+              <a:t>NO</a:t>
+            </a:r>
+            <a:endParaRPr lang="en-US" dirty="0"/>
+          </a:p>
+        </p:txBody>
+      </p:sp>
+      <p:sp>
+        <p:nvSpPr>
+          <p:cNvPr id="43" name="TextBox 42"/>
+          <p:cNvSpPr txBox="1"/>
+          <p:nvPr/>
+        </p:nvSpPr>
+        <p:spPr>
+          <a:xfrm>
+            <a:off x="1867751" y="4268729"/>
+            <a:ext cx="971938" cy="369332"/>
+          </a:xfrm>
+          <a:prstGeom prst="rect">
+            <a:avLst/>
+          </a:prstGeom>
+          <a:noFill/>
+        </p:spPr>
+        <p:txBody>
+          <a:bodyPr wrap="square" rtlCol="0">
+            <a:spAutoFit/>
+          </a:bodyPr>
+          <a:lstStyle/>
+          <a:p>
+            <a:pPr algn="ctr"/>
+            <a:r>
+              <a:rPr lang="en-US" smtClean="0"/>
+              <a:t>NO</a:t>
+            </a:r>
+            <a:endParaRPr lang="en-US" dirty="0"/>
+          </a:p>
+        </p:txBody>
+      </p:sp>
+      <p:sp>
+        <p:nvSpPr>
+          <p:cNvPr id="44" name="TextBox 43"/>
+          <p:cNvSpPr txBox="1"/>
+          <p:nvPr/>
+        </p:nvSpPr>
+        <p:spPr>
+          <a:xfrm>
+            <a:off x="8315661" y="4803889"/>
+            <a:ext cx="971938" cy="369332"/>
+          </a:xfrm>
+          <a:prstGeom prst="rect">
+            <a:avLst/>
+          </a:prstGeom>
+          <a:noFill/>
+        </p:spPr>
+        <p:txBody>
+          <a:bodyPr wrap="square" rtlCol="0">
+            <a:spAutoFit/>
+          </a:bodyPr>
+          <a:lstStyle/>
+          <a:p>
+            <a:pPr algn="ctr"/>
+            <a:r>
+              <a:rPr lang="en-US" smtClean="0"/>
+              <a:t>YES</a:t>
+            </a:r>
+            <a:endParaRPr lang="en-US" dirty="0"/>
+          </a:p>
+        </p:txBody>
+      </p:sp>
+      <p:sp>
+        <p:nvSpPr>
+          <p:cNvPr id="45" name="TextBox 44"/>
+          <p:cNvSpPr txBox="1"/>
+          <p:nvPr/>
+        </p:nvSpPr>
+        <p:spPr>
+          <a:xfrm>
+            <a:off x="8340577" y="6283184"/>
+            <a:ext cx="971938" cy="369332"/>
+          </a:xfrm>
+          <a:prstGeom prst="rect">
+            <a:avLst/>
+          </a:prstGeom>
+          <a:noFill/>
+        </p:spPr>
+        <p:txBody>
+          <a:bodyPr wrap="square" rtlCol="0">
+            <a:spAutoFit/>
+          </a:bodyPr>
+          <a:lstStyle/>
+          <a:p>
+            <a:pPr algn="ctr"/>
+            <a:r>
+              <a:rPr lang="en-US" smtClean="0"/>
+              <a:t>YES</a:t>
+            </a:r>
+            <a:endParaRPr lang="en-US" dirty="0"/>
+          </a:p>
+        </p:txBody>
+      </p:sp>
+      <p:sp>
+        <p:nvSpPr>
+          <p:cNvPr id="46" name="TextBox 45"/>
+          <p:cNvSpPr txBox="1"/>
+          <p:nvPr/>
+        </p:nvSpPr>
+        <p:spPr>
+          <a:xfrm>
+            <a:off x="3956911" y="6304003"/>
+            <a:ext cx="971938" cy="369332"/>
+          </a:xfrm>
+          <a:prstGeom prst="rect">
+            <a:avLst/>
+          </a:prstGeom>
+          <a:noFill/>
+        </p:spPr>
+        <p:txBody>
+          <a:bodyPr wrap="square" rtlCol="0">
+            <a:spAutoFit/>
+          </a:bodyPr>
+          <a:lstStyle/>
+          <a:p>
+            <a:pPr algn="ctr"/>
+            <a:r>
+              <a:rPr lang="en-US" smtClean="0"/>
+              <a:t>YES</a:t>
+            </a:r>
+            <a:endParaRPr lang="en-US" dirty="0"/>
+          </a:p>
+        </p:txBody>
+      </p:sp>
+      <p:pic>
+        <p:nvPicPr>
+          <p:cNvPr id="11" name="Picture 10"/>
+          <p:cNvPicPr>
+            <a:picLocks noChangeAspect="1"/>
+          </p:cNvPicPr>
+          <p:nvPr/>
+        </p:nvPicPr>
+        <p:blipFill>
+          <a:blip r:embed="rId2"/>
+          <a:stretch>
+            <a:fillRect/>
+          </a:stretch>
+        </p:blipFill>
+        <p:spPr>
+          <a:xfrm>
+            <a:off x="267207" y="235799"/>
+            <a:ext cx="4371186" cy="1946294"/>
+          </a:xfrm>
+          <a:prstGeom prst="rect">
+            <a:avLst/>
+          </a:prstGeom>
+          <a:ln>
+            <a:solidFill>
+              <a:schemeClr val="accent1"/>
+            </a:solidFill>
+          </a:ln>
+        </p:spPr>
+      </p:pic>
+      <p:cxnSp>
+        <p:nvCxnSpPr>
+          <p:cNvPr id="47" name="Straight Connector 46"/>
+          <p:cNvCxnSpPr>
+            <a:stCxn id="5" idx="1"/>
+          </p:cNvCxnSpPr>
+          <p:nvPr/>
+        </p:nvCxnSpPr>
+        <p:spPr>
+          <a:xfrm flipH="1" flipV="1">
+            <a:off x="4646572" y="1982862"/>
+            <a:ext cx="303039" cy="107605"/>
+          </a:xfrm>
+          <a:prstGeom prst="line">
+            <a:avLst/>
+          </a:prstGeom>
+        </p:spPr>
+        <p:style>
+          <a:lnRef idx="1">
+            <a:schemeClr val="accent1"/>
+          </a:lnRef>
+          <a:fillRef idx="0">
+            <a:schemeClr val="accent1"/>
+          </a:fillRef>
+          <a:effectRef idx="0">
+            <a:schemeClr val="accent1"/>
+          </a:effectRef>
+          <a:fontRef idx="minor">
+            <a:schemeClr val="tx1"/>
+          </a:fontRef>
+        </p:style>
+      </p:cxnSp>
     </p:spTree>
     <p:extLst>
       <p:ext uri="{BB962C8B-B14F-4D97-AF65-F5344CB8AC3E}">
-        <p14:creationId xmlns:p14="http://schemas.microsoft.com/office/powerpoint/2010/main" val="1419586117"/>
+        <p14:creationId xmlns:p14="http://schemas.microsoft.com/office/powerpoint/2010/main" val="1262559128"/>
       </p:ext>
     </p:extLst>
   </p:cSld>
